--- a/InformeDCIS/Template.pptx
+++ b/InformeDCIS/Template.pptx
@@ -1,27 +1,122 @@
 
 <file path=ppt/presentation.xml><?xml version="1.0" encoding="utf-8"?>
-<p:presentation xmlns:a="http://schemas.openxmlformats.org/drawingml/2006/main" xmlns:p="http://schemas.openxmlformats.org/presentationml/2006/main" xmlns:r="http://schemas.openxmlformats.org/officeDocument/2006/relationships" xmlns:p14="http://schemas.microsoft.com/office/powerpoint/2010/main" xmlns:p15="http://schemas.microsoft.com/office/powerpoint/2012/main" xmlns:mc="http://schemas.openxmlformats.org/markup-compatibility/2006">
+<p:presentation xmlns:a="http://schemas.openxmlformats.org/drawingml/2006/main" xmlns:r="http://schemas.openxmlformats.org/officeDocument/2006/relationships" xmlns:p="http://schemas.openxmlformats.org/presentationml/2006/main">
   <p:sldMasterIdLst>
-    <p:sldMasterId id="2147483648" r:id="rId2"/>
-    <p:sldMasterId id="2147483650" r:id="rId3"/>
-    <p:sldMasterId id="2147483652" r:id="rId4"/>
-    <p:sldMasterId id="2147483654" r:id="rId5"/>
-    <p:sldMasterId id="2147483656" r:id="rId6"/>
-    <p:sldMasterId id="2147483658" r:id="rId7"/>
-    <p:sldMasterId id="2147483660" r:id="rId8"/>
-    <p:sldMasterId id="2147483662" r:id="rId9"/>
-    <p:sldMasterId id="2147483664" r:id="rId10"/>
+    <p:sldMasterId id="2147483648" r:id="rId1"/>
+    <p:sldMasterId id="2147483650" r:id="rId2"/>
+    <p:sldMasterId id="2147483652" r:id="rId3"/>
+    <p:sldMasterId id="2147483654" r:id="rId4"/>
+    <p:sldMasterId id="2147483656" r:id="rId5"/>
+    <p:sldMasterId id="2147483658" r:id="rId6"/>
+    <p:sldMasterId id="2147483660" r:id="rId7"/>
+    <p:sldMasterId id="2147483662" r:id="rId8"/>
+    <p:sldMasterId id="2147483664" r:id="rId9"/>
   </p:sldMasterIdLst>
   <p:sldIdLst>
-    <p:sldId id="256" r:id="rId11"/>
+    <p:sldId id="256" r:id="rId10"/>
   </p:sldIdLst>
   <p:sldSz cx="12192000" cy="6858000"/>
   <p:notesSz cx="7772400" cy="10058400"/>
+  <p:defaultTextStyle>
+    <a:defPPr>
+      <a:defRPr lang="es-MX"/>
+    </a:defPPr>
+    <a:lvl1pPr marL="0" algn="l" defTabSz="914400" rtl="0" eaLnBrk="1" latinLnBrk="0" hangingPunct="1">
+      <a:defRPr sz="1800" kern="1200">
+        <a:solidFill>
+          <a:schemeClr val="tx1"/>
+        </a:solidFill>
+        <a:latin typeface="+mn-lt"/>
+        <a:ea typeface="+mn-ea"/>
+        <a:cs typeface="+mn-cs"/>
+      </a:defRPr>
+    </a:lvl1pPr>
+    <a:lvl2pPr marL="457200" algn="l" defTabSz="914400" rtl="0" eaLnBrk="1" latinLnBrk="0" hangingPunct="1">
+      <a:defRPr sz="1800" kern="1200">
+        <a:solidFill>
+          <a:schemeClr val="tx1"/>
+        </a:solidFill>
+        <a:latin typeface="+mn-lt"/>
+        <a:ea typeface="+mn-ea"/>
+        <a:cs typeface="+mn-cs"/>
+      </a:defRPr>
+    </a:lvl2pPr>
+    <a:lvl3pPr marL="914400" algn="l" defTabSz="914400" rtl="0" eaLnBrk="1" latinLnBrk="0" hangingPunct="1">
+      <a:defRPr sz="1800" kern="1200">
+        <a:solidFill>
+          <a:schemeClr val="tx1"/>
+        </a:solidFill>
+        <a:latin typeface="+mn-lt"/>
+        <a:ea typeface="+mn-ea"/>
+        <a:cs typeface="+mn-cs"/>
+      </a:defRPr>
+    </a:lvl3pPr>
+    <a:lvl4pPr marL="1371600" algn="l" defTabSz="914400" rtl="0" eaLnBrk="1" latinLnBrk="0" hangingPunct="1">
+      <a:defRPr sz="1800" kern="1200">
+        <a:solidFill>
+          <a:schemeClr val="tx1"/>
+        </a:solidFill>
+        <a:latin typeface="+mn-lt"/>
+        <a:ea typeface="+mn-ea"/>
+        <a:cs typeface="+mn-cs"/>
+      </a:defRPr>
+    </a:lvl4pPr>
+    <a:lvl5pPr marL="1828800" algn="l" defTabSz="914400" rtl="0" eaLnBrk="1" latinLnBrk="0" hangingPunct="1">
+      <a:defRPr sz="1800" kern="1200">
+        <a:solidFill>
+          <a:schemeClr val="tx1"/>
+        </a:solidFill>
+        <a:latin typeface="+mn-lt"/>
+        <a:ea typeface="+mn-ea"/>
+        <a:cs typeface="+mn-cs"/>
+      </a:defRPr>
+    </a:lvl5pPr>
+    <a:lvl6pPr marL="2286000" algn="l" defTabSz="914400" rtl="0" eaLnBrk="1" latinLnBrk="0" hangingPunct="1">
+      <a:defRPr sz="1800" kern="1200">
+        <a:solidFill>
+          <a:schemeClr val="tx1"/>
+        </a:solidFill>
+        <a:latin typeface="+mn-lt"/>
+        <a:ea typeface="+mn-ea"/>
+        <a:cs typeface="+mn-cs"/>
+      </a:defRPr>
+    </a:lvl6pPr>
+    <a:lvl7pPr marL="2743200" algn="l" defTabSz="914400" rtl="0" eaLnBrk="1" latinLnBrk="0" hangingPunct="1">
+      <a:defRPr sz="1800" kern="1200">
+        <a:solidFill>
+          <a:schemeClr val="tx1"/>
+        </a:solidFill>
+        <a:latin typeface="+mn-lt"/>
+        <a:ea typeface="+mn-ea"/>
+        <a:cs typeface="+mn-cs"/>
+      </a:defRPr>
+    </a:lvl7pPr>
+    <a:lvl8pPr marL="3200400" algn="l" defTabSz="914400" rtl="0" eaLnBrk="1" latinLnBrk="0" hangingPunct="1">
+      <a:defRPr sz="1800" kern="1200">
+        <a:solidFill>
+          <a:schemeClr val="tx1"/>
+        </a:solidFill>
+        <a:latin typeface="+mn-lt"/>
+        <a:ea typeface="+mn-ea"/>
+        <a:cs typeface="+mn-cs"/>
+      </a:defRPr>
+    </a:lvl8pPr>
+    <a:lvl9pPr marL="3657600" algn="l" defTabSz="914400" rtl="0" eaLnBrk="1" latinLnBrk="0" hangingPunct="1">
+      <a:defRPr sz="1800" kern="1200">
+        <a:solidFill>
+          <a:schemeClr val="tx1"/>
+        </a:solidFill>
+        <a:latin typeface="+mn-lt"/>
+        <a:ea typeface="+mn-ea"/>
+        <a:cs typeface="+mn-cs"/>
+      </a:defRPr>
+    </a:lvl9pPr>
+  </p:defaultTextStyle>
 </p:presentation>
 </file>
 
 <file path=ppt/slideLayouts/slideLayout1.xml><?xml version="1.0" encoding="utf-8"?>
-<p:sldLayout xmlns:a="http://schemas.openxmlformats.org/drawingml/2006/main" xmlns:p="http://schemas.openxmlformats.org/presentationml/2006/main" xmlns:r="http://schemas.openxmlformats.org/officeDocument/2006/relationships" xmlns:p14="http://schemas.microsoft.com/office/powerpoint/2010/main" xmlns:p15="http://schemas.microsoft.com/office/powerpoint/2012/main" xmlns:mc="http://schemas.openxmlformats.org/markup-compatibility/2006" type="blank" preserve="1">
+<p:sldLayout xmlns:a="http://schemas.openxmlformats.org/drawingml/2006/main" xmlns:r="http://schemas.openxmlformats.org/officeDocument/2006/relationships" xmlns:p="http://schemas.openxmlformats.org/presentationml/2006/main" type="blank" preserve="1">
   <p:cSld name="1_Solo el título">
     <p:spTree>
       <p:nvGrpSpPr>
@@ -39,11 +134,14 @@
       </p:grpSpPr>
     </p:spTree>
   </p:cSld>
+  <p:clrMapOvr>
+    <a:masterClrMapping/>
+  </p:clrMapOvr>
 </p:sldLayout>
 </file>
 
 <file path=ppt/slideLayouts/slideLayout2.xml><?xml version="1.0" encoding="utf-8"?>
-<p:sldLayout xmlns:a="http://schemas.openxmlformats.org/drawingml/2006/main" xmlns:p="http://schemas.openxmlformats.org/presentationml/2006/main" xmlns:r="http://schemas.openxmlformats.org/officeDocument/2006/relationships" xmlns:p14="http://schemas.microsoft.com/office/powerpoint/2010/main" xmlns:p15="http://schemas.microsoft.com/office/powerpoint/2012/main" xmlns:mc="http://schemas.openxmlformats.org/markup-compatibility/2006" type="blank" preserve="1">
+<p:sldLayout xmlns:a="http://schemas.openxmlformats.org/drawingml/2006/main" xmlns:r="http://schemas.openxmlformats.org/officeDocument/2006/relationships" xmlns:p="http://schemas.openxmlformats.org/presentationml/2006/main" type="blank" preserve="1">
   <p:cSld name="SECTION_HEADER">
     <p:spTree>
       <p:nvGrpSpPr>
@@ -72,6 +170,7 @@
         <p:spPr/>
         <p:txBody>
           <a:bodyPr/>
+          <a:lstStyle/>
           <a:p>
             <a:r>
               <a:t>Footer</a:t>
@@ -92,10 +191,12 @@
         <p:spPr/>
         <p:txBody>
           <a:bodyPr/>
+          <a:lstStyle/>
           <a:p>
             <a:fld id="{A4B27F81-2FB0-4280-941B-662663A37E70}" type="slidenum">
-              <a:t>&lt;#&gt;</a:t>
+              <a:t>‹Nº›</a:t>
             </a:fld>
+            <a:endParaRPr/>
           </a:p>
         </p:txBody>
       </p:sp>
@@ -112,21 +213,22 @@
         <p:spPr/>
         <p:txBody>
           <a:bodyPr/>
-          <a:p>
-            <a:r>
-              <a:rPr lang="es-MX"/>
-              <a:t/>
-            </a:r>
+          <a:lstStyle/>
+          <a:p>
+            <a:endParaRPr/>
           </a:p>
         </p:txBody>
       </p:sp>
     </p:spTree>
   </p:cSld>
+  <p:clrMapOvr>
+    <a:masterClrMapping/>
+  </p:clrMapOvr>
 </p:sldLayout>
 </file>
 
 <file path=ppt/slideLayouts/slideLayout3.xml><?xml version="1.0" encoding="utf-8"?>
-<p:sldLayout xmlns:a="http://schemas.openxmlformats.org/drawingml/2006/main" xmlns:p="http://schemas.openxmlformats.org/presentationml/2006/main" xmlns:r="http://schemas.openxmlformats.org/officeDocument/2006/relationships" xmlns:p14="http://schemas.microsoft.com/office/powerpoint/2010/main" xmlns:p15="http://schemas.microsoft.com/office/powerpoint/2012/main" xmlns:mc="http://schemas.openxmlformats.org/markup-compatibility/2006" type="twoObj" preserve="1">
+<p:sldLayout xmlns:a="http://schemas.openxmlformats.org/drawingml/2006/main" xmlns:r="http://schemas.openxmlformats.org/officeDocument/2006/relationships" xmlns:p="http://schemas.openxmlformats.org/presentationml/2006/main" type="twoObj" preserve="1">
   <p:cSld name="TWO_OBJECTS">
     <p:spTree>
       <p:nvGrpSpPr>
@@ -166,14 +268,15 @@
           </a:ln>
         </p:spPr>
         <p:txBody>
-          <a:bodyPr lIns="0" rIns="0" tIns="0" bIns="0" anchor="ctr">
+          <a:bodyPr lIns="0" tIns="0" rIns="0" bIns="0" anchor="ctr">
             <a:noAutofit/>
           </a:bodyPr>
+          <a:lstStyle/>
           <a:p>
             <a:pPr indent="0" algn="ctr">
               <a:buNone/>
             </a:pPr>
-            <a:endParaRPr b="0" lang="es-MX" sz="4400" strike="noStrike" u="none">
+            <a:endParaRPr lang="es-MX" sz="4400" b="0" u="none" strike="noStrike">
               <a:solidFill>
                 <a:srgbClr val="000000"/>
               </a:solidFill>
@@ -207,9 +310,10 @@
           </a:ln>
         </p:spPr>
         <p:txBody>
-          <a:bodyPr lIns="0" rIns="0" tIns="0" bIns="0" anchor="t">
+          <a:bodyPr lIns="0" tIns="0" rIns="0" bIns="0" anchor="t">
             <a:normAutofit/>
           </a:bodyPr>
+          <a:lstStyle/>
           <a:p>
             <a:pPr indent="0">
               <a:spcBef>
@@ -217,7 +321,7 @@
               </a:spcBef>
               <a:buNone/>
             </a:pPr>
-            <a:endParaRPr b="0" lang="es-MX" sz="3200" strike="noStrike" u="none">
+            <a:endParaRPr lang="es-MX" sz="3200" b="0" u="none" strike="noStrike">
               <a:solidFill>
                 <a:srgbClr val="000000"/>
               </a:solidFill>
@@ -251,9 +355,10 @@
           </a:ln>
         </p:spPr>
         <p:txBody>
-          <a:bodyPr lIns="0" rIns="0" tIns="0" bIns="0" anchor="t">
+          <a:bodyPr lIns="0" tIns="0" rIns="0" bIns="0" anchor="t">
             <a:normAutofit/>
           </a:bodyPr>
+          <a:lstStyle/>
           <a:p>
             <a:pPr indent="0">
               <a:spcBef>
@@ -261,7 +366,7 @@
               </a:spcBef>
               <a:buNone/>
             </a:pPr>
-            <a:endParaRPr b="0" lang="es-MX" sz="3200" strike="noStrike" u="none">
+            <a:endParaRPr lang="es-MX" sz="3200" b="0" u="none" strike="noStrike">
               <a:solidFill>
                 <a:srgbClr val="000000"/>
               </a:solidFill>
@@ -284,6 +389,7 @@
         <p:spPr/>
         <p:txBody>
           <a:bodyPr/>
+          <a:lstStyle/>
           <a:p>
             <a:r>
               <a:t>Footer</a:t>
@@ -304,10 +410,12 @@
         <p:spPr/>
         <p:txBody>
           <a:bodyPr/>
+          <a:lstStyle/>
           <a:p>
             <a:fld id="{9CB03220-349A-4E53-B9EC-16D43AEAD87F}" type="slidenum">
-              <a:t>&lt;#&gt;</a:t>
+              <a:t>‹Nº›</a:t>
             </a:fld>
+            <a:endParaRPr/>
           </a:p>
         </p:txBody>
       </p:sp>
@@ -324,21 +432,22 @@
         <p:spPr/>
         <p:txBody>
           <a:bodyPr/>
-          <a:p>
-            <a:r>
-              <a:rPr lang="es-MX"/>
-              <a:t/>
-            </a:r>
+          <a:lstStyle/>
+          <a:p>
+            <a:endParaRPr/>
           </a:p>
         </p:txBody>
       </p:sp>
     </p:spTree>
   </p:cSld>
+  <p:clrMapOvr>
+    <a:masterClrMapping/>
+  </p:clrMapOvr>
 </p:sldLayout>
 </file>
 
 <file path=ppt/slideLayouts/slideLayout4.xml><?xml version="1.0" encoding="utf-8"?>
-<p:sldLayout xmlns:a="http://schemas.openxmlformats.org/drawingml/2006/main" xmlns:p="http://schemas.openxmlformats.org/presentationml/2006/main" xmlns:r="http://schemas.openxmlformats.org/officeDocument/2006/relationships" xmlns:p14="http://schemas.microsoft.com/office/powerpoint/2010/main" xmlns:p15="http://schemas.microsoft.com/office/powerpoint/2012/main" xmlns:mc="http://schemas.openxmlformats.org/markup-compatibility/2006" type="blank" preserve="1">
+<p:sldLayout xmlns:a="http://schemas.openxmlformats.org/drawingml/2006/main" xmlns:r="http://schemas.openxmlformats.org/officeDocument/2006/relationships" xmlns:p="http://schemas.openxmlformats.org/presentationml/2006/main" type="blank" preserve="1">
   <p:cSld name="TWO_OBJECTS_WITH_TEXT">
     <p:spTree>
       <p:nvGrpSpPr>
@@ -367,6 +476,7 @@
         <p:spPr/>
         <p:txBody>
           <a:bodyPr/>
+          <a:lstStyle/>
           <a:p>
             <a:r>
               <a:t>Footer</a:t>
@@ -387,10 +497,12 @@
         <p:spPr/>
         <p:txBody>
           <a:bodyPr/>
+          <a:lstStyle/>
           <a:p>
             <a:fld id="{0C234CE4-E42F-40DE-A24E-AD91BE21ECEC}" type="slidenum">
-              <a:t>&lt;#&gt;</a:t>
+              <a:t>‹Nº›</a:t>
             </a:fld>
+            <a:endParaRPr/>
           </a:p>
         </p:txBody>
       </p:sp>
@@ -407,21 +519,22 @@
         <p:spPr/>
         <p:txBody>
           <a:bodyPr/>
-          <a:p>
-            <a:r>
-              <a:rPr lang="es-MX"/>
-              <a:t/>
-            </a:r>
+          <a:lstStyle/>
+          <a:p>
+            <a:endParaRPr/>
           </a:p>
         </p:txBody>
       </p:sp>
     </p:spTree>
   </p:cSld>
+  <p:clrMapOvr>
+    <a:masterClrMapping/>
+  </p:clrMapOvr>
 </p:sldLayout>
 </file>
 
 <file path=ppt/slideLayouts/slideLayout5.xml><?xml version="1.0" encoding="utf-8"?>
-<p:sldLayout xmlns:a="http://schemas.openxmlformats.org/drawingml/2006/main" xmlns:p="http://schemas.openxmlformats.org/presentationml/2006/main" xmlns:r="http://schemas.openxmlformats.org/officeDocument/2006/relationships" xmlns:p14="http://schemas.microsoft.com/office/powerpoint/2010/main" xmlns:p15="http://schemas.microsoft.com/office/powerpoint/2012/main" xmlns:mc="http://schemas.openxmlformats.org/markup-compatibility/2006" type="titleOnly" preserve="1">
+<p:sldLayout xmlns:a="http://schemas.openxmlformats.org/drawingml/2006/main" xmlns:r="http://schemas.openxmlformats.org/officeDocument/2006/relationships" xmlns:p="http://schemas.openxmlformats.org/presentationml/2006/main" type="titleOnly" preserve="1">
   <p:cSld name="TITLE_ONLY">
     <p:spTree>
       <p:nvGrpSpPr>
@@ -461,14 +574,15 @@
           </a:ln>
         </p:spPr>
         <p:txBody>
-          <a:bodyPr lIns="0" rIns="0" tIns="0" bIns="0" anchor="ctr">
+          <a:bodyPr lIns="0" tIns="0" rIns="0" bIns="0" anchor="ctr">
             <a:noAutofit/>
           </a:bodyPr>
+          <a:lstStyle/>
           <a:p>
             <a:pPr indent="0" algn="ctr">
               <a:buNone/>
             </a:pPr>
-            <a:endParaRPr b="0" lang="es-MX" sz="4400" strike="noStrike" u="none">
+            <a:endParaRPr lang="es-MX" sz="4400" b="0" u="none" strike="noStrike">
               <a:solidFill>
                 <a:srgbClr val="000000"/>
               </a:solidFill>
@@ -491,6 +605,7 @@
         <p:spPr/>
         <p:txBody>
           <a:bodyPr/>
+          <a:lstStyle/>
           <a:p>
             <a:r>
               <a:t>Footer</a:t>
@@ -511,10 +626,12 @@
         <p:spPr/>
         <p:txBody>
           <a:bodyPr/>
+          <a:lstStyle/>
           <a:p>
             <a:fld id="{F3F14313-9251-4561-A0EB-8625C8C9664B}" type="slidenum">
-              <a:t>&lt;#&gt;</a:t>
+              <a:t>‹Nº›</a:t>
             </a:fld>
+            <a:endParaRPr/>
           </a:p>
         </p:txBody>
       </p:sp>
@@ -531,21 +648,22 @@
         <p:spPr/>
         <p:txBody>
           <a:bodyPr/>
-          <a:p>
-            <a:r>
-              <a:rPr lang="es-MX"/>
-              <a:t/>
-            </a:r>
+          <a:lstStyle/>
+          <a:p>
+            <a:endParaRPr/>
           </a:p>
         </p:txBody>
       </p:sp>
     </p:spTree>
   </p:cSld>
+  <p:clrMapOvr>
+    <a:masterClrMapping/>
+  </p:clrMapOvr>
 </p:sldLayout>
 </file>
 
 <file path=ppt/slideLayouts/slideLayout6.xml><?xml version="1.0" encoding="utf-8"?>
-<p:sldLayout xmlns:a="http://schemas.openxmlformats.org/drawingml/2006/main" xmlns:p="http://schemas.openxmlformats.org/presentationml/2006/main" xmlns:r="http://schemas.openxmlformats.org/officeDocument/2006/relationships" xmlns:p14="http://schemas.microsoft.com/office/powerpoint/2010/main" xmlns:p15="http://schemas.microsoft.com/office/powerpoint/2012/main" xmlns:mc="http://schemas.openxmlformats.org/markup-compatibility/2006" type="blank" preserve="1">
+<p:sldLayout xmlns:a="http://schemas.openxmlformats.org/drawingml/2006/main" xmlns:r="http://schemas.openxmlformats.org/officeDocument/2006/relationships" xmlns:p="http://schemas.openxmlformats.org/presentationml/2006/main" type="blank" preserve="1">
   <p:cSld name="OBJECT_WITH_CAPTION_TEXT">
     <p:spTree>
       <p:nvGrpSpPr>
@@ -574,6 +692,7 @@
         <p:spPr/>
         <p:txBody>
           <a:bodyPr/>
+          <a:lstStyle/>
           <a:p>
             <a:r>
               <a:t>Footer</a:t>
@@ -594,10 +713,12 @@
         <p:spPr/>
         <p:txBody>
           <a:bodyPr/>
+          <a:lstStyle/>
           <a:p>
             <a:fld id="{2314DA00-475B-4EB7-8763-B3B2C464CA7E}" type="slidenum">
-              <a:t>&lt;#&gt;</a:t>
+              <a:t>‹Nº›</a:t>
             </a:fld>
+            <a:endParaRPr/>
           </a:p>
         </p:txBody>
       </p:sp>
@@ -614,21 +735,22 @@
         <p:spPr/>
         <p:txBody>
           <a:bodyPr/>
-          <a:p>
-            <a:r>
-              <a:rPr lang="es-MX"/>
-              <a:t/>
-            </a:r>
+          <a:lstStyle/>
+          <a:p>
+            <a:endParaRPr/>
           </a:p>
         </p:txBody>
       </p:sp>
     </p:spTree>
   </p:cSld>
+  <p:clrMapOvr>
+    <a:masterClrMapping/>
+  </p:clrMapOvr>
 </p:sldLayout>
 </file>
 
 <file path=ppt/slideLayouts/slideLayout7.xml><?xml version="1.0" encoding="utf-8"?>
-<p:sldLayout xmlns:a="http://schemas.openxmlformats.org/drawingml/2006/main" xmlns:p="http://schemas.openxmlformats.org/presentationml/2006/main" xmlns:r="http://schemas.openxmlformats.org/officeDocument/2006/relationships" xmlns:p14="http://schemas.microsoft.com/office/powerpoint/2010/main" xmlns:p15="http://schemas.microsoft.com/office/powerpoint/2012/main" xmlns:mc="http://schemas.openxmlformats.org/markup-compatibility/2006" type="blank" preserve="1">
+<p:sldLayout xmlns:a="http://schemas.openxmlformats.org/drawingml/2006/main" xmlns:r="http://schemas.openxmlformats.org/officeDocument/2006/relationships" xmlns:p="http://schemas.openxmlformats.org/presentationml/2006/main" type="blank" preserve="1">
   <p:cSld name="PICTURE_WITH_CAPTION_TEXT">
     <p:spTree>
       <p:nvGrpSpPr>
@@ -657,6 +779,7 @@
         <p:spPr/>
         <p:txBody>
           <a:bodyPr/>
+          <a:lstStyle/>
           <a:p>
             <a:r>
               <a:t>Footer</a:t>
@@ -677,10 +800,12 @@
         <p:spPr/>
         <p:txBody>
           <a:bodyPr/>
+          <a:lstStyle/>
           <a:p>
             <a:fld id="{EDCABB9E-41B8-4B6D-AE91-4C0A39FB4DD0}" type="slidenum">
-              <a:t>&lt;#&gt;</a:t>
+              <a:t>‹Nº›</a:t>
             </a:fld>
+            <a:endParaRPr/>
           </a:p>
         </p:txBody>
       </p:sp>
@@ -697,21 +822,22 @@
         <p:spPr/>
         <p:txBody>
           <a:bodyPr/>
-          <a:p>
-            <a:r>
-              <a:rPr lang="es-MX"/>
-              <a:t/>
-            </a:r>
+          <a:lstStyle/>
+          <a:p>
+            <a:endParaRPr/>
           </a:p>
         </p:txBody>
       </p:sp>
     </p:spTree>
   </p:cSld>
+  <p:clrMapOvr>
+    <a:masterClrMapping/>
+  </p:clrMapOvr>
 </p:sldLayout>
 </file>
 
 <file path=ppt/slideLayouts/slideLayout8.xml><?xml version="1.0" encoding="utf-8"?>
-<p:sldLayout xmlns:a="http://schemas.openxmlformats.org/drawingml/2006/main" xmlns:p="http://schemas.openxmlformats.org/presentationml/2006/main" xmlns:r="http://schemas.openxmlformats.org/officeDocument/2006/relationships" xmlns:p14="http://schemas.microsoft.com/office/powerpoint/2010/main" xmlns:p15="http://schemas.microsoft.com/office/powerpoint/2012/main" xmlns:mc="http://schemas.openxmlformats.org/markup-compatibility/2006" type="vertTx" preserve="1">
+<p:sldLayout xmlns:a="http://schemas.openxmlformats.org/drawingml/2006/main" xmlns:r="http://schemas.openxmlformats.org/officeDocument/2006/relationships" xmlns:p="http://schemas.openxmlformats.org/presentationml/2006/main" type="vertTx" preserve="1">
   <p:cSld name="VERTICAL_TEXT">
     <p:spTree>
       <p:nvGrpSpPr>
@@ -740,6 +866,7 @@
         <p:spPr/>
         <p:txBody>
           <a:bodyPr/>
+          <a:lstStyle/>
           <a:p>
             <a:r>
               <a:t>Footer</a:t>
@@ -760,10 +887,12 @@
         <p:spPr/>
         <p:txBody>
           <a:bodyPr/>
+          <a:lstStyle/>
           <a:p>
             <a:fld id="{75064D8A-3DA3-479F-BABB-A0BABC694AC9}" type="slidenum">
-              <a:t>&lt;#&gt;</a:t>
+              <a:t>‹Nº›</a:t>
             </a:fld>
+            <a:endParaRPr/>
           </a:p>
         </p:txBody>
       </p:sp>
@@ -780,21 +909,22 @@
         <p:spPr/>
         <p:txBody>
           <a:bodyPr/>
-          <a:p>
-            <a:r>
-              <a:rPr lang="es-MX"/>
-              <a:t/>
-            </a:r>
+          <a:lstStyle/>
+          <a:p>
+            <a:endParaRPr/>
           </a:p>
         </p:txBody>
       </p:sp>
     </p:spTree>
   </p:cSld>
+  <p:clrMapOvr>
+    <a:masterClrMapping/>
+  </p:clrMapOvr>
 </p:sldLayout>
 </file>
 
 <file path=ppt/slideLayouts/slideLayout9.xml><?xml version="1.0" encoding="utf-8"?>
-<p:sldLayout xmlns:a="http://schemas.openxmlformats.org/drawingml/2006/main" xmlns:p="http://schemas.openxmlformats.org/presentationml/2006/main" xmlns:r="http://schemas.openxmlformats.org/officeDocument/2006/relationships" xmlns:p14="http://schemas.microsoft.com/office/powerpoint/2010/main" xmlns:p15="http://schemas.microsoft.com/office/powerpoint/2012/main" xmlns:mc="http://schemas.openxmlformats.org/markup-compatibility/2006" type="vertTitleAndTx" preserve="1">
+<p:sldLayout xmlns:a="http://schemas.openxmlformats.org/drawingml/2006/main" xmlns:r="http://schemas.openxmlformats.org/officeDocument/2006/relationships" xmlns:p="http://schemas.openxmlformats.org/presentationml/2006/main" type="vertTitleAndTx" preserve="1">
   <p:cSld name="VERTICAL_TITLE_AND_VERTICAL_TEXT">
     <p:spTree>
       <p:nvGrpSpPr>
@@ -823,6 +953,7 @@
         <p:spPr/>
         <p:txBody>
           <a:bodyPr/>
+          <a:lstStyle/>
           <a:p>
             <a:r>
               <a:t>Footer</a:t>
@@ -843,10 +974,12 @@
         <p:spPr/>
         <p:txBody>
           <a:bodyPr/>
+          <a:lstStyle/>
           <a:p>
             <a:fld id="{5CADEDCB-8171-498A-B733-CC1DB0D0B914}" type="slidenum">
-              <a:t>&lt;#&gt;</a:t>
+              <a:t>‹Nº›</a:t>
             </a:fld>
+            <a:endParaRPr/>
           </a:p>
         </p:txBody>
       </p:sp>
@@ -863,156 +996,29 @@
         <p:spPr/>
         <p:txBody>
           <a:bodyPr/>
-          <a:p>
-            <a:r>
-              <a:rPr lang="es-MX"/>
-              <a:t/>
-            </a:r>
+          <a:lstStyle/>
+          <a:p>
+            <a:endParaRPr/>
           </a:p>
         </p:txBody>
       </p:sp>
     </p:spTree>
   </p:cSld>
+  <p:clrMapOvr>
+    <a:masterClrMapping/>
+  </p:clrMapOvr>
 </p:sldLayout>
 </file>
 
 <file path=ppt/slideMasters/slideMaster1.xml><?xml version="1.0" encoding="utf-8"?>
-<p:sldMaster xmlns:a="http://schemas.openxmlformats.org/drawingml/2006/main" xmlns:p="http://schemas.openxmlformats.org/presentationml/2006/main" xmlns:r="http://schemas.openxmlformats.org/officeDocument/2006/relationships" xmlns:p14="http://schemas.microsoft.com/office/powerpoint/2010/main" xmlns:p15="http://schemas.microsoft.com/office/powerpoint/2012/main" xmlns:mc="http://schemas.openxmlformats.org/markup-compatibility/2006">
+<p:sldMaster xmlns:a="http://schemas.openxmlformats.org/drawingml/2006/main" xmlns:r="http://schemas.openxmlformats.org/officeDocument/2006/relationships" xmlns:p="http://schemas.openxmlformats.org/presentationml/2006/main">
   <p:cSld>
     <p:bg>
       <p:bgPr>
         <a:solidFill>
           <a:schemeClr val="lt1"/>
         </a:solidFill>
-      </p:bgPr>
-    </p:bg>
-    <p:spTree>
-      <p:nvGrpSpPr>
-        <p:cNvPr id="1" name=""/>
-        <p:cNvGrpSpPr/>
-        <p:nvPr/>
-      </p:nvGrpSpPr>
-      <p:grpSpPr>
-        <a:xfrm>
-          <a:off x="0" y="0"/>
-          <a:ext cx="0" cy="0"/>
-          <a:chOff x="0" y="0"/>
-          <a:chExt cx="0" cy="0"/>
-        </a:xfrm>
-      </p:grpSpPr>
-      <p:sp>
-        <p:nvSpPr>
-          <p:cNvPr id="0" name="Google Shape;248;p1"/>
-          <p:cNvSpPr/>
-          <p:nvPr/>
-        </p:nvSpPr>
-        <p:spPr>
-          <a:xfrm>
-            <a:off x="0" y="6174000"/>
-            <a:ext cx="12190680" cy="718920"/>
-          </a:xfrm>
-          <a:prstGeom prst="rect">
-            <a:avLst/>
-          </a:prstGeom>
-          <a:solidFill>
-            <a:srgbClr val="004c8d"/>
-          </a:solidFill>
-          <a:ln w="0">
-            <a:noFill/>
-          </a:ln>
-        </p:spPr>
-        <p:style>
-          <a:lnRef idx="0"/>
-          <a:fillRef idx="0"/>
-          <a:effectRef idx="0"/>
-          <a:fontRef idx="minor"/>
-        </p:style>
-        <p:txBody>
-          <a:bodyPr lIns="90000" rIns="90000" tIns="45000" bIns="45000" anchor="ctr">
-            <a:noAutofit/>
-          </a:bodyPr>
-          <a:p>
-            <a:pPr algn="ctr">
-              <a:lnSpc>
-                <a:spcPct val="100000"/>
-              </a:lnSpc>
-              <a:tabLst>
-                <a:tab algn="l" pos="0"/>
-              </a:tabLst>
-            </a:pPr>
-            <a:endParaRPr b="0" lang="es-MX" sz="1800" strike="noStrike" u="none">
-              <a:solidFill>
-                <a:schemeClr val="lt1"/>
-              </a:solidFill>
-              <a:uFillTx/>
-              <a:latin typeface="Calibri"/>
-              <a:ea typeface="Calibri"/>
-            </a:endParaRPr>
-          </a:p>
-        </p:txBody>
-      </p:sp>
-      <p:sp>
-        <p:nvSpPr>
-          <p:cNvPr id="1" name="Google Shape;249;p1"/>
-          <p:cNvSpPr/>
-          <p:nvPr/>
-        </p:nvSpPr>
-        <p:spPr>
-          <a:xfrm>
-            <a:off x="10953720" y="6260040"/>
-            <a:ext cx="1095840" cy="546480"/>
-          </a:xfrm>
-          <a:prstGeom prst="rect">
-            <a:avLst/>
-          </a:prstGeom>
-          <a:noFill/>
-          <a:ln w="0">
-            <a:noFill/>
-          </a:ln>
-        </p:spPr>
-        <p:style>
-          <a:lnRef idx="0"/>
-          <a:fillRef idx="0"/>
-          <a:effectRef idx="0"/>
-          <a:fontRef idx="minor"/>
-        </p:style>
-        <p:txBody>
-          <a:bodyPr lIns="90000" rIns="90000" tIns="45000" bIns="45000" anchor="t">
-            <a:noAutofit/>
-          </a:bodyPr>
-          <a:p>
-            <a:pPr>
-              <a:lnSpc>
-                <a:spcPct val="100000"/>
-              </a:lnSpc>
-            </a:pPr>
-            <a:endParaRPr b="0" lang="es-MX" sz="1800" strike="noStrike" u="none">
-              <a:solidFill>
-                <a:srgbClr val="000000"/>
-              </a:solidFill>
-              <a:uFillTx/>
-              <a:latin typeface="Arial"/>
-            </a:endParaRPr>
-          </a:p>
-        </p:txBody>
-      </p:sp>
-    </p:spTree>
-  </p:cSld>
-  <p:clrMap bg1="lt1" tx1="dk1" bg2="dk2" tx2="lt2" accent1="accent1" accent2="accent2" accent3="accent3" accent4="accent4" accent5="accent5" accent6="accent6" hlink="hlink" folHlink="folHlink"/>
-  <p:sldLayoutIdLst>
-    <p:sldLayoutId id="2147483649" r:id="rId2"/>
-  </p:sldLayoutIdLst>
-</p:sldMaster>
-</file>
-
-<file path=ppt/slideMasters/slideMaster2.xml><?xml version="1.0" encoding="utf-8"?>
-<p:sldMaster xmlns:a="http://schemas.openxmlformats.org/drawingml/2006/main" xmlns:p="http://schemas.openxmlformats.org/presentationml/2006/main" xmlns:r="http://schemas.openxmlformats.org/officeDocument/2006/relationships" xmlns:p14="http://schemas.microsoft.com/office/powerpoint/2010/main" xmlns:p15="http://schemas.microsoft.com/office/powerpoint/2012/main" xmlns:mc="http://schemas.openxmlformats.org/markup-compatibility/2006">
-  <p:cSld>
-    <p:bg>
-      <p:bgPr>
-        <a:solidFill>
-          <a:schemeClr val="lt1"/>
-        </a:solidFill>
+        <a:effectLst/>
       </p:bgPr>
     </p:bg>
     <p:spTree>
@@ -1044,32 +1050,39 @@
             <a:avLst/>
           </a:prstGeom>
           <a:solidFill>
-            <a:srgbClr val="004c8d"/>
+            <a:srgbClr val="004C8D"/>
           </a:solidFill>
           <a:ln w="0">
             <a:noFill/>
           </a:ln>
         </p:spPr>
         <p:style>
-          <a:lnRef idx="0"/>
-          <a:fillRef idx="0"/>
-          <a:effectRef idx="0"/>
+          <a:lnRef idx="0">
+            <a:scrgbClr r="0" g="0" b="0"/>
+          </a:lnRef>
+          <a:fillRef idx="0">
+            <a:scrgbClr r="0" g="0" b="0"/>
+          </a:fillRef>
+          <a:effectRef idx="0">
+            <a:scrgbClr r="0" g="0" b="0"/>
+          </a:effectRef>
           <a:fontRef idx="minor"/>
         </p:style>
         <p:txBody>
-          <a:bodyPr lIns="90000" rIns="90000" tIns="45000" bIns="45000" anchor="ctr">
+          <a:bodyPr lIns="90000" tIns="45000" rIns="90000" bIns="45000" anchor="ctr">
             <a:noAutofit/>
           </a:bodyPr>
+          <a:lstStyle/>
           <a:p>
             <a:pPr algn="ctr">
               <a:lnSpc>
                 <a:spcPct val="100000"/>
               </a:lnSpc>
               <a:tabLst>
-                <a:tab algn="l" pos="0"/>
+                <a:tab pos="0" algn="l"/>
               </a:tabLst>
             </a:pPr>
-            <a:endParaRPr b="0" lang="es-MX" sz="1800" strike="noStrike" u="none">
+            <a:endParaRPr lang="es-MX" sz="1800" b="0" u="none" strike="noStrike">
               <a:solidFill>
                 <a:schemeClr val="lt1"/>
               </a:solidFill>
@@ -1100,22 +1113,453 @@
           </a:ln>
         </p:spPr>
         <p:style>
-          <a:lnRef idx="0"/>
-          <a:fillRef idx="0"/>
-          <a:effectRef idx="0"/>
+          <a:lnRef idx="0">
+            <a:scrgbClr r="0" g="0" b="0"/>
+          </a:lnRef>
+          <a:fillRef idx="0">
+            <a:scrgbClr r="0" g="0" b="0"/>
+          </a:fillRef>
+          <a:effectRef idx="0">
+            <a:scrgbClr r="0" g="0" b="0"/>
+          </a:effectRef>
           <a:fontRef idx="minor"/>
         </p:style>
         <p:txBody>
-          <a:bodyPr lIns="90000" rIns="90000" tIns="45000" bIns="45000" anchor="t">
+          <a:bodyPr lIns="90000" tIns="45000" rIns="90000" bIns="45000" anchor="t">
             <a:noAutofit/>
           </a:bodyPr>
+          <a:lstStyle/>
           <a:p>
             <a:pPr>
               <a:lnSpc>
                 <a:spcPct val="100000"/>
               </a:lnSpc>
             </a:pPr>
-            <a:endParaRPr b="0" lang="es-MX" sz="1800" strike="noStrike" u="none">
+            <a:endParaRPr lang="es-MX" sz="1800" b="0" u="none" strike="noStrike">
+              <a:solidFill>
+                <a:srgbClr val="000000"/>
+              </a:solidFill>
+              <a:uFillTx/>
+              <a:latin typeface="Arial"/>
+            </a:endParaRPr>
+          </a:p>
+        </p:txBody>
+      </p:sp>
+    </p:spTree>
+  </p:cSld>
+  <p:clrMap bg1="lt1" tx1="dk1" bg2="dk2" tx2="lt2" accent1="accent1" accent2="accent2" accent3="accent3" accent4="accent4" accent5="accent5" accent6="accent6" hlink="hlink" folHlink="folHlink"/>
+  <p:sldLayoutIdLst>
+    <p:sldLayoutId id="2147483649" r:id="rId1"/>
+  </p:sldLayoutIdLst>
+  <p:txStyles>
+    <p:titleStyle>
+      <a:lvl1pPr algn="l" defTabSz="914400" rtl="0" eaLnBrk="1" latinLnBrk="0" hangingPunct="1">
+        <a:lnSpc>
+          <a:spcPct val="90000"/>
+        </a:lnSpc>
+        <a:spcBef>
+          <a:spcPct val="0"/>
+        </a:spcBef>
+        <a:buNone/>
+        <a:defRPr sz="4400" kern="1200">
+          <a:solidFill>
+            <a:schemeClr val="tx1"/>
+          </a:solidFill>
+          <a:latin typeface="+mj-lt"/>
+          <a:ea typeface="+mj-ea"/>
+          <a:cs typeface="+mj-cs"/>
+        </a:defRPr>
+      </a:lvl1pPr>
+    </p:titleStyle>
+    <p:bodyStyle>
+      <a:lvl1pPr marL="228600" indent="-228600" algn="l" defTabSz="914400" rtl="0" eaLnBrk="1" latinLnBrk="0" hangingPunct="1">
+        <a:lnSpc>
+          <a:spcPct val="90000"/>
+        </a:lnSpc>
+        <a:spcBef>
+          <a:spcPts val="1000"/>
+        </a:spcBef>
+        <a:buFont typeface="Arial" panose="020B0604020202020204" pitchFamily="34" charset="0"/>
+        <a:buChar char="•"/>
+        <a:defRPr sz="2800" kern="1200">
+          <a:solidFill>
+            <a:schemeClr val="tx1"/>
+          </a:solidFill>
+          <a:latin typeface="+mn-lt"/>
+          <a:ea typeface="+mn-ea"/>
+          <a:cs typeface="+mn-cs"/>
+        </a:defRPr>
+      </a:lvl1pPr>
+      <a:lvl2pPr marL="685800" indent="-228600" algn="l" defTabSz="914400" rtl="0" eaLnBrk="1" latinLnBrk="0" hangingPunct="1">
+        <a:lnSpc>
+          <a:spcPct val="90000"/>
+        </a:lnSpc>
+        <a:spcBef>
+          <a:spcPts val="500"/>
+        </a:spcBef>
+        <a:buFont typeface="Arial" panose="020B0604020202020204" pitchFamily="34" charset="0"/>
+        <a:buChar char="•"/>
+        <a:defRPr sz="2400" kern="1200">
+          <a:solidFill>
+            <a:schemeClr val="tx1"/>
+          </a:solidFill>
+          <a:latin typeface="+mn-lt"/>
+          <a:ea typeface="+mn-ea"/>
+          <a:cs typeface="+mn-cs"/>
+        </a:defRPr>
+      </a:lvl2pPr>
+      <a:lvl3pPr marL="1143000" indent="-228600" algn="l" defTabSz="914400" rtl="0" eaLnBrk="1" latinLnBrk="0" hangingPunct="1">
+        <a:lnSpc>
+          <a:spcPct val="90000"/>
+        </a:lnSpc>
+        <a:spcBef>
+          <a:spcPts val="500"/>
+        </a:spcBef>
+        <a:buFont typeface="Arial" panose="020B0604020202020204" pitchFamily="34" charset="0"/>
+        <a:buChar char="•"/>
+        <a:defRPr sz="2000" kern="1200">
+          <a:solidFill>
+            <a:schemeClr val="tx1"/>
+          </a:solidFill>
+          <a:latin typeface="+mn-lt"/>
+          <a:ea typeface="+mn-ea"/>
+          <a:cs typeface="+mn-cs"/>
+        </a:defRPr>
+      </a:lvl3pPr>
+      <a:lvl4pPr marL="1600200" indent="-228600" algn="l" defTabSz="914400" rtl="0" eaLnBrk="1" latinLnBrk="0" hangingPunct="1">
+        <a:lnSpc>
+          <a:spcPct val="90000"/>
+        </a:lnSpc>
+        <a:spcBef>
+          <a:spcPts val="500"/>
+        </a:spcBef>
+        <a:buFont typeface="Arial" panose="020B0604020202020204" pitchFamily="34" charset="0"/>
+        <a:buChar char="•"/>
+        <a:defRPr sz="1800" kern="1200">
+          <a:solidFill>
+            <a:schemeClr val="tx1"/>
+          </a:solidFill>
+          <a:latin typeface="+mn-lt"/>
+          <a:ea typeface="+mn-ea"/>
+          <a:cs typeface="+mn-cs"/>
+        </a:defRPr>
+      </a:lvl4pPr>
+      <a:lvl5pPr marL="2057400" indent="-228600" algn="l" defTabSz="914400" rtl="0" eaLnBrk="1" latinLnBrk="0" hangingPunct="1">
+        <a:lnSpc>
+          <a:spcPct val="90000"/>
+        </a:lnSpc>
+        <a:spcBef>
+          <a:spcPts val="500"/>
+        </a:spcBef>
+        <a:buFont typeface="Arial" panose="020B0604020202020204" pitchFamily="34" charset="0"/>
+        <a:buChar char="•"/>
+        <a:defRPr sz="1800" kern="1200">
+          <a:solidFill>
+            <a:schemeClr val="tx1"/>
+          </a:solidFill>
+          <a:latin typeface="+mn-lt"/>
+          <a:ea typeface="+mn-ea"/>
+          <a:cs typeface="+mn-cs"/>
+        </a:defRPr>
+      </a:lvl5pPr>
+      <a:lvl6pPr marL="2514600" indent="-228600" algn="l" defTabSz="914400" rtl="0" eaLnBrk="1" latinLnBrk="0" hangingPunct="1">
+        <a:lnSpc>
+          <a:spcPct val="90000"/>
+        </a:lnSpc>
+        <a:spcBef>
+          <a:spcPts val="500"/>
+        </a:spcBef>
+        <a:buFont typeface="Arial" panose="020B0604020202020204" pitchFamily="34" charset="0"/>
+        <a:buChar char="•"/>
+        <a:defRPr sz="1800" kern="1200">
+          <a:solidFill>
+            <a:schemeClr val="tx1"/>
+          </a:solidFill>
+          <a:latin typeface="+mn-lt"/>
+          <a:ea typeface="+mn-ea"/>
+          <a:cs typeface="+mn-cs"/>
+        </a:defRPr>
+      </a:lvl6pPr>
+      <a:lvl7pPr marL="2971800" indent="-228600" algn="l" defTabSz="914400" rtl="0" eaLnBrk="1" latinLnBrk="0" hangingPunct="1">
+        <a:lnSpc>
+          <a:spcPct val="90000"/>
+        </a:lnSpc>
+        <a:spcBef>
+          <a:spcPts val="500"/>
+        </a:spcBef>
+        <a:buFont typeface="Arial" panose="020B0604020202020204" pitchFamily="34" charset="0"/>
+        <a:buChar char="•"/>
+        <a:defRPr sz="1800" kern="1200">
+          <a:solidFill>
+            <a:schemeClr val="tx1"/>
+          </a:solidFill>
+          <a:latin typeface="+mn-lt"/>
+          <a:ea typeface="+mn-ea"/>
+          <a:cs typeface="+mn-cs"/>
+        </a:defRPr>
+      </a:lvl7pPr>
+      <a:lvl8pPr marL="3429000" indent="-228600" algn="l" defTabSz="914400" rtl="0" eaLnBrk="1" latinLnBrk="0" hangingPunct="1">
+        <a:lnSpc>
+          <a:spcPct val="90000"/>
+        </a:lnSpc>
+        <a:spcBef>
+          <a:spcPts val="500"/>
+        </a:spcBef>
+        <a:buFont typeface="Arial" panose="020B0604020202020204" pitchFamily="34" charset="0"/>
+        <a:buChar char="•"/>
+        <a:defRPr sz="1800" kern="1200">
+          <a:solidFill>
+            <a:schemeClr val="tx1"/>
+          </a:solidFill>
+          <a:latin typeface="+mn-lt"/>
+          <a:ea typeface="+mn-ea"/>
+          <a:cs typeface="+mn-cs"/>
+        </a:defRPr>
+      </a:lvl8pPr>
+      <a:lvl9pPr marL="3886200" indent="-228600" algn="l" defTabSz="914400" rtl="0" eaLnBrk="1" latinLnBrk="0" hangingPunct="1">
+        <a:lnSpc>
+          <a:spcPct val="90000"/>
+        </a:lnSpc>
+        <a:spcBef>
+          <a:spcPts val="500"/>
+        </a:spcBef>
+        <a:buFont typeface="Arial" panose="020B0604020202020204" pitchFamily="34" charset="0"/>
+        <a:buChar char="•"/>
+        <a:defRPr sz="1800" kern="1200">
+          <a:solidFill>
+            <a:schemeClr val="tx1"/>
+          </a:solidFill>
+          <a:latin typeface="+mn-lt"/>
+          <a:ea typeface="+mn-ea"/>
+          <a:cs typeface="+mn-cs"/>
+        </a:defRPr>
+      </a:lvl9pPr>
+    </p:bodyStyle>
+    <p:otherStyle>
+      <a:defPPr>
+        <a:defRPr lang="es-MX"/>
+      </a:defPPr>
+      <a:lvl1pPr marL="0" algn="l" defTabSz="914400" rtl="0" eaLnBrk="1" latinLnBrk="0" hangingPunct="1">
+        <a:defRPr sz="1800" kern="1200">
+          <a:solidFill>
+            <a:schemeClr val="tx1"/>
+          </a:solidFill>
+          <a:latin typeface="+mn-lt"/>
+          <a:ea typeface="+mn-ea"/>
+          <a:cs typeface="+mn-cs"/>
+        </a:defRPr>
+      </a:lvl1pPr>
+      <a:lvl2pPr marL="457200" algn="l" defTabSz="914400" rtl="0" eaLnBrk="1" latinLnBrk="0" hangingPunct="1">
+        <a:defRPr sz="1800" kern="1200">
+          <a:solidFill>
+            <a:schemeClr val="tx1"/>
+          </a:solidFill>
+          <a:latin typeface="+mn-lt"/>
+          <a:ea typeface="+mn-ea"/>
+          <a:cs typeface="+mn-cs"/>
+        </a:defRPr>
+      </a:lvl2pPr>
+      <a:lvl3pPr marL="914400" algn="l" defTabSz="914400" rtl="0" eaLnBrk="1" latinLnBrk="0" hangingPunct="1">
+        <a:defRPr sz="1800" kern="1200">
+          <a:solidFill>
+            <a:schemeClr val="tx1"/>
+          </a:solidFill>
+          <a:latin typeface="+mn-lt"/>
+          <a:ea typeface="+mn-ea"/>
+          <a:cs typeface="+mn-cs"/>
+        </a:defRPr>
+      </a:lvl3pPr>
+      <a:lvl4pPr marL="1371600" algn="l" defTabSz="914400" rtl="0" eaLnBrk="1" latinLnBrk="0" hangingPunct="1">
+        <a:defRPr sz="1800" kern="1200">
+          <a:solidFill>
+            <a:schemeClr val="tx1"/>
+          </a:solidFill>
+          <a:latin typeface="+mn-lt"/>
+          <a:ea typeface="+mn-ea"/>
+          <a:cs typeface="+mn-cs"/>
+        </a:defRPr>
+      </a:lvl4pPr>
+      <a:lvl5pPr marL="1828800" algn="l" defTabSz="914400" rtl="0" eaLnBrk="1" latinLnBrk="0" hangingPunct="1">
+        <a:defRPr sz="1800" kern="1200">
+          <a:solidFill>
+            <a:schemeClr val="tx1"/>
+          </a:solidFill>
+          <a:latin typeface="+mn-lt"/>
+          <a:ea typeface="+mn-ea"/>
+          <a:cs typeface="+mn-cs"/>
+        </a:defRPr>
+      </a:lvl5pPr>
+      <a:lvl6pPr marL="2286000" algn="l" defTabSz="914400" rtl="0" eaLnBrk="1" latinLnBrk="0" hangingPunct="1">
+        <a:defRPr sz="1800" kern="1200">
+          <a:solidFill>
+            <a:schemeClr val="tx1"/>
+          </a:solidFill>
+          <a:latin typeface="+mn-lt"/>
+          <a:ea typeface="+mn-ea"/>
+          <a:cs typeface="+mn-cs"/>
+        </a:defRPr>
+      </a:lvl6pPr>
+      <a:lvl7pPr marL="2743200" algn="l" defTabSz="914400" rtl="0" eaLnBrk="1" latinLnBrk="0" hangingPunct="1">
+        <a:defRPr sz="1800" kern="1200">
+          <a:solidFill>
+            <a:schemeClr val="tx1"/>
+          </a:solidFill>
+          <a:latin typeface="+mn-lt"/>
+          <a:ea typeface="+mn-ea"/>
+          <a:cs typeface="+mn-cs"/>
+        </a:defRPr>
+      </a:lvl7pPr>
+      <a:lvl8pPr marL="3200400" algn="l" defTabSz="914400" rtl="0" eaLnBrk="1" latinLnBrk="0" hangingPunct="1">
+        <a:defRPr sz="1800" kern="1200">
+          <a:solidFill>
+            <a:schemeClr val="tx1"/>
+          </a:solidFill>
+          <a:latin typeface="+mn-lt"/>
+          <a:ea typeface="+mn-ea"/>
+          <a:cs typeface="+mn-cs"/>
+        </a:defRPr>
+      </a:lvl8pPr>
+      <a:lvl9pPr marL="3657600" algn="l" defTabSz="914400" rtl="0" eaLnBrk="1" latinLnBrk="0" hangingPunct="1">
+        <a:defRPr sz="1800" kern="1200">
+          <a:solidFill>
+            <a:schemeClr val="tx1"/>
+          </a:solidFill>
+          <a:latin typeface="+mn-lt"/>
+          <a:ea typeface="+mn-ea"/>
+          <a:cs typeface="+mn-cs"/>
+        </a:defRPr>
+      </a:lvl9pPr>
+    </p:otherStyle>
+  </p:txStyles>
+</p:sldMaster>
+</file>
+
+<file path=ppt/slideMasters/slideMaster2.xml><?xml version="1.0" encoding="utf-8"?>
+<p:sldMaster xmlns:a="http://schemas.openxmlformats.org/drawingml/2006/main" xmlns:r="http://schemas.openxmlformats.org/officeDocument/2006/relationships" xmlns:p="http://schemas.openxmlformats.org/presentationml/2006/main">
+  <p:cSld>
+    <p:bg>
+      <p:bgPr>
+        <a:solidFill>
+          <a:schemeClr val="lt1"/>
+        </a:solidFill>
+        <a:effectLst/>
+      </p:bgPr>
+    </p:bg>
+    <p:spTree>
+      <p:nvGrpSpPr>
+        <p:cNvPr id="1" name=""/>
+        <p:cNvGrpSpPr/>
+        <p:nvPr/>
+      </p:nvGrpSpPr>
+      <p:grpSpPr>
+        <a:xfrm>
+          <a:off x="0" y="0"/>
+          <a:ext cx="0" cy="0"/>
+          <a:chOff x="0" y="0"/>
+          <a:chExt cx="0" cy="0"/>
+        </a:xfrm>
+      </p:grpSpPr>
+      <p:sp>
+        <p:nvSpPr>
+          <p:cNvPr id="2" name="Google Shape;248;p1"/>
+          <p:cNvSpPr/>
+          <p:nvPr/>
+        </p:nvSpPr>
+        <p:spPr>
+          <a:xfrm>
+            <a:off x="0" y="6174000"/>
+            <a:ext cx="12190680" cy="718920"/>
+          </a:xfrm>
+          <a:prstGeom prst="rect">
+            <a:avLst/>
+          </a:prstGeom>
+          <a:solidFill>
+            <a:srgbClr val="004C8D"/>
+          </a:solidFill>
+          <a:ln w="0">
+            <a:noFill/>
+          </a:ln>
+        </p:spPr>
+        <p:style>
+          <a:lnRef idx="0">
+            <a:scrgbClr r="0" g="0" b="0"/>
+          </a:lnRef>
+          <a:fillRef idx="0">
+            <a:scrgbClr r="0" g="0" b="0"/>
+          </a:fillRef>
+          <a:effectRef idx="0">
+            <a:scrgbClr r="0" g="0" b="0"/>
+          </a:effectRef>
+          <a:fontRef idx="minor"/>
+        </p:style>
+        <p:txBody>
+          <a:bodyPr lIns="90000" tIns="45000" rIns="90000" bIns="45000" anchor="ctr">
+            <a:noAutofit/>
+          </a:bodyPr>
+          <a:lstStyle/>
+          <a:p>
+            <a:pPr algn="ctr">
+              <a:lnSpc>
+                <a:spcPct val="100000"/>
+              </a:lnSpc>
+              <a:tabLst>
+                <a:tab pos="0" algn="l"/>
+              </a:tabLst>
+            </a:pPr>
+            <a:endParaRPr lang="es-MX" sz="1800" b="0" u="none" strike="noStrike">
+              <a:solidFill>
+                <a:schemeClr val="lt1"/>
+              </a:solidFill>
+              <a:uFillTx/>
+              <a:latin typeface="Calibri"/>
+              <a:ea typeface="Calibri"/>
+            </a:endParaRPr>
+          </a:p>
+        </p:txBody>
+      </p:sp>
+      <p:sp>
+        <p:nvSpPr>
+          <p:cNvPr id="3" name="Google Shape;249;p1"/>
+          <p:cNvSpPr/>
+          <p:nvPr/>
+        </p:nvSpPr>
+        <p:spPr>
+          <a:xfrm>
+            <a:off x="10953720" y="6260040"/>
+            <a:ext cx="1095840" cy="546480"/>
+          </a:xfrm>
+          <a:prstGeom prst="rect">
+            <a:avLst/>
+          </a:prstGeom>
+          <a:noFill/>
+          <a:ln w="0">
+            <a:noFill/>
+          </a:ln>
+        </p:spPr>
+        <p:style>
+          <a:lnRef idx="0">
+            <a:scrgbClr r="0" g="0" b="0"/>
+          </a:lnRef>
+          <a:fillRef idx="0">
+            <a:scrgbClr r="0" g="0" b="0"/>
+          </a:fillRef>
+          <a:effectRef idx="0">
+            <a:scrgbClr r="0" g="0" b="0"/>
+          </a:effectRef>
+          <a:fontRef idx="minor"/>
+        </p:style>
+        <p:txBody>
+          <a:bodyPr lIns="90000" tIns="45000" rIns="90000" bIns="45000" anchor="t">
+            <a:noAutofit/>
+          </a:bodyPr>
+          <a:lstStyle/>
+          <a:p>
+            <a:pPr>
+              <a:lnSpc>
+                <a:spcPct val="100000"/>
+              </a:lnSpc>
+            </a:pPr>
+            <a:endParaRPr lang="es-MX" sz="1800" b="0" u="none" strike="noStrike">
               <a:solidFill>
                 <a:srgbClr val="000000"/>
               </a:solidFill>
@@ -1149,7 +1593,7 @@
           </a:ln>
         </p:spPr>
         <p:txBody>
-          <a:bodyPr lIns="91440" rIns="91440" tIns="45720" bIns="45720" anchor="ctr">
+          <a:bodyPr lIns="91440" tIns="45720" rIns="91440" bIns="45720" anchor="ctr">
             <a:noAutofit/>
           </a:bodyPr>
           <a:lstStyle>
@@ -1159,9 +1603,9 @@
               </a:lnSpc>
               <a:buNone/>
               <a:tabLst>
-                <a:tab algn="l" pos="0"/>
+                <a:tab pos="0" algn="l"/>
               </a:tabLst>
-              <a:defRPr b="0" lang="es-MX" sz="1400" strike="noStrike" u="none">
+              <a:defRPr lang="es-MX" sz="1400" b="0" u="none" strike="noStrike">
                 <a:solidFill>
                   <a:srgbClr val="000000"/>
                 </a:solidFill>
@@ -1177,11 +1621,11 @@
               </a:lnSpc>
               <a:buNone/>
               <a:tabLst>
-                <a:tab algn="l" pos="0"/>
+                <a:tab pos="0" algn="l"/>
               </a:tabLst>
             </a:pPr>
             <a:r>
-              <a:rPr b="0" lang="es-MX" sz="1400" strike="noStrike" u="none">
+              <a:rPr lang="es-MX" sz="1400" b="0" u="none" strike="noStrike">
                 <a:solidFill>
                   <a:srgbClr val="000000"/>
                 </a:solidFill>
@@ -1190,13 +1634,6 @@
               </a:rPr>
               <a:t> </a:t>
             </a:r>
-            <a:endParaRPr b="0" lang="es-MX" sz="1400" strike="noStrike" u="none">
-              <a:solidFill>
-                <a:srgbClr val="000000"/>
-              </a:solidFill>
-              <a:uFillTx/>
-              <a:latin typeface="Times New Roman"/>
-            </a:endParaRPr>
           </a:p>
         </p:txBody>
       </p:sp>
@@ -1224,7 +1661,7 @@
           </a:ln>
         </p:spPr>
         <p:txBody>
-          <a:bodyPr lIns="91440" rIns="91440" tIns="45720" bIns="45720" anchor="ctr">
+          <a:bodyPr lIns="91440" tIns="45720" rIns="91440" bIns="45720" anchor="ctr">
             <a:noAutofit/>
           </a:bodyPr>
           <a:lstStyle>
@@ -1234,9 +1671,9 @@
               </a:lnSpc>
               <a:buNone/>
               <a:tabLst>
-                <a:tab algn="l" pos="0"/>
+                <a:tab pos="0" algn="l"/>
               </a:tabLst>
-              <a:defRPr b="0" lang="es-ES" sz="1200" strike="noStrike" u="none">
+              <a:defRPr lang="es-ES" sz="1200" b="0" u="none" strike="noStrike">
                 <a:solidFill>
                   <a:srgbClr val="888888"/>
                 </a:solidFill>
@@ -1253,11 +1690,11 @@
               </a:lnSpc>
               <a:buNone/>
               <a:tabLst>
-                <a:tab algn="l" pos="0"/>
+                <a:tab pos="0" algn="l"/>
               </a:tabLst>
             </a:pPr>
             <a:fld id="{46BC9F35-317E-4D52-A8A7-B5BA7CB3AD27}" type="slidenum">
-              <a:rPr b="0" lang="es-ES" sz="1200" strike="noStrike" u="none">
+              <a:rPr lang="es-ES" sz="1200" b="0" u="none" strike="noStrike">
                 <a:solidFill>
                   <a:srgbClr val="888888"/>
                 </a:solidFill>
@@ -1265,9 +1702,9 @@
                 <a:latin typeface="Calibri"/>
                 <a:ea typeface="Calibri"/>
               </a:rPr>
-              <a:t>1</a:t>
+              <a:t>‹Nº›</a:t>
             </a:fld>
-            <a:endParaRPr b="0" lang="es-MX" sz="1200" strike="noStrike" u="none">
+            <a:endParaRPr lang="es-MX" sz="1200" b="0" u="none" strike="noStrike">
               <a:solidFill>
                 <a:srgbClr val="000000"/>
               </a:solidFill>
@@ -1301,13 +1738,13 @@
           </a:ln>
         </p:spPr>
         <p:txBody>
-          <a:bodyPr lIns="91440" rIns="91440" tIns="45720" bIns="45720" anchor="ctr">
+          <a:bodyPr lIns="91440" tIns="45720" rIns="91440" bIns="45720" anchor="ctr">
             <a:noAutofit/>
           </a:bodyPr>
           <a:lstStyle>
             <a:lvl1pPr indent="0">
               <a:buNone/>
-              <a:defRPr b="0" lang="es-MX" sz="1400" strike="noStrike" u="none">
+              <a:defRPr lang="es-MX" sz="1400" b="0" u="none" strike="noStrike">
                 <a:solidFill>
                   <a:srgbClr val="000000"/>
                 </a:solidFill>
@@ -1321,7 +1758,7 @@
               <a:buNone/>
             </a:pPr>
             <a:r>
-              <a:rPr b="0" lang="es-MX" sz="1400" strike="noStrike" u="none">
+              <a:rPr lang="es-MX" sz="1400" b="0" u="none" strike="noStrike">
                 <a:solidFill>
                   <a:srgbClr val="000000"/>
                 </a:solidFill>
@@ -1330,13 +1767,6 @@
               </a:rPr>
               <a:t> </a:t>
             </a:r>
-            <a:endParaRPr b="0" lang="es-MX" sz="1400" strike="noStrike" u="none">
-              <a:solidFill>
-                <a:srgbClr val="000000"/>
-              </a:solidFill>
-              <a:uFillTx/>
-              <a:latin typeface="Times New Roman"/>
-            </a:endParaRPr>
           </a:p>
         </p:txBody>
       </p:sp>
@@ -1344,19 +1774,300 @@
   </p:cSld>
   <p:clrMap bg1="lt1" tx1="dk1" bg2="dk2" tx2="lt2" accent1="accent1" accent2="accent2" accent3="accent3" accent4="accent4" accent5="accent5" accent6="accent6" hlink="hlink" folHlink="folHlink"/>
   <p:sldLayoutIdLst>
-    <p:sldLayoutId id="2147483651" r:id="rId2"/>
+    <p:sldLayoutId id="2147483651" r:id="rId1"/>
   </p:sldLayoutIdLst>
+  <p:txStyles>
+    <p:titleStyle>
+      <a:lvl1pPr algn="l" defTabSz="914400" rtl="0" eaLnBrk="1" latinLnBrk="0" hangingPunct="1">
+        <a:lnSpc>
+          <a:spcPct val="90000"/>
+        </a:lnSpc>
+        <a:spcBef>
+          <a:spcPct val="0"/>
+        </a:spcBef>
+        <a:buNone/>
+        <a:defRPr sz="4400" kern="1200">
+          <a:solidFill>
+            <a:schemeClr val="tx1"/>
+          </a:solidFill>
+          <a:latin typeface="+mj-lt"/>
+          <a:ea typeface="+mj-ea"/>
+          <a:cs typeface="+mj-cs"/>
+        </a:defRPr>
+      </a:lvl1pPr>
+    </p:titleStyle>
+    <p:bodyStyle>
+      <a:lvl1pPr marL="228600" indent="-228600" algn="l" defTabSz="914400" rtl="0" eaLnBrk="1" latinLnBrk="0" hangingPunct="1">
+        <a:lnSpc>
+          <a:spcPct val="90000"/>
+        </a:lnSpc>
+        <a:spcBef>
+          <a:spcPts val="1000"/>
+        </a:spcBef>
+        <a:buFont typeface="Arial" panose="020B0604020202020204" pitchFamily="34" charset="0"/>
+        <a:buChar char="•"/>
+        <a:defRPr sz="2800" kern="1200">
+          <a:solidFill>
+            <a:schemeClr val="tx1"/>
+          </a:solidFill>
+          <a:latin typeface="+mn-lt"/>
+          <a:ea typeface="+mn-ea"/>
+          <a:cs typeface="+mn-cs"/>
+        </a:defRPr>
+      </a:lvl1pPr>
+      <a:lvl2pPr marL="685800" indent="-228600" algn="l" defTabSz="914400" rtl="0" eaLnBrk="1" latinLnBrk="0" hangingPunct="1">
+        <a:lnSpc>
+          <a:spcPct val="90000"/>
+        </a:lnSpc>
+        <a:spcBef>
+          <a:spcPts val="500"/>
+        </a:spcBef>
+        <a:buFont typeface="Arial" panose="020B0604020202020204" pitchFamily="34" charset="0"/>
+        <a:buChar char="•"/>
+        <a:defRPr sz="2400" kern="1200">
+          <a:solidFill>
+            <a:schemeClr val="tx1"/>
+          </a:solidFill>
+          <a:latin typeface="+mn-lt"/>
+          <a:ea typeface="+mn-ea"/>
+          <a:cs typeface="+mn-cs"/>
+        </a:defRPr>
+      </a:lvl2pPr>
+      <a:lvl3pPr marL="1143000" indent="-228600" algn="l" defTabSz="914400" rtl="0" eaLnBrk="1" latinLnBrk="0" hangingPunct="1">
+        <a:lnSpc>
+          <a:spcPct val="90000"/>
+        </a:lnSpc>
+        <a:spcBef>
+          <a:spcPts val="500"/>
+        </a:spcBef>
+        <a:buFont typeface="Arial" panose="020B0604020202020204" pitchFamily="34" charset="0"/>
+        <a:buChar char="•"/>
+        <a:defRPr sz="2000" kern="1200">
+          <a:solidFill>
+            <a:schemeClr val="tx1"/>
+          </a:solidFill>
+          <a:latin typeface="+mn-lt"/>
+          <a:ea typeface="+mn-ea"/>
+          <a:cs typeface="+mn-cs"/>
+        </a:defRPr>
+      </a:lvl3pPr>
+      <a:lvl4pPr marL="1600200" indent="-228600" algn="l" defTabSz="914400" rtl="0" eaLnBrk="1" latinLnBrk="0" hangingPunct="1">
+        <a:lnSpc>
+          <a:spcPct val="90000"/>
+        </a:lnSpc>
+        <a:spcBef>
+          <a:spcPts val="500"/>
+        </a:spcBef>
+        <a:buFont typeface="Arial" panose="020B0604020202020204" pitchFamily="34" charset="0"/>
+        <a:buChar char="•"/>
+        <a:defRPr sz="1800" kern="1200">
+          <a:solidFill>
+            <a:schemeClr val="tx1"/>
+          </a:solidFill>
+          <a:latin typeface="+mn-lt"/>
+          <a:ea typeface="+mn-ea"/>
+          <a:cs typeface="+mn-cs"/>
+        </a:defRPr>
+      </a:lvl4pPr>
+      <a:lvl5pPr marL="2057400" indent="-228600" algn="l" defTabSz="914400" rtl="0" eaLnBrk="1" latinLnBrk="0" hangingPunct="1">
+        <a:lnSpc>
+          <a:spcPct val="90000"/>
+        </a:lnSpc>
+        <a:spcBef>
+          <a:spcPts val="500"/>
+        </a:spcBef>
+        <a:buFont typeface="Arial" panose="020B0604020202020204" pitchFamily="34" charset="0"/>
+        <a:buChar char="•"/>
+        <a:defRPr sz="1800" kern="1200">
+          <a:solidFill>
+            <a:schemeClr val="tx1"/>
+          </a:solidFill>
+          <a:latin typeface="+mn-lt"/>
+          <a:ea typeface="+mn-ea"/>
+          <a:cs typeface="+mn-cs"/>
+        </a:defRPr>
+      </a:lvl5pPr>
+      <a:lvl6pPr marL="2514600" indent="-228600" algn="l" defTabSz="914400" rtl="0" eaLnBrk="1" latinLnBrk="0" hangingPunct="1">
+        <a:lnSpc>
+          <a:spcPct val="90000"/>
+        </a:lnSpc>
+        <a:spcBef>
+          <a:spcPts val="500"/>
+        </a:spcBef>
+        <a:buFont typeface="Arial" panose="020B0604020202020204" pitchFamily="34" charset="0"/>
+        <a:buChar char="•"/>
+        <a:defRPr sz="1800" kern="1200">
+          <a:solidFill>
+            <a:schemeClr val="tx1"/>
+          </a:solidFill>
+          <a:latin typeface="+mn-lt"/>
+          <a:ea typeface="+mn-ea"/>
+          <a:cs typeface="+mn-cs"/>
+        </a:defRPr>
+      </a:lvl6pPr>
+      <a:lvl7pPr marL="2971800" indent="-228600" algn="l" defTabSz="914400" rtl="0" eaLnBrk="1" latinLnBrk="0" hangingPunct="1">
+        <a:lnSpc>
+          <a:spcPct val="90000"/>
+        </a:lnSpc>
+        <a:spcBef>
+          <a:spcPts val="500"/>
+        </a:spcBef>
+        <a:buFont typeface="Arial" panose="020B0604020202020204" pitchFamily="34" charset="0"/>
+        <a:buChar char="•"/>
+        <a:defRPr sz="1800" kern="1200">
+          <a:solidFill>
+            <a:schemeClr val="tx1"/>
+          </a:solidFill>
+          <a:latin typeface="+mn-lt"/>
+          <a:ea typeface="+mn-ea"/>
+          <a:cs typeface="+mn-cs"/>
+        </a:defRPr>
+      </a:lvl7pPr>
+      <a:lvl8pPr marL="3429000" indent="-228600" algn="l" defTabSz="914400" rtl="0" eaLnBrk="1" latinLnBrk="0" hangingPunct="1">
+        <a:lnSpc>
+          <a:spcPct val="90000"/>
+        </a:lnSpc>
+        <a:spcBef>
+          <a:spcPts val="500"/>
+        </a:spcBef>
+        <a:buFont typeface="Arial" panose="020B0604020202020204" pitchFamily="34" charset="0"/>
+        <a:buChar char="•"/>
+        <a:defRPr sz="1800" kern="1200">
+          <a:solidFill>
+            <a:schemeClr val="tx1"/>
+          </a:solidFill>
+          <a:latin typeface="+mn-lt"/>
+          <a:ea typeface="+mn-ea"/>
+          <a:cs typeface="+mn-cs"/>
+        </a:defRPr>
+      </a:lvl8pPr>
+      <a:lvl9pPr marL="3886200" indent="-228600" algn="l" defTabSz="914400" rtl="0" eaLnBrk="1" latinLnBrk="0" hangingPunct="1">
+        <a:lnSpc>
+          <a:spcPct val="90000"/>
+        </a:lnSpc>
+        <a:spcBef>
+          <a:spcPts val="500"/>
+        </a:spcBef>
+        <a:buFont typeface="Arial" panose="020B0604020202020204" pitchFamily="34" charset="0"/>
+        <a:buChar char="•"/>
+        <a:defRPr sz="1800" kern="1200">
+          <a:solidFill>
+            <a:schemeClr val="tx1"/>
+          </a:solidFill>
+          <a:latin typeface="+mn-lt"/>
+          <a:ea typeface="+mn-ea"/>
+          <a:cs typeface="+mn-cs"/>
+        </a:defRPr>
+      </a:lvl9pPr>
+    </p:bodyStyle>
+    <p:otherStyle>
+      <a:defPPr>
+        <a:defRPr lang="es-MX"/>
+      </a:defPPr>
+      <a:lvl1pPr marL="0" algn="l" defTabSz="914400" rtl="0" eaLnBrk="1" latinLnBrk="0" hangingPunct="1">
+        <a:defRPr sz="1800" kern="1200">
+          <a:solidFill>
+            <a:schemeClr val="tx1"/>
+          </a:solidFill>
+          <a:latin typeface="+mn-lt"/>
+          <a:ea typeface="+mn-ea"/>
+          <a:cs typeface="+mn-cs"/>
+        </a:defRPr>
+      </a:lvl1pPr>
+      <a:lvl2pPr marL="457200" algn="l" defTabSz="914400" rtl="0" eaLnBrk="1" latinLnBrk="0" hangingPunct="1">
+        <a:defRPr sz="1800" kern="1200">
+          <a:solidFill>
+            <a:schemeClr val="tx1"/>
+          </a:solidFill>
+          <a:latin typeface="+mn-lt"/>
+          <a:ea typeface="+mn-ea"/>
+          <a:cs typeface="+mn-cs"/>
+        </a:defRPr>
+      </a:lvl2pPr>
+      <a:lvl3pPr marL="914400" algn="l" defTabSz="914400" rtl="0" eaLnBrk="1" latinLnBrk="0" hangingPunct="1">
+        <a:defRPr sz="1800" kern="1200">
+          <a:solidFill>
+            <a:schemeClr val="tx1"/>
+          </a:solidFill>
+          <a:latin typeface="+mn-lt"/>
+          <a:ea typeface="+mn-ea"/>
+          <a:cs typeface="+mn-cs"/>
+        </a:defRPr>
+      </a:lvl3pPr>
+      <a:lvl4pPr marL="1371600" algn="l" defTabSz="914400" rtl="0" eaLnBrk="1" latinLnBrk="0" hangingPunct="1">
+        <a:defRPr sz="1800" kern="1200">
+          <a:solidFill>
+            <a:schemeClr val="tx1"/>
+          </a:solidFill>
+          <a:latin typeface="+mn-lt"/>
+          <a:ea typeface="+mn-ea"/>
+          <a:cs typeface="+mn-cs"/>
+        </a:defRPr>
+      </a:lvl4pPr>
+      <a:lvl5pPr marL="1828800" algn="l" defTabSz="914400" rtl="0" eaLnBrk="1" latinLnBrk="0" hangingPunct="1">
+        <a:defRPr sz="1800" kern="1200">
+          <a:solidFill>
+            <a:schemeClr val="tx1"/>
+          </a:solidFill>
+          <a:latin typeface="+mn-lt"/>
+          <a:ea typeface="+mn-ea"/>
+          <a:cs typeface="+mn-cs"/>
+        </a:defRPr>
+      </a:lvl5pPr>
+      <a:lvl6pPr marL="2286000" algn="l" defTabSz="914400" rtl="0" eaLnBrk="1" latinLnBrk="0" hangingPunct="1">
+        <a:defRPr sz="1800" kern="1200">
+          <a:solidFill>
+            <a:schemeClr val="tx1"/>
+          </a:solidFill>
+          <a:latin typeface="+mn-lt"/>
+          <a:ea typeface="+mn-ea"/>
+          <a:cs typeface="+mn-cs"/>
+        </a:defRPr>
+      </a:lvl6pPr>
+      <a:lvl7pPr marL="2743200" algn="l" defTabSz="914400" rtl="0" eaLnBrk="1" latinLnBrk="0" hangingPunct="1">
+        <a:defRPr sz="1800" kern="1200">
+          <a:solidFill>
+            <a:schemeClr val="tx1"/>
+          </a:solidFill>
+          <a:latin typeface="+mn-lt"/>
+          <a:ea typeface="+mn-ea"/>
+          <a:cs typeface="+mn-cs"/>
+        </a:defRPr>
+      </a:lvl7pPr>
+      <a:lvl8pPr marL="3200400" algn="l" defTabSz="914400" rtl="0" eaLnBrk="1" latinLnBrk="0" hangingPunct="1">
+        <a:defRPr sz="1800" kern="1200">
+          <a:solidFill>
+            <a:schemeClr val="tx1"/>
+          </a:solidFill>
+          <a:latin typeface="+mn-lt"/>
+          <a:ea typeface="+mn-ea"/>
+          <a:cs typeface="+mn-cs"/>
+        </a:defRPr>
+      </a:lvl8pPr>
+      <a:lvl9pPr marL="3657600" algn="l" defTabSz="914400" rtl="0" eaLnBrk="1" latinLnBrk="0" hangingPunct="1">
+        <a:defRPr sz="1800" kern="1200">
+          <a:solidFill>
+            <a:schemeClr val="tx1"/>
+          </a:solidFill>
+          <a:latin typeface="+mn-lt"/>
+          <a:ea typeface="+mn-ea"/>
+          <a:cs typeface="+mn-cs"/>
+        </a:defRPr>
+      </a:lvl9pPr>
+    </p:otherStyle>
+  </p:txStyles>
 </p:sldMaster>
 </file>
 
 <file path=ppt/slideMasters/slideMaster3.xml><?xml version="1.0" encoding="utf-8"?>
-<p:sldMaster xmlns:a="http://schemas.openxmlformats.org/drawingml/2006/main" xmlns:p="http://schemas.openxmlformats.org/presentationml/2006/main" xmlns:r="http://schemas.openxmlformats.org/officeDocument/2006/relationships" xmlns:p14="http://schemas.microsoft.com/office/powerpoint/2010/main" xmlns:p15="http://schemas.microsoft.com/office/powerpoint/2012/main" xmlns:mc="http://schemas.openxmlformats.org/markup-compatibility/2006">
+<p:sldMaster xmlns:a="http://schemas.openxmlformats.org/drawingml/2006/main" xmlns:r="http://schemas.openxmlformats.org/officeDocument/2006/relationships" xmlns:p="http://schemas.openxmlformats.org/presentationml/2006/main">
   <p:cSld>
     <p:bg>
       <p:bgPr>
         <a:solidFill>
           <a:schemeClr val="lt1"/>
         </a:solidFill>
+        <a:effectLst/>
       </p:bgPr>
     </p:bg>
     <p:spTree>
@@ -1388,32 +2099,39 @@
             <a:avLst/>
           </a:prstGeom>
           <a:solidFill>
-            <a:srgbClr val="004c8d"/>
+            <a:srgbClr val="004C8D"/>
           </a:solidFill>
           <a:ln w="0">
             <a:noFill/>
           </a:ln>
         </p:spPr>
         <p:style>
-          <a:lnRef idx="0"/>
-          <a:fillRef idx="0"/>
-          <a:effectRef idx="0"/>
+          <a:lnRef idx="0">
+            <a:scrgbClr r="0" g="0" b="0"/>
+          </a:lnRef>
+          <a:fillRef idx="0">
+            <a:scrgbClr r="0" g="0" b="0"/>
+          </a:fillRef>
+          <a:effectRef idx="0">
+            <a:scrgbClr r="0" g="0" b="0"/>
+          </a:effectRef>
           <a:fontRef idx="minor"/>
         </p:style>
         <p:txBody>
-          <a:bodyPr lIns="90000" rIns="90000" tIns="45000" bIns="45000" anchor="ctr">
+          <a:bodyPr lIns="90000" tIns="45000" rIns="90000" bIns="45000" anchor="ctr">
             <a:noAutofit/>
           </a:bodyPr>
+          <a:lstStyle/>
           <a:p>
             <a:pPr algn="ctr">
               <a:lnSpc>
                 <a:spcPct val="100000"/>
               </a:lnSpc>
               <a:tabLst>
-                <a:tab algn="l" pos="0"/>
+                <a:tab pos="0" algn="l"/>
               </a:tabLst>
             </a:pPr>
-            <a:endParaRPr b="0" lang="es-MX" sz="1800" strike="noStrike" u="none">
+            <a:endParaRPr lang="es-MX" sz="1800" b="0" u="none" strike="noStrike">
               <a:solidFill>
                 <a:schemeClr val="lt1"/>
               </a:solidFill>
@@ -1444,22 +2162,29 @@
           </a:ln>
         </p:spPr>
         <p:style>
-          <a:lnRef idx="0"/>
-          <a:fillRef idx="0"/>
-          <a:effectRef idx="0"/>
+          <a:lnRef idx="0">
+            <a:scrgbClr r="0" g="0" b="0"/>
+          </a:lnRef>
+          <a:fillRef idx="0">
+            <a:scrgbClr r="0" g="0" b="0"/>
+          </a:fillRef>
+          <a:effectRef idx="0">
+            <a:scrgbClr r="0" g="0" b="0"/>
+          </a:effectRef>
           <a:fontRef idx="minor"/>
         </p:style>
         <p:txBody>
-          <a:bodyPr lIns="90000" rIns="90000" tIns="45000" bIns="45000" anchor="t">
+          <a:bodyPr lIns="90000" tIns="45000" rIns="90000" bIns="45000" anchor="t">
             <a:noAutofit/>
           </a:bodyPr>
+          <a:lstStyle/>
           <a:p>
             <a:pPr>
               <a:lnSpc>
                 <a:spcPct val="100000"/>
               </a:lnSpc>
             </a:pPr>
-            <a:endParaRPr b="0" lang="es-MX" sz="1800" strike="noStrike" u="none">
+            <a:endParaRPr lang="es-MX" sz="1800" b="0" u="none" strike="noStrike">
               <a:solidFill>
                 <a:srgbClr val="000000"/>
               </a:solidFill>
@@ -1493,15 +2218,16 @@
           </a:ln>
         </p:spPr>
         <p:txBody>
-          <a:bodyPr lIns="0" rIns="0" tIns="0" bIns="0" anchor="ctr">
+          <a:bodyPr lIns="0" tIns="0" rIns="0" bIns="0" anchor="ctr">
             <a:noAutofit/>
           </a:bodyPr>
+          <a:lstStyle/>
           <a:p>
             <a:pPr indent="0">
               <a:buNone/>
             </a:pPr>
             <a:r>
-              <a:rPr b="0" lang="es-MX" sz="1800" strike="noStrike" u="none">
+              <a:rPr lang="es-MX" sz="1800" b="0" u="none" strike="noStrike">
                 <a:solidFill>
                   <a:srgbClr val="000000"/>
                 </a:solidFill>
@@ -1510,13 +2236,6 @@
               </a:rPr>
               <a:t>Click to edit the title text format</a:t>
             </a:r>
-            <a:endParaRPr b="0" lang="es-MX" sz="1800" strike="noStrike" u="none">
-              <a:solidFill>
-                <a:srgbClr val="000000"/>
-              </a:solidFill>
-              <a:uFillTx/>
-              <a:latin typeface="Arial"/>
-            </a:endParaRPr>
           </a:p>
         </p:txBody>
       </p:sp>
@@ -1544,9 +2263,10 @@
           </a:ln>
         </p:spPr>
         <p:txBody>
-          <a:bodyPr lIns="0" rIns="0" tIns="0" bIns="0" anchor="t">
+          <a:bodyPr lIns="0" tIns="0" rIns="0" bIns="0" anchor="t">
             <a:normAutofit/>
           </a:bodyPr>
+          <a:lstStyle/>
           <a:p>
             <a:pPr marL="432000" indent="-324000">
               <a:spcBef>
@@ -1560,7 +2280,7 @@
               <a:buChar char=""/>
             </a:pPr>
             <a:r>
-              <a:rPr b="0" lang="es-MX" sz="1800" strike="noStrike" u="none">
+              <a:rPr lang="es-MX" sz="1800" b="0" u="none" strike="noStrike">
                 <a:solidFill>
                   <a:srgbClr val="000000"/>
                 </a:solidFill>
@@ -1569,16 +2289,9 @@
               </a:rPr>
               <a:t>Click to edit the outline text format</a:t>
             </a:r>
-            <a:endParaRPr b="0" lang="es-MX" sz="1800" strike="noStrike" u="none">
-              <a:solidFill>
-                <a:srgbClr val="000000"/>
-              </a:solidFill>
-              <a:uFillTx/>
-              <a:latin typeface="Arial"/>
-            </a:endParaRPr>
-          </a:p>
-          <a:p>
-            <a:pPr lvl="1" marL="864000" indent="-324000">
+          </a:p>
+          <a:p>
+            <a:pPr marL="864000" lvl="1" indent="-324000">
               <a:spcBef>
                 <a:spcPts val="1134"/>
               </a:spcBef>
@@ -1590,7 +2303,7 @@
               <a:buChar char=""/>
             </a:pPr>
             <a:r>
-              <a:rPr b="0" lang="es-MX" sz="1800" strike="noStrike" u="none">
+              <a:rPr lang="es-MX" sz="1800" b="0" u="none" strike="noStrike">
                 <a:solidFill>
                   <a:srgbClr val="000000"/>
                 </a:solidFill>
@@ -1599,16 +2312,9 @@
               </a:rPr>
               <a:t>Second Outline Level</a:t>
             </a:r>
-            <a:endParaRPr b="0" lang="es-MX" sz="1800" strike="noStrike" u="none">
-              <a:solidFill>
-                <a:srgbClr val="000000"/>
-              </a:solidFill>
-              <a:uFillTx/>
-              <a:latin typeface="Arial"/>
-            </a:endParaRPr>
-          </a:p>
-          <a:p>
-            <a:pPr lvl="2" marL="1296000" indent="-288000">
+          </a:p>
+          <a:p>
+            <a:pPr marL="1296000" lvl="2" indent="-288000">
               <a:spcBef>
                 <a:spcPts val="850"/>
               </a:spcBef>
@@ -1620,7 +2326,7 @@
               <a:buChar char=""/>
             </a:pPr>
             <a:r>
-              <a:rPr b="0" lang="es-MX" sz="1800" strike="noStrike" u="none">
+              <a:rPr lang="es-MX" sz="1800" b="0" u="none" strike="noStrike">
                 <a:solidFill>
                   <a:srgbClr val="000000"/>
                 </a:solidFill>
@@ -1629,16 +2335,9 @@
               </a:rPr>
               <a:t>Third Outline Level</a:t>
             </a:r>
-            <a:endParaRPr b="0" lang="es-MX" sz="1800" strike="noStrike" u="none">
-              <a:solidFill>
-                <a:srgbClr val="000000"/>
-              </a:solidFill>
-              <a:uFillTx/>
-              <a:latin typeface="Arial"/>
-            </a:endParaRPr>
-          </a:p>
-          <a:p>
-            <a:pPr lvl="3" marL="1728000" indent="-216000">
+          </a:p>
+          <a:p>
+            <a:pPr marL="1728000" lvl="3" indent="-216000">
               <a:spcBef>
                 <a:spcPts val="567"/>
               </a:spcBef>
@@ -1650,7 +2349,7 @@
               <a:buChar char=""/>
             </a:pPr>
             <a:r>
-              <a:rPr b="0" lang="es-MX" sz="1800" strike="noStrike" u="none">
+              <a:rPr lang="es-MX" sz="1800" b="0" u="none" strike="noStrike">
                 <a:solidFill>
                   <a:srgbClr val="000000"/>
                 </a:solidFill>
@@ -1659,16 +2358,9 @@
               </a:rPr>
               <a:t>Fourth Outline Level</a:t>
             </a:r>
-            <a:endParaRPr b="0" lang="es-MX" sz="1800" strike="noStrike" u="none">
-              <a:solidFill>
-                <a:srgbClr val="000000"/>
-              </a:solidFill>
-              <a:uFillTx/>
-              <a:latin typeface="Arial"/>
-            </a:endParaRPr>
-          </a:p>
-          <a:p>
-            <a:pPr lvl="4" marL="2160000" indent="-216000">
+          </a:p>
+          <a:p>
+            <a:pPr marL="2160000" lvl="4" indent="-216000">
               <a:spcBef>
                 <a:spcPts val="283"/>
               </a:spcBef>
@@ -1680,7 +2372,7 @@
               <a:buChar char=""/>
             </a:pPr>
             <a:r>
-              <a:rPr b="0" lang="es-MX" sz="1800" strike="noStrike" u="none">
+              <a:rPr lang="es-MX" sz="1800" b="0" u="none" strike="noStrike">
                 <a:solidFill>
                   <a:srgbClr val="000000"/>
                 </a:solidFill>
@@ -1689,16 +2381,9 @@
               </a:rPr>
               <a:t>Fifth Outline Level</a:t>
             </a:r>
-            <a:endParaRPr b="0" lang="es-MX" sz="1800" strike="noStrike" u="none">
-              <a:solidFill>
-                <a:srgbClr val="000000"/>
-              </a:solidFill>
-              <a:uFillTx/>
-              <a:latin typeface="Arial"/>
-            </a:endParaRPr>
-          </a:p>
-          <a:p>
-            <a:pPr lvl="5" marL="2592000" indent="-216000">
+          </a:p>
+          <a:p>
+            <a:pPr marL="2592000" lvl="5" indent="-216000">
               <a:spcBef>
                 <a:spcPts val="283"/>
               </a:spcBef>
@@ -1710,7 +2395,7 @@
               <a:buChar char=""/>
             </a:pPr>
             <a:r>
-              <a:rPr b="0" lang="es-MX" sz="1800" strike="noStrike" u="none">
+              <a:rPr lang="es-MX" sz="1800" b="0" u="none" strike="noStrike">
                 <a:solidFill>
                   <a:srgbClr val="000000"/>
                 </a:solidFill>
@@ -1719,16 +2404,9 @@
               </a:rPr>
               <a:t>Sixth Outline Level</a:t>
             </a:r>
-            <a:endParaRPr b="0" lang="es-MX" sz="1800" strike="noStrike" u="none">
-              <a:solidFill>
-                <a:srgbClr val="000000"/>
-              </a:solidFill>
-              <a:uFillTx/>
-              <a:latin typeface="Arial"/>
-            </a:endParaRPr>
-          </a:p>
-          <a:p>
-            <a:pPr lvl="6" marL="3024000" indent="-216000">
+          </a:p>
+          <a:p>
+            <a:pPr marL="3024000" lvl="6" indent="-216000">
               <a:spcBef>
                 <a:spcPts val="283"/>
               </a:spcBef>
@@ -1740,7 +2418,7 @@
               <a:buChar char=""/>
             </a:pPr>
             <a:r>
-              <a:rPr b="0" lang="es-MX" sz="1800" strike="noStrike" u="none">
+              <a:rPr lang="es-MX" sz="1800" b="0" u="none" strike="noStrike">
                 <a:solidFill>
                   <a:srgbClr val="000000"/>
                 </a:solidFill>
@@ -1749,13 +2427,6 @@
               </a:rPr>
               <a:t>Seventh Outline Level</a:t>
             </a:r>
-            <a:endParaRPr b="0" lang="es-MX" sz="1800" strike="noStrike" u="none">
-              <a:solidFill>
-                <a:srgbClr val="000000"/>
-              </a:solidFill>
-              <a:uFillTx/>
-              <a:latin typeface="Arial"/>
-            </a:endParaRPr>
           </a:p>
         </p:txBody>
       </p:sp>
@@ -1783,9 +2454,10 @@
           </a:ln>
         </p:spPr>
         <p:txBody>
-          <a:bodyPr lIns="0" rIns="0" tIns="0" bIns="0" anchor="t">
+          <a:bodyPr lIns="0" tIns="0" rIns="0" bIns="0" anchor="t">
             <a:normAutofit/>
           </a:bodyPr>
+          <a:lstStyle/>
           <a:p>
             <a:pPr marL="432000" indent="-324000">
               <a:spcBef>
@@ -1799,7 +2471,7 @@
               <a:buChar char=""/>
             </a:pPr>
             <a:r>
-              <a:rPr b="0" lang="es-MX" sz="1800" strike="noStrike" u="none">
+              <a:rPr lang="es-MX" sz="1800" b="0" u="none" strike="noStrike">
                 <a:solidFill>
                   <a:srgbClr val="000000"/>
                 </a:solidFill>
@@ -1808,16 +2480,9 @@
               </a:rPr>
               <a:t>Click to edit the outline text format</a:t>
             </a:r>
-            <a:endParaRPr b="0" lang="es-MX" sz="1800" strike="noStrike" u="none">
-              <a:solidFill>
-                <a:srgbClr val="000000"/>
-              </a:solidFill>
-              <a:uFillTx/>
-              <a:latin typeface="Arial"/>
-            </a:endParaRPr>
-          </a:p>
-          <a:p>
-            <a:pPr lvl="1" marL="864000" indent="-324000">
+          </a:p>
+          <a:p>
+            <a:pPr marL="864000" lvl="1" indent="-324000">
               <a:spcBef>
                 <a:spcPts val="1134"/>
               </a:spcBef>
@@ -1829,7 +2494,7 @@
               <a:buChar char=""/>
             </a:pPr>
             <a:r>
-              <a:rPr b="0" lang="es-MX" sz="1800" strike="noStrike" u="none">
+              <a:rPr lang="es-MX" sz="1800" b="0" u="none" strike="noStrike">
                 <a:solidFill>
                   <a:srgbClr val="000000"/>
                 </a:solidFill>
@@ -1838,16 +2503,9 @@
               </a:rPr>
               <a:t>Second Outline Level</a:t>
             </a:r>
-            <a:endParaRPr b="0" lang="es-MX" sz="1800" strike="noStrike" u="none">
-              <a:solidFill>
-                <a:srgbClr val="000000"/>
-              </a:solidFill>
-              <a:uFillTx/>
-              <a:latin typeface="Arial"/>
-            </a:endParaRPr>
-          </a:p>
-          <a:p>
-            <a:pPr lvl="2" marL="1296000" indent="-288000">
+          </a:p>
+          <a:p>
+            <a:pPr marL="1296000" lvl="2" indent="-288000">
               <a:spcBef>
                 <a:spcPts val="850"/>
               </a:spcBef>
@@ -1859,7 +2517,7 @@
               <a:buChar char=""/>
             </a:pPr>
             <a:r>
-              <a:rPr b="0" lang="es-MX" sz="1800" strike="noStrike" u="none">
+              <a:rPr lang="es-MX" sz="1800" b="0" u="none" strike="noStrike">
                 <a:solidFill>
                   <a:srgbClr val="000000"/>
                 </a:solidFill>
@@ -1868,16 +2526,9 @@
               </a:rPr>
               <a:t>Third Outline Level</a:t>
             </a:r>
-            <a:endParaRPr b="0" lang="es-MX" sz="1800" strike="noStrike" u="none">
-              <a:solidFill>
-                <a:srgbClr val="000000"/>
-              </a:solidFill>
-              <a:uFillTx/>
-              <a:latin typeface="Arial"/>
-            </a:endParaRPr>
-          </a:p>
-          <a:p>
-            <a:pPr lvl="3" marL="1728000" indent="-216000">
+          </a:p>
+          <a:p>
+            <a:pPr marL="1728000" lvl="3" indent="-216000">
               <a:spcBef>
                 <a:spcPts val="567"/>
               </a:spcBef>
@@ -1889,7 +2540,7 @@
               <a:buChar char=""/>
             </a:pPr>
             <a:r>
-              <a:rPr b="0" lang="es-MX" sz="1800" strike="noStrike" u="none">
+              <a:rPr lang="es-MX" sz="1800" b="0" u="none" strike="noStrike">
                 <a:solidFill>
                   <a:srgbClr val="000000"/>
                 </a:solidFill>
@@ -1898,16 +2549,9 @@
               </a:rPr>
               <a:t>Fourth Outline Level</a:t>
             </a:r>
-            <a:endParaRPr b="0" lang="es-MX" sz="1800" strike="noStrike" u="none">
-              <a:solidFill>
-                <a:srgbClr val="000000"/>
-              </a:solidFill>
-              <a:uFillTx/>
-              <a:latin typeface="Arial"/>
-            </a:endParaRPr>
-          </a:p>
-          <a:p>
-            <a:pPr lvl="4" marL="2160000" indent="-216000">
+          </a:p>
+          <a:p>
+            <a:pPr marL="2160000" lvl="4" indent="-216000">
               <a:spcBef>
                 <a:spcPts val="283"/>
               </a:spcBef>
@@ -1919,7 +2563,7 @@
               <a:buChar char=""/>
             </a:pPr>
             <a:r>
-              <a:rPr b="0" lang="es-MX" sz="1800" strike="noStrike" u="none">
+              <a:rPr lang="es-MX" sz="1800" b="0" u="none" strike="noStrike">
                 <a:solidFill>
                   <a:srgbClr val="000000"/>
                 </a:solidFill>
@@ -1928,16 +2572,9 @@
               </a:rPr>
               <a:t>Fifth Outline Level</a:t>
             </a:r>
-            <a:endParaRPr b="0" lang="es-MX" sz="1800" strike="noStrike" u="none">
-              <a:solidFill>
-                <a:srgbClr val="000000"/>
-              </a:solidFill>
-              <a:uFillTx/>
-              <a:latin typeface="Arial"/>
-            </a:endParaRPr>
-          </a:p>
-          <a:p>
-            <a:pPr lvl="5" marL="2592000" indent="-216000">
+          </a:p>
+          <a:p>
+            <a:pPr marL="2592000" lvl="5" indent="-216000">
               <a:spcBef>
                 <a:spcPts val="283"/>
               </a:spcBef>
@@ -1949,7 +2586,7 @@
               <a:buChar char=""/>
             </a:pPr>
             <a:r>
-              <a:rPr b="0" lang="es-MX" sz="1800" strike="noStrike" u="none">
+              <a:rPr lang="es-MX" sz="1800" b="0" u="none" strike="noStrike">
                 <a:solidFill>
                   <a:srgbClr val="000000"/>
                 </a:solidFill>
@@ -1958,16 +2595,9 @@
               </a:rPr>
               <a:t>Sixth Outline Level</a:t>
             </a:r>
-            <a:endParaRPr b="0" lang="es-MX" sz="1800" strike="noStrike" u="none">
-              <a:solidFill>
-                <a:srgbClr val="000000"/>
-              </a:solidFill>
-              <a:uFillTx/>
-              <a:latin typeface="Arial"/>
-            </a:endParaRPr>
-          </a:p>
-          <a:p>
-            <a:pPr lvl="6" marL="3024000" indent="-216000">
+          </a:p>
+          <a:p>
+            <a:pPr marL="3024000" lvl="6" indent="-216000">
               <a:spcBef>
                 <a:spcPts val="283"/>
               </a:spcBef>
@@ -1979,7 +2609,7 @@
               <a:buChar char=""/>
             </a:pPr>
             <a:r>
-              <a:rPr b="0" lang="es-MX" sz="1800" strike="noStrike" u="none">
+              <a:rPr lang="es-MX" sz="1800" b="0" u="none" strike="noStrike">
                 <a:solidFill>
                   <a:srgbClr val="000000"/>
                 </a:solidFill>
@@ -1988,13 +2618,6 @@
               </a:rPr>
               <a:t>Seventh Outline Level</a:t>
             </a:r>
-            <a:endParaRPr b="0" lang="es-MX" sz="1800" strike="noStrike" u="none">
-              <a:solidFill>
-                <a:srgbClr val="000000"/>
-              </a:solidFill>
-              <a:uFillTx/>
-              <a:latin typeface="Arial"/>
-            </a:endParaRPr>
           </a:p>
         </p:txBody>
       </p:sp>
@@ -2022,7 +2645,7 @@
           </a:ln>
         </p:spPr>
         <p:txBody>
-          <a:bodyPr lIns="91440" rIns="91440" tIns="45720" bIns="45720" anchor="ctr">
+          <a:bodyPr lIns="91440" tIns="45720" rIns="91440" bIns="45720" anchor="ctr">
             <a:noAutofit/>
           </a:bodyPr>
           <a:lstStyle>
@@ -2032,9 +2655,9 @@
               </a:lnSpc>
               <a:buNone/>
               <a:tabLst>
-                <a:tab algn="l" pos="0"/>
+                <a:tab pos="0" algn="l"/>
               </a:tabLst>
-              <a:defRPr b="0" lang="es-MX" sz="1400" strike="noStrike" u="none">
+              <a:defRPr lang="es-MX" sz="1400" b="0" u="none" strike="noStrike">
                 <a:solidFill>
                   <a:srgbClr val="000000"/>
                 </a:solidFill>
@@ -2050,11 +2673,11 @@
               </a:lnSpc>
               <a:buNone/>
               <a:tabLst>
-                <a:tab algn="l" pos="0"/>
+                <a:tab pos="0" algn="l"/>
               </a:tabLst>
             </a:pPr>
             <a:r>
-              <a:rPr b="0" lang="es-MX" sz="1400" strike="noStrike" u="none">
+              <a:rPr lang="es-MX" sz="1400" b="0" u="none" strike="noStrike">
                 <a:solidFill>
                   <a:srgbClr val="000000"/>
                 </a:solidFill>
@@ -2063,13 +2686,6 @@
               </a:rPr>
               <a:t>&lt;footer&gt;</a:t>
             </a:r>
-            <a:endParaRPr b="0" lang="es-MX" sz="1400" strike="noStrike" u="none">
-              <a:solidFill>
-                <a:srgbClr val="000000"/>
-              </a:solidFill>
-              <a:uFillTx/>
-              <a:latin typeface="Times New Roman"/>
-            </a:endParaRPr>
           </a:p>
         </p:txBody>
       </p:sp>
@@ -2097,7 +2713,7 @@
           </a:ln>
         </p:spPr>
         <p:txBody>
-          <a:bodyPr lIns="91440" rIns="91440" tIns="45720" bIns="45720" anchor="ctr">
+          <a:bodyPr lIns="91440" tIns="45720" rIns="91440" bIns="45720" anchor="ctr">
             <a:noAutofit/>
           </a:bodyPr>
           <a:lstStyle>
@@ -2107,9 +2723,9 @@
               </a:lnSpc>
               <a:buNone/>
               <a:tabLst>
-                <a:tab algn="l" pos="0"/>
+                <a:tab pos="0" algn="l"/>
               </a:tabLst>
-              <a:defRPr b="0" lang="es-ES" sz="1200" strike="noStrike" u="none">
+              <a:defRPr lang="es-ES" sz="1200" b="0" u="none" strike="noStrike">
                 <a:solidFill>
                   <a:srgbClr val="888888"/>
                 </a:solidFill>
@@ -2126,11 +2742,11 @@
               </a:lnSpc>
               <a:buNone/>
               <a:tabLst>
-                <a:tab algn="l" pos="0"/>
+                <a:tab pos="0" algn="l"/>
               </a:tabLst>
             </a:pPr>
             <a:fld id="{7B89833C-7EEF-4D5B-8E6E-D655D1B32EF5}" type="slidenum">
-              <a:rPr b="0" lang="es-ES" sz="1200" strike="noStrike" u="none">
+              <a:rPr lang="es-ES" sz="1200" b="0" u="none" strike="noStrike">
                 <a:solidFill>
                   <a:srgbClr val="888888"/>
                 </a:solidFill>
@@ -2138,9 +2754,9 @@
                 <a:latin typeface="Calibri"/>
                 <a:ea typeface="Calibri"/>
               </a:rPr>
-              <a:t>&lt;number&gt;</a:t>
+              <a:t>‹Nº›</a:t>
             </a:fld>
-            <a:endParaRPr b="0" lang="es-MX" sz="1200" strike="noStrike" u="none">
+            <a:endParaRPr lang="es-MX" sz="1200" b="0" u="none" strike="noStrike">
               <a:solidFill>
                 <a:srgbClr val="000000"/>
               </a:solidFill>
@@ -2174,13 +2790,13 @@
           </a:ln>
         </p:spPr>
         <p:txBody>
-          <a:bodyPr lIns="91440" rIns="91440" tIns="45720" bIns="45720" anchor="ctr">
+          <a:bodyPr lIns="91440" tIns="45720" rIns="91440" bIns="45720" anchor="ctr">
             <a:noAutofit/>
           </a:bodyPr>
           <a:lstStyle>
             <a:lvl1pPr indent="0">
               <a:buNone/>
-              <a:defRPr b="0" lang="es-MX" sz="1400" strike="noStrike" u="none">
+              <a:defRPr lang="es-MX" sz="1400" b="0" u="none" strike="noStrike">
                 <a:solidFill>
                   <a:srgbClr val="000000"/>
                 </a:solidFill>
@@ -2194,7 +2810,7 @@
               <a:buNone/>
             </a:pPr>
             <a:r>
-              <a:rPr b="0" lang="es-MX" sz="1400" strike="noStrike" u="none">
+              <a:rPr lang="es-MX" sz="1400" b="0" u="none" strike="noStrike">
                 <a:solidFill>
                   <a:srgbClr val="000000"/>
                 </a:solidFill>
@@ -2203,13 +2819,6 @@
               </a:rPr>
               <a:t>&lt;date/time&gt;</a:t>
             </a:r>
-            <a:endParaRPr b="0" lang="es-MX" sz="1400" strike="noStrike" u="none">
-              <a:solidFill>
-                <a:srgbClr val="000000"/>
-              </a:solidFill>
-              <a:uFillTx/>
-              <a:latin typeface="Times New Roman"/>
-            </a:endParaRPr>
           </a:p>
         </p:txBody>
       </p:sp>
@@ -2217,19 +2826,300 @@
   </p:cSld>
   <p:clrMap bg1="lt1" tx1="dk1" bg2="dk2" tx2="lt2" accent1="accent1" accent2="accent2" accent3="accent3" accent4="accent4" accent5="accent5" accent6="accent6" hlink="hlink" folHlink="folHlink"/>
   <p:sldLayoutIdLst>
-    <p:sldLayoutId id="2147483653" r:id="rId2"/>
+    <p:sldLayoutId id="2147483653" r:id="rId1"/>
   </p:sldLayoutIdLst>
+  <p:txStyles>
+    <p:titleStyle>
+      <a:lvl1pPr algn="l" defTabSz="914400" rtl="0" eaLnBrk="1" latinLnBrk="0" hangingPunct="1">
+        <a:lnSpc>
+          <a:spcPct val="90000"/>
+        </a:lnSpc>
+        <a:spcBef>
+          <a:spcPct val="0"/>
+        </a:spcBef>
+        <a:buNone/>
+        <a:defRPr sz="4400" kern="1200">
+          <a:solidFill>
+            <a:schemeClr val="tx1"/>
+          </a:solidFill>
+          <a:latin typeface="+mj-lt"/>
+          <a:ea typeface="+mj-ea"/>
+          <a:cs typeface="+mj-cs"/>
+        </a:defRPr>
+      </a:lvl1pPr>
+    </p:titleStyle>
+    <p:bodyStyle>
+      <a:lvl1pPr marL="228600" indent="-228600" algn="l" defTabSz="914400" rtl="0" eaLnBrk="1" latinLnBrk="0" hangingPunct="1">
+        <a:lnSpc>
+          <a:spcPct val="90000"/>
+        </a:lnSpc>
+        <a:spcBef>
+          <a:spcPts val="1000"/>
+        </a:spcBef>
+        <a:buFont typeface="Arial" panose="020B0604020202020204" pitchFamily="34" charset="0"/>
+        <a:buChar char="•"/>
+        <a:defRPr sz="2800" kern="1200">
+          <a:solidFill>
+            <a:schemeClr val="tx1"/>
+          </a:solidFill>
+          <a:latin typeface="+mn-lt"/>
+          <a:ea typeface="+mn-ea"/>
+          <a:cs typeface="+mn-cs"/>
+        </a:defRPr>
+      </a:lvl1pPr>
+      <a:lvl2pPr marL="685800" indent="-228600" algn="l" defTabSz="914400" rtl="0" eaLnBrk="1" latinLnBrk="0" hangingPunct="1">
+        <a:lnSpc>
+          <a:spcPct val="90000"/>
+        </a:lnSpc>
+        <a:spcBef>
+          <a:spcPts val="500"/>
+        </a:spcBef>
+        <a:buFont typeface="Arial" panose="020B0604020202020204" pitchFamily="34" charset="0"/>
+        <a:buChar char="•"/>
+        <a:defRPr sz="2400" kern="1200">
+          <a:solidFill>
+            <a:schemeClr val="tx1"/>
+          </a:solidFill>
+          <a:latin typeface="+mn-lt"/>
+          <a:ea typeface="+mn-ea"/>
+          <a:cs typeface="+mn-cs"/>
+        </a:defRPr>
+      </a:lvl2pPr>
+      <a:lvl3pPr marL="1143000" indent="-228600" algn="l" defTabSz="914400" rtl="0" eaLnBrk="1" latinLnBrk="0" hangingPunct="1">
+        <a:lnSpc>
+          <a:spcPct val="90000"/>
+        </a:lnSpc>
+        <a:spcBef>
+          <a:spcPts val="500"/>
+        </a:spcBef>
+        <a:buFont typeface="Arial" panose="020B0604020202020204" pitchFamily="34" charset="0"/>
+        <a:buChar char="•"/>
+        <a:defRPr sz="2000" kern="1200">
+          <a:solidFill>
+            <a:schemeClr val="tx1"/>
+          </a:solidFill>
+          <a:latin typeface="+mn-lt"/>
+          <a:ea typeface="+mn-ea"/>
+          <a:cs typeface="+mn-cs"/>
+        </a:defRPr>
+      </a:lvl3pPr>
+      <a:lvl4pPr marL="1600200" indent="-228600" algn="l" defTabSz="914400" rtl="0" eaLnBrk="1" latinLnBrk="0" hangingPunct="1">
+        <a:lnSpc>
+          <a:spcPct val="90000"/>
+        </a:lnSpc>
+        <a:spcBef>
+          <a:spcPts val="500"/>
+        </a:spcBef>
+        <a:buFont typeface="Arial" panose="020B0604020202020204" pitchFamily="34" charset="0"/>
+        <a:buChar char="•"/>
+        <a:defRPr sz="1800" kern="1200">
+          <a:solidFill>
+            <a:schemeClr val="tx1"/>
+          </a:solidFill>
+          <a:latin typeface="+mn-lt"/>
+          <a:ea typeface="+mn-ea"/>
+          <a:cs typeface="+mn-cs"/>
+        </a:defRPr>
+      </a:lvl4pPr>
+      <a:lvl5pPr marL="2057400" indent="-228600" algn="l" defTabSz="914400" rtl="0" eaLnBrk="1" latinLnBrk="0" hangingPunct="1">
+        <a:lnSpc>
+          <a:spcPct val="90000"/>
+        </a:lnSpc>
+        <a:spcBef>
+          <a:spcPts val="500"/>
+        </a:spcBef>
+        <a:buFont typeface="Arial" panose="020B0604020202020204" pitchFamily="34" charset="0"/>
+        <a:buChar char="•"/>
+        <a:defRPr sz="1800" kern="1200">
+          <a:solidFill>
+            <a:schemeClr val="tx1"/>
+          </a:solidFill>
+          <a:latin typeface="+mn-lt"/>
+          <a:ea typeface="+mn-ea"/>
+          <a:cs typeface="+mn-cs"/>
+        </a:defRPr>
+      </a:lvl5pPr>
+      <a:lvl6pPr marL="2514600" indent="-228600" algn="l" defTabSz="914400" rtl="0" eaLnBrk="1" latinLnBrk="0" hangingPunct="1">
+        <a:lnSpc>
+          <a:spcPct val="90000"/>
+        </a:lnSpc>
+        <a:spcBef>
+          <a:spcPts val="500"/>
+        </a:spcBef>
+        <a:buFont typeface="Arial" panose="020B0604020202020204" pitchFamily="34" charset="0"/>
+        <a:buChar char="•"/>
+        <a:defRPr sz="1800" kern="1200">
+          <a:solidFill>
+            <a:schemeClr val="tx1"/>
+          </a:solidFill>
+          <a:latin typeface="+mn-lt"/>
+          <a:ea typeface="+mn-ea"/>
+          <a:cs typeface="+mn-cs"/>
+        </a:defRPr>
+      </a:lvl6pPr>
+      <a:lvl7pPr marL="2971800" indent="-228600" algn="l" defTabSz="914400" rtl="0" eaLnBrk="1" latinLnBrk="0" hangingPunct="1">
+        <a:lnSpc>
+          <a:spcPct val="90000"/>
+        </a:lnSpc>
+        <a:spcBef>
+          <a:spcPts val="500"/>
+        </a:spcBef>
+        <a:buFont typeface="Arial" panose="020B0604020202020204" pitchFamily="34" charset="0"/>
+        <a:buChar char="•"/>
+        <a:defRPr sz="1800" kern="1200">
+          <a:solidFill>
+            <a:schemeClr val="tx1"/>
+          </a:solidFill>
+          <a:latin typeface="+mn-lt"/>
+          <a:ea typeface="+mn-ea"/>
+          <a:cs typeface="+mn-cs"/>
+        </a:defRPr>
+      </a:lvl7pPr>
+      <a:lvl8pPr marL="3429000" indent="-228600" algn="l" defTabSz="914400" rtl="0" eaLnBrk="1" latinLnBrk="0" hangingPunct="1">
+        <a:lnSpc>
+          <a:spcPct val="90000"/>
+        </a:lnSpc>
+        <a:spcBef>
+          <a:spcPts val="500"/>
+        </a:spcBef>
+        <a:buFont typeface="Arial" panose="020B0604020202020204" pitchFamily="34" charset="0"/>
+        <a:buChar char="•"/>
+        <a:defRPr sz="1800" kern="1200">
+          <a:solidFill>
+            <a:schemeClr val="tx1"/>
+          </a:solidFill>
+          <a:latin typeface="+mn-lt"/>
+          <a:ea typeface="+mn-ea"/>
+          <a:cs typeface="+mn-cs"/>
+        </a:defRPr>
+      </a:lvl8pPr>
+      <a:lvl9pPr marL="3886200" indent="-228600" algn="l" defTabSz="914400" rtl="0" eaLnBrk="1" latinLnBrk="0" hangingPunct="1">
+        <a:lnSpc>
+          <a:spcPct val="90000"/>
+        </a:lnSpc>
+        <a:spcBef>
+          <a:spcPts val="500"/>
+        </a:spcBef>
+        <a:buFont typeface="Arial" panose="020B0604020202020204" pitchFamily="34" charset="0"/>
+        <a:buChar char="•"/>
+        <a:defRPr sz="1800" kern="1200">
+          <a:solidFill>
+            <a:schemeClr val="tx1"/>
+          </a:solidFill>
+          <a:latin typeface="+mn-lt"/>
+          <a:ea typeface="+mn-ea"/>
+          <a:cs typeface="+mn-cs"/>
+        </a:defRPr>
+      </a:lvl9pPr>
+    </p:bodyStyle>
+    <p:otherStyle>
+      <a:defPPr>
+        <a:defRPr lang="es-MX"/>
+      </a:defPPr>
+      <a:lvl1pPr marL="0" algn="l" defTabSz="914400" rtl="0" eaLnBrk="1" latinLnBrk="0" hangingPunct="1">
+        <a:defRPr sz="1800" kern="1200">
+          <a:solidFill>
+            <a:schemeClr val="tx1"/>
+          </a:solidFill>
+          <a:latin typeface="+mn-lt"/>
+          <a:ea typeface="+mn-ea"/>
+          <a:cs typeface="+mn-cs"/>
+        </a:defRPr>
+      </a:lvl1pPr>
+      <a:lvl2pPr marL="457200" algn="l" defTabSz="914400" rtl="0" eaLnBrk="1" latinLnBrk="0" hangingPunct="1">
+        <a:defRPr sz="1800" kern="1200">
+          <a:solidFill>
+            <a:schemeClr val="tx1"/>
+          </a:solidFill>
+          <a:latin typeface="+mn-lt"/>
+          <a:ea typeface="+mn-ea"/>
+          <a:cs typeface="+mn-cs"/>
+        </a:defRPr>
+      </a:lvl2pPr>
+      <a:lvl3pPr marL="914400" algn="l" defTabSz="914400" rtl="0" eaLnBrk="1" latinLnBrk="0" hangingPunct="1">
+        <a:defRPr sz="1800" kern="1200">
+          <a:solidFill>
+            <a:schemeClr val="tx1"/>
+          </a:solidFill>
+          <a:latin typeface="+mn-lt"/>
+          <a:ea typeface="+mn-ea"/>
+          <a:cs typeface="+mn-cs"/>
+        </a:defRPr>
+      </a:lvl3pPr>
+      <a:lvl4pPr marL="1371600" algn="l" defTabSz="914400" rtl="0" eaLnBrk="1" latinLnBrk="0" hangingPunct="1">
+        <a:defRPr sz="1800" kern="1200">
+          <a:solidFill>
+            <a:schemeClr val="tx1"/>
+          </a:solidFill>
+          <a:latin typeface="+mn-lt"/>
+          <a:ea typeface="+mn-ea"/>
+          <a:cs typeface="+mn-cs"/>
+        </a:defRPr>
+      </a:lvl4pPr>
+      <a:lvl5pPr marL="1828800" algn="l" defTabSz="914400" rtl="0" eaLnBrk="1" latinLnBrk="0" hangingPunct="1">
+        <a:defRPr sz="1800" kern="1200">
+          <a:solidFill>
+            <a:schemeClr val="tx1"/>
+          </a:solidFill>
+          <a:latin typeface="+mn-lt"/>
+          <a:ea typeface="+mn-ea"/>
+          <a:cs typeface="+mn-cs"/>
+        </a:defRPr>
+      </a:lvl5pPr>
+      <a:lvl6pPr marL="2286000" algn="l" defTabSz="914400" rtl="0" eaLnBrk="1" latinLnBrk="0" hangingPunct="1">
+        <a:defRPr sz="1800" kern="1200">
+          <a:solidFill>
+            <a:schemeClr val="tx1"/>
+          </a:solidFill>
+          <a:latin typeface="+mn-lt"/>
+          <a:ea typeface="+mn-ea"/>
+          <a:cs typeface="+mn-cs"/>
+        </a:defRPr>
+      </a:lvl6pPr>
+      <a:lvl7pPr marL="2743200" algn="l" defTabSz="914400" rtl="0" eaLnBrk="1" latinLnBrk="0" hangingPunct="1">
+        <a:defRPr sz="1800" kern="1200">
+          <a:solidFill>
+            <a:schemeClr val="tx1"/>
+          </a:solidFill>
+          <a:latin typeface="+mn-lt"/>
+          <a:ea typeface="+mn-ea"/>
+          <a:cs typeface="+mn-cs"/>
+        </a:defRPr>
+      </a:lvl7pPr>
+      <a:lvl8pPr marL="3200400" algn="l" defTabSz="914400" rtl="0" eaLnBrk="1" latinLnBrk="0" hangingPunct="1">
+        <a:defRPr sz="1800" kern="1200">
+          <a:solidFill>
+            <a:schemeClr val="tx1"/>
+          </a:solidFill>
+          <a:latin typeface="+mn-lt"/>
+          <a:ea typeface="+mn-ea"/>
+          <a:cs typeface="+mn-cs"/>
+        </a:defRPr>
+      </a:lvl8pPr>
+      <a:lvl9pPr marL="3657600" algn="l" defTabSz="914400" rtl="0" eaLnBrk="1" latinLnBrk="0" hangingPunct="1">
+        <a:defRPr sz="1800" kern="1200">
+          <a:solidFill>
+            <a:schemeClr val="tx1"/>
+          </a:solidFill>
+          <a:latin typeface="+mn-lt"/>
+          <a:ea typeface="+mn-ea"/>
+          <a:cs typeface="+mn-cs"/>
+        </a:defRPr>
+      </a:lvl9pPr>
+    </p:otherStyle>
+  </p:txStyles>
 </p:sldMaster>
 </file>
 
 <file path=ppt/slideMasters/slideMaster4.xml><?xml version="1.0" encoding="utf-8"?>
-<p:sldMaster xmlns:a="http://schemas.openxmlformats.org/drawingml/2006/main" xmlns:p="http://schemas.openxmlformats.org/presentationml/2006/main" xmlns:r="http://schemas.openxmlformats.org/officeDocument/2006/relationships" xmlns:p14="http://schemas.microsoft.com/office/powerpoint/2010/main" xmlns:p15="http://schemas.microsoft.com/office/powerpoint/2012/main" xmlns:mc="http://schemas.openxmlformats.org/markup-compatibility/2006">
+<p:sldMaster xmlns:a="http://schemas.openxmlformats.org/drawingml/2006/main" xmlns:r="http://schemas.openxmlformats.org/officeDocument/2006/relationships" xmlns:p="http://schemas.openxmlformats.org/presentationml/2006/main">
   <p:cSld>
     <p:bg>
       <p:bgPr>
         <a:solidFill>
           <a:schemeClr val="lt1"/>
         </a:solidFill>
+        <a:effectLst/>
       </p:bgPr>
     </p:bg>
     <p:spTree>
@@ -2261,32 +3151,39 @@
             <a:avLst/>
           </a:prstGeom>
           <a:solidFill>
-            <a:srgbClr val="004c8d"/>
+            <a:srgbClr val="004C8D"/>
           </a:solidFill>
           <a:ln w="0">
             <a:noFill/>
           </a:ln>
         </p:spPr>
         <p:style>
-          <a:lnRef idx="0"/>
-          <a:fillRef idx="0"/>
-          <a:effectRef idx="0"/>
+          <a:lnRef idx="0">
+            <a:scrgbClr r="0" g="0" b="0"/>
+          </a:lnRef>
+          <a:fillRef idx="0">
+            <a:scrgbClr r="0" g="0" b="0"/>
+          </a:fillRef>
+          <a:effectRef idx="0">
+            <a:scrgbClr r="0" g="0" b="0"/>
+          </a:effectRef>
           <a:fontRef idx="minor"/>
         </p:style>
         <p:txBody>
-          <a:bodyPr lIns="90000" rIns="90000" tIns="45000" bIns="45000" anchor="ctr">
+          <a:bodyPr lIns="90000" tIns="45000" rIns="90000" bIns="45000" anchor="ctr">
             <a:noAutofit/>
           </a:bodyPr>
+          <a:lstStyle/>
           <a:p>
             <a:pPr algn="ctr">
               <a:lnSpc>
                 <a:spcPct val="100000"/>
               </a:lnSpc>
               <a:tabLst>
-                <a:tab algn="l" pos="0"/>
+                <a:tab pos="0" algn="l"/>
               </a:tabLst>
             </a:pPr>
-            <a:endParaRPr b="0" lang="es-MX" sz="1800" strike="noStrike" u="none">
+            <a:endParaRPr lang="es-MX" sz="1800" b="0" u="none" strike="noStrike">
               <a:solidFill>
                 <a:schemeClr val="lt1"/>
               </a:solidFill>
@@ -2317,22 +3214,29 @@
           </a:ln>
         </p:spPr>
         <p:style>
-          <a:lnRef idx="0"/>
-          <a:fillRef idx="0"/>
-          <a:effectRef idx="0"/>
+          <a:lnRef idx="0">
+            <a:scrgbClr r="0" g="0" b="0"/>
+          </a:lnRef>
+          <a:fillRef idx="0">
+            <a:scrgbClr r="0" g="0" b="0"/>
+          </a:fillRef>
+          <a:effectRef idx="0">
+            <a:scrgbClr r="0" g="0" b="0"/>
+          </a:effectRef>
           <a:fontRef idx="minor"/>
         </p:style>
         <p:txBody>
-          <a:bodyPr lIns="90000" rIns="90000" tIns="45000" bIns="45000" anchor="t">
+          <a:bodyPr lIns="90000" tIns="45000" rIns="90000" bIns="45000" anchor="t">
             <a:noAutofit/>
           </a:bodyPr>
+          <a:lstStyle/>
           <a:p>
             <a:pPr>
               <a:lnSpc>
                 <a:spcPct val="100000"/>
               </a:lnSpc>
             </a:pPr>
-            <a:endParaRPr b="0" lang="es-MX" sz="1800" strike="noStrike" u="none">
+            <a:endParaRPr lang="es-MX" sz="1800" b="0" u="none" strike="noStrike">
               <a:solidFill>
                 <a:srgbClr val="000000"/>
               </a:solidFill>
@@ -2366,7 +3270,7 @@
           </a:ln>
         </p:spPr>
         <p:txBody>
-          <a:bodyPr lIns="91440" rIns="91440" tIns="45720" bIns="45720" anchor="ctr">
+          <a:bodyPr lIns="91440" tIns="45720" rIns="91440" bIns="45720" anchor="ctr">
             <a:noAutofit/>
           </a:bodyPr>
           <a:lstStyle>
@@ -2376,9 +3280,9 @@
               </a:lnSpc>
               <a:buNone/>
               <a:tabLst>
-                <a:tab algn="l" pos="0"/>
+                <a:tab pos="0" algn="l"/>
               </a:tabLst>
-              <a:defRPr b="0" lang="es-MX" sz="1400" strike="noStrike" u="none">
+              <a:defRPr lang="es-MX" sz="1400" b="0" u="none" strike="noStrike">
                 <a:solidFill>
                   <a:srgbClr val="000000"/>
                 </a:solidFill>
@@ -2394,11 +3298,11 @@
               </a:lnSpc>
               <a:buNone/>
               <a:tabLst>
-                <a:tab algn="l" pos="0"/>
+                <a:tab pos="0" algn="l"/>
               </a:tabLst>
             </a:pPr>
             <a:r>
-              <a:rPr b="0" lang="es-MX" sz="1400" strike="noStrike" u="none">
+              <a:rPr lang="es-MX" sz="1400" b="0" u="none" strike="noStrike">
                 <a:solidFill>
                   <a:srgbClr val="000000"/>
                 </a:solidFill>
@@ -2407,13 +3311,6 @@
               </a:rPr>
               <a:t>&lt;footer&gt;</a:t>
             </a:r>
-            <a:endParaRPr b="0" lang="es-MX" sz="1400" strike="noStrike" u="none">
-              <a:solidFill>
-                <a:srgbClr val="000000"/>
-              </a:solidFill>
-              <a:uFillTx/>
-              <a:latin typeface="Times New Roman"/>
-            </a:endParaRPr>
           </a:p>
         </p:txBody>
       </p:sp>
@@ -2441,7 +3338,7 @@
           </a:ln>
         </p:spPr>
         <p:txBody>
-          <a:bodyPr lIns="91440" rIns="91440" tIns="45720" bIns="45720" anchor="ctr">
+          <a:bodyPr lIns="91440" tIns="45720" rIns="91440" bIns="45720" anchor="ctr">
             <a:noAutofit/>
           </a:bodyPr>
           <a:lstStyle>
@@ -2451,9 +3348,9 @@
               </a:lnSpc>
               <a:buNone/>
               <a:tabLst>
-                <a:tab algn="l" pos="0"/>
+                <a:tab pos="0" algn="l"/>
               </a:tabLst>
-              <a:defRPr b="0" lang="es-ES" sz="1200" strike="noStrike" u="none">
+              <a:defRPr lang="es-ES" sz="1200" b="0" u="none" strike="noStrike">
                 <a:solidFill>
                   <a:srgbClr val="888888"/>
                 </a:solidFill>
@@ -2470,11 +3367,11 @@
               </a:lnSpc>
               <a:buNone/>
               <a:tabLst>
-                <a:tab algn="l" pos="0"/>
+                <a:tab pos="0" algn="l"/>
               </a:tabLst>
             </a:pPr>
             <a:fld id="{3EDC33C7-D2AB-430F-A42D-89848A45163C}" type="slidenum">
-              <a:rPr b="0" lang="es-ES" sz="1200" strike="noStrike" u="none">
+              <a:rPr lang="es-ES" sz="1200" b="0" u="none" strike="noStrike">
                 <a:solidFill>
                   <a:srgbClr val="888888"/>
                 </a:solidFill>
@@ -2482,9 +3379,9 @@
                 <a:latin typeface="Calibri"/>
                 <a:ea typeface="Calibri"/>
               </a:rPr>
-              <a:t>&lt;number&gt;</a:t>
+              <a:t>‹Nº›</a:t>
             </a:fld>
-            <a:endParaRPr b="0" lang="es-MX" sz="1200" strike="noStrike" u="none">
+            <a:endParaRPr lang="es-MX" sz="1200" b="0" u="none" strike="noStrike">
               <a:solidFill>
                 <a:srgbClr val="000000"/>
               </a:solidFill>
@@ -2518,13 +3415,13 @@
           </a:ln>
         </p:spPr>
         <p:txBody>
-          <a:bodyPr lIns="91440" rIns="91440" tIns="45720" bIns="45720" anchor="ctr">
+          <a:bodyPr lIns="91440" tIns="45720" rIns="91440" bIns="45720" anchor="ctr">
             <a:noAutofit/>
           </a:bodyPr>
           <a:lstStyle>
             <a:lvl1pPr indent="0">
               <a:buNone/>
-              <a:defRPr b="0" lang="es-MX" sz="1400" strike="noStrike" u="none">
+              <a:defRPr lang="es-MX" sz="1400" b="0" u="none" strike="noStrike">
                 <a:solidFill>
                   <a:srgbClr val="000000"/>
                 </a:solidFill>
@@ -2538,7 +3435,7 @@
               <a:buNone/>
             </a:pPr>
             <a:r>
-              <a:rPr b="0" lang="es-MX" sz="1400" strike="noStrike" u="none">
+              <a:rPr lang="es-MX" sz="1400" b="0" u="none" strike="noStrike">
                 <a:solidFill>
                   <a:srgbClr val="000000"/>
                 </a:solidFill>
@@ -2547,13 +3444,6 @@
               </a:rPr>
               <a:t>&lt;date/time&gt;</a:t>
             </a:r>
-            <a:endParaRPr b="0" lang="es-MX" sz="1400" strike="noStrike" u="none">
-              <a:solidFill>
-                <a:srgbClr val="000000"/>
-              </a:solidFill>
-              <a:uFillTx/>
-              <a:latin typeface="Times New Roman"/>
-            </a:endParaRPr>
           </a:p>
         </p:txBody>
       </p:sp>
@@ -2561,19 +3451,300 @@
   </p:cSld>
   <p:clrMap bg1="lt1" tx1="dk1" bg2="dk2" tx2="lt2" accent1="accent1" accent2="accent2" accent3="accent3" accent4="accent4" accent5="accent5" accent6="accent6" hlink="hlink" folHlink="folHlink"/>
   <p:sldLayoutIdLst>
-    <p:sldLayoutId id="2147483655" r:id="rId2"/>
+    <p:sldLayoutId id="2147483655" r:id="rId1"/>
   </p:sldLayoutIdLst>
+  <p:txStyles>
+    <p:titleStyle>
+      <a:lvl1pPr algn="l" defTabSz="914400" rtl="0" eaLnBrk="1" latinLnBrk="0" hangingPunct="1">
+        <a:lnSpc>
+          <a:spcPct val="90000"/>
+        </a:lnSpc>
+        <a:spcBef>
+          <a:spcPct val="0"/>
+        </a:spcBef>
+        <a:buNone/>
+        <a:defRPr sz="4400" kern="1200">
+          <a:solidFill>
+            <a:schemeClr val="tx1"/>
+          </a:solidFill>
+          <a:latin typeface="+mj-lt"/>
+          <a:ea typeface="+mj-ea"/>
+          <a:cs typeface="+mj-cs"/>
+        </a:defRPr>
+      </a:lvl1pPr>
+    </p:titleStyle>
+    <p:bodyStyle>
+      <a:lvl1pPr marL="228600" indent="-228600" algn="l" defTabSz="914400" rtl="0" eaLnBrk="1" latinLnBrk="0" hangingPunct="1">
+        <a:lnSpc>
+          <a:spcPct val="90000"/>
+        </a:lnSpc>
+        <a:spcBef>
+          <a:spcPts val="1000"/>
+        </a:spcBef>
+        <a:buFont typeface="Arial" panose="020B0604020202020204" pitchFamily="34" charset="0"/>
+        <a:buChar char="•"/>
+        <a:defRPr sz="2800" kern="1200">
+          <a:solidFill>
+            <a:schemeClr val="tx1"/>
+          </a:solidFill>
+          <a:latin typeface="+mn-lt"/>
+          <a:ea typeface="+mn-ea"/>
+          <a:cs typeface="+mn-cs"/>
+        </a:defRPr>
+      </a:lvl1pPr>
+      <a:lvl2pPr marL="685800" indent="-228600" algn="l" defTabSz="914400" rtl="0" eaLnBrk="1" latinLnBrk="0" hangingPunct="1">
+        <a:lnSpc>
+          <a:spcPct val="90000"/>
+        </a:lnSpc>
+        <a:spcBef>
+          <a:spcPts val="500"/>
+        </a:spcBef>
+        <a:buFont typeface="Arial" panose="020B0604020202020204" pitchFamily="34" charset="0"/>
+        <a:buChar char="•"/>
+        <a:defRPr sz="2400" kern="1200">
+          <a:solidFill>
+            <a:schemeClr val="tx1"/>
+          </a:solidFill>
+          <a:latin typeface="+mn-lt"/>
+          <a:ea typeface="+mn-ea"/>
+          <a:cs typeface="+mn-cs"/>
+        </a:defRPr>
+      </a:lvl2pPr>
+      <a:lvl3pPr marL="1143000" indent="-228600" algn="l" defTabSz="914400" rtl="0" eaLnBrk="1" latinLnBrk="0" hangingPunct="1">
+        <a:lnSpc>
+          <a:spcPct val="90000"/>
+        </a:lnSpc>
+        <a:spcBef>
+          <a:spcPts val="500"/>
+        </a:spcBef>
+        <a:buFont typeface="Arial" panose="020B0604020202020204" pitchFamily="34" charset="0"/>
+        <a:buChar char="•"/>
+        <a:defRPr sz="2000" kern="1200">
+          <a:solidFill>
+            <a:schemeClr val="tx1"/>
+          </a:solidFill>
+          <a:latin typeface="+mn-lt"/>
+          <a:ea typeface="+mn-ea"/>
+          <a:cs typeface="+mn-cs"/>
+        </a:defRPr>
+      </a:lvl3pPr>
+      <a:lvl4pPr marL="1600200" indent="-228600" algn="l" defTabSz="914400" rtl="0" eaLnBrk="1" latinLnBrk="0" hangingPunct="1">
+        <a:lnSpc>
+          <a:spcPct val="90000"/>
+        </a:lnSpc>
+        <a:spcBef>
+          <a:spcPts val="500"/>
+        </a:spcBef>
+        <a:buFont typeface="Arial" panose="020B0604020202020204" pitchFamily="34" charset="0"/>
+        <a:buChar char="•"/>
+        <a:defRPr sz="1800" kern="1200">
+          <a:solidFill>
+            <a:schemeClr val="tx1"/>
+          </a:solidFill>
+          <a:latin typeface="+mn-lt"/>
+          <a:ea typeface="+mn-ea"/>
+          <a:cs typeface="+mn-cs"/>
+        </a:defRPr>
+      </a:lvl4pPr>
+      <a:lvl5pPr marL="2057400" indent="-228600" algn="l" defTabSz="914400" rtl="0" eaLnBrk="1" latinLnBrk="0" hangingPunct="1">
+        <a:lnSpc>
+          <a:spcPct val="90000"/>
+        </a:lnSpc>
+        <a:spcBef>
+          <a:spcPts val="500"/>
+        </a:spcBef>
+        <a:buFont typeface="Arial" panose="020B0604020202020204" pitchFamily="34" charset="0"/>
+        <a:buChar char="•"/>
+        <a:defRPr sz="1800" kern="1200">
+          <a:solidFill>
+            <a:schemeClr val="tx1"/>
+          </a:solidFill>
+          <a:latin typeface="+mn-lt"/>
+          <a:ea typeface="+mn-ea"/>
+          <a:cs typeface="+mn-cs"/>
+        </a:defRPr>
+      </a:lvl5pPr>
+      <a:lvl6pPr marL="2514600" indent="-228600" algn="l" defTabSz="914400" rtl="0" eaLnBrk="1" latinLnBrk="0" hangingPunct="1">
+        <a:lnSpc>
+          <a:spcPct val="90000"/>
+        </a:lnSpc>
+        <a:spcBef>
+          <a:spcPts val="500"/>
+        </a:spcBef>
+        <a:buFont typeface="Arial" panose="020B0604020202020204" pitchFamily="34" charset="0"/>
+        <a:buChar char="•"/>
+        <a:defRPr sz="1800" kern="1200">
+          <a:solidFill>
+            <a:schemeClr val="tx1"/>
+          </a:solidFill>
+          <a:latin typeface="+mn-lt"/>
+          <a:ea typeface="+mn-ea"/>
+          <a:cs typeface="+mn-cs"/>
+        </a:defRPr>
+      </a:lvl6pPr>
+      <a:lvl7pPr marL="2971800" indent="-228600" algn="l" defTabSz="914400" rtl="0" eaLnBrk="1" latinLnBrk="0" hangingPunct="1">
+        <a:lnSpc>
+          <a:spcPct val="90000"/>
+        </a:lnSpc>
+        <a:spcBef>
+          <a:spcPts val="500"/>
+        </a:spcBef>
+        <a:buFont typeface="Arial" panose="020B0604020202020204" pitchFamily="34" charset="0"/>
+        <a:buChar char="•"/>
+        <a:defRPr sz="1800" kern="1200">
+          <a:solidFill>
+            <a:schemeClr val="tx1"/>
+          </a:solidFill>
+          <a:latin typeface="+mn-lt"/>
+          <a:ea typeface="+mn-ea"/>
+          <a:cs typeface="+mn-cs"/>
+        </a:defRPr>
+      </a:lvl7pPr>
+      <a:lvl8pPr marL="3429000" indent="-228600" algn="l" defTabSz="914400" rtl="0" eaLnBrk="1" latinLnBrk="0" hangingPunct="1">
+        <a:lnSpc>
+          <a:spcPct val="90000"/>
+        </a:lnSpc>
+        <a:spcBef>
+          <a:spcPts val="500"/>
+        </a:spcBef>
+        <a:buFont typeface="Arial" panose="020B0604020202020204" pitchFamily="34" charset="0"/>
+        <a:buChar char="•"/>
+        <a:defRPr sz="1800" kern="1200">
+          <a:solidFill>
+            <a:schemeClr val="tx1"/>
+          </a:solidFill>
+          <a:latin typeface="+mn-lt"/>
+          <a:ea typeface="+mn-ea"/>
+          <a:cs typeface="+mn-cs"/>
+        </a:defRPr>
+      </a:lvl8pPr>
+      <a:lvl9pPr marL="3886200" indent="-228600" algn="l" defTabSz="914400" rtl="0" eaLnBrk="1" latinLnBrk="0" hangingPunct="1">
+        <a:lnSpc>
+          <a:spcPct val="90000"/>
+        </a:lnSpc>
+        <a:spcBef>
+          <a:spcPts val="500"/>
+        </a:spcBef>
+        <a:buFont typeface="Arial" panose="020B0604020202020204" pitchFamily="34" charset="0"/>
+        <a:buChar char="•"/>
+        <a:defRPr sz="1800" kern="1200">
+          <a:solidFill>
+            <a:schemeClr val="tx1"/>
+          </a:solidFill>
+          <a:latin typeface="+mn-lt"/>
+          <a:ea typeface="+mn-ea"/>
+          <a:cs typeface="+mn-cs"/>
+        </a:defRPr>
+      </a:lvl9pPr>
+    </p:bodyStyle>
+    <p:otherStyle>
+      <a:defPPr>
+        <a:defRPr lang="es-MX"/>
+      </a:defPPr>
+      <a:lvl1pPr marL="0" algn="l" defTabSz="914400" rtl="0" eaLnBrk="1" latinLnBrk="0" hangingPunct="1">
+        <a:defRPr sz="1800" kern="1200">
+          <a:solidFill>
+            <a:schemeClr val="tx1"/>
+          </a:solidFill>
+          <a:latin typeface="+mn-lt"/>
+          <a:ea typeface="+mn-ea"/>
+          <a:cs typeface="+mn-cs"/>
+        </a:defRPr>
+      </a:lvl1pPr>
+      <a:lvl2pPr marL="457200" algn="l" defTabSz="914400" rtl="0" eaLnBrk="1" latinLnBrk="0" hangingPunct="1">
+        <a:defRPr sz="1800" kern="1200">
+          <a:solidFill>
+            <a:schemeClr val="tx1"/>
+          </a:solidFill>
+          <a:latin typeface="+mn-lt"/>
+          <a:ea typeface="+mn-ea"/>
+          <a:cs typeface="+mn-cs"/>
+        </a:defRPr>
+      </a:lvl2pPr>
+      <a:lvl3pPr marL="914400" algn="l" defTabSz="914400" rtl="0" eaLnBrk="1" latinLnBrk="0" hangingPunct="1">
+        <a:defRPr sz="1800" kern="1200">
+          <a:solidFill>
+            <a:schemeClr val="tx1"/>
+          </a:solidFill>
+          <a:latin typeface="+mn-lt"/>
+          <a:ea typeface="+mn-ea"/>
+          <a:cs typeface="+mn-cs"/>
+        </a:defRPr>
+      </a:lvl3pPr>
+      <a:lvl4pPr marL="1371600" algn="l" defTabSz="914400" rtl="0" eaLnBrk="1" latinLnBrk="0" hangingPunct="1">
+        <a:defRPr sz="1800" kern="1200">
+          <a:solidFill>
+            <a:schemeClr val="tx1"/>
+          </a:solidFill>
+          <a:latin typeface="+mn-lt"/>
+          <a:ea typeface="+mn-ea"/>
+          <a:cs typeface="+mn-cs"/>
+        </a:defRPr>
+      </a:lvl4pPr>
+      <a:lvl5pPr marL="1828800" algn="l" defTabSz="914400" rtl="0" eaLnBrk="1" latinLnBrk="0" hangingPunct="1">
+        <a:defRPr sz="1800" kern="1200">
+          <a:solidFill>
+            <a:schemeClr val="tx1"/>
+          </a:solidFill>
+          <a:latin typeface="+mn-lt"/>
+          <a:ea typeface="+mn-ea"/>
+          <a:cs typeface="+mn-cs"/>
+        </a:defRPr>
+      </a:lvl5pPr>
+      <a:lvl6pPr marL="2286000" algn="l" defTabSz="914400" rtl="0" eaLnBrk="1" latinLnBrk="0" hangingPunct="1">
+        <a:defRPr sz="1800" kern="1200">
+          <a:solidFill>
+            <a:schemeClr val="tx1"/>
+          </a:solidFill>
+          <a:latin typeface="+mn-lt"/>
+          <a:ea typeface="+mn-ea"/>
+          <a:cs typeface="+mn-cs"/>
+        </a:defRPr>
+      </a:lvl6pPr>
+      <a:lvl7pPr marL="2743200" algn="l" defTabSz="914400" rtl="0" eaLnBrk="1" latinLnBrk="0" hangingPunct="1">
+        <a:defRPr sz="1800" kern="1200">
+          <a:solidFill>
+            <a:schemeClr val="tx1"/>
+          </a:solidFill>
+          <a:latin typeface="+mn-lt"/>
+          <a:ea typeface="+mn-ea"/>
+          <a:cs typeface="+mn-cs"/>
+        </a:defRPr>
+      </a:lvl7pPr>
+      <a:lvl8pPr marL="3200400" algn="l" defTabSz="914400" rtl="0" eaLnBrk="1" latinLnBrk="0" hangingPunct="1">
+        <a:defRPr sz="1800" kern="1200">
+          <a:solidFill>
+            <a:schemeClr val="tx1"/>
+          </a:solidFill>
+          <a:latin typeface="+mn-lt"/>
+          <a:ea typeface="+mn-ea"/>
+          <a:cs typeface="+mn-cs"/>
+        </a:defRPr>
+      </a:lvl8pPr>
+      <a:lvl9pPr marL="3657600" algn="l" defTabSz="914400" rtl="0" eaLnBrk="1" latinLnBrk="0" hangingPunct="1">
+        <a:defRPr sz="1800" kern="1200">
+          <a:solidFill>
+            <a:schemeClr val="tx1"/>
+          </a:solidFill>
+          <a:latin typeface="+mn-lt"/>
+          <a:ea typeface="+mn-ea"/>
+          <a:cs typeface="+mn-cs"/>
+        </a:defRPr>
+      </a:lvl9pPr>
+    </p:otherStyle>
+  </p:txStyles>
 </p:sldMaster>
 </file>
 
 <file path=ppt/slideMasters/slideMaster5.xml><?xml version="1.0" encoding="utf-8"?>
-<p:sldMaster xmlns:a="http://schemas.openxmlformats.org/drawingml/2006/main" xmlns:p="http://schemas.openxmlformats.org/presentationml/2006/main" xmlns:r="http://schemas.openxmlformats.org/officeDocument/2006/relationships" xmlns:p14="http://schemas.microsoft.com/office/powerpoint/2010/main" xmlns:p15="http://schemas.microsoft.com/office/powerpoint/2012/main" xmlns:mc="http://schemas.openxmlformats.org/markup-compatibility/2006">
+<p:sldMaster xmlns:a="http://schemas.openxmlformats.org/drawingml/2006/main" xmlns:r="http://schemas.openxmlformats.org/officeDocument/2006/relationships" xmlns:p="http://schemas.openxmlformats.org/presentationml/2006/main">
   <p:cSld>
     <p:bg>
       <p:bgPr>
         <a:solidFill>
           <a:schemeClr val="lt1"/>
         </a:solidFill>
+        <a:effectLst/>
       </p:bgPr>
     </p:bg>
     <p:spTree>
@@ -2605,32 +3776,39 @@
             <a:avLst/>
           </a:prstGeom>
           <a:solidFill>
-            <a:srgbClr val="004c8d"/>
+            <a:srgbClr val="004C8D"/>
           </a:solidFill>
           <a:ln w="0">
             <a:noFill/>
           </a:ln>
         </p:spPr>
         <p:style>
-          <a:lnRef idx="0"/>
-          <a:fillRef idx="0"/>
-          <a:effectRef idx="0"/>
+          <a:lnRef idx="0">
+            <a:scrgbClr r="0" g="0" b="0"/>
+          </a:lnRef>
+          <a:fillRef idx="0">
+            <a:scrgbClr r="0" g="0" b="0"/>
+          </a:fillRef>
+          <a:effectRef idx="0">
+            <a:scrgbClr r="0" g="0" b="0"/>
+          </a:effectRef>
           <a:fontRef idx="minor"/>
         </p:style>
         <p:txBody>
-          <a:bodyPr lIns="90000" rIns="90000" tIns="45000" bIns="45000" anchor="ctr">
+          <a:bodyPr lIns="90000" tIns="45000" rIns="90000" bIns="45000" anchor="ctr">
             <a:noAutofit/>
           </a:bodyPr>
+          <a:lstStyle/>
           <a:p>
             <a:pPr algn="ctr">
               <a:lnSpc>
                 <a:spcPct val="100000"/>
               </a:lnSpc>
               <a:tabLst>
-                <a:tab algn="l" pos="0"/>
+                <a:tab pos="0" algn="l"/>
               </a:tabLst>
             </a:pPr>
-            <a:endParaRPr b="0" lang="es-MX" sz="1800" strike="noStrike" u="none">
+            <a:endParaRPr lang="es-MX" sz="1800" b="0" u="none" strike="noStrike">
               <a:solidFill>
                 <a:schemeClr val="lt1"/>
               </a:solidFill>
@@ -2661,22 +3839,29 @@
           </a:ln>
         </p:spPr>
         <p:style>
-          <a:lnRef idx="0"/>
-          <a:fillRef idx="0"/>
-          <a:effectRef idx="0"/>
+          <a:lnRef idx="0">
+            <a:scrgbClr r="0" g="0" b="0"/>
+          </a:lnRef>
+          <a:fillRef idx="0">
+            <a:scrgbClr r="0" g="0" b="0"/>
+          </a:fillRef>
+          <a:effectRef idx="0">
+            <a:scrgbClr r="0" g="0" b="0"/>
+          </a:effectRef>
           <a:fontRef idx="minor"/>
         </p:style>
         <p:txBody>
-          <a:bodyPr lIns="90000" rIns="90000" tIns="45000" bIns="45000" anchor="t">
+          <a:bodyPr lIns="90000" tIns="45000" rIns="90000" bIns="45000" anchor="t">
             <a:noAutofit/>
           </a:bodyPr>
+          <a:lstStyle/>
           <a:p>
             <a:pPr>
               <a:lnSpc>
                 <a:spcPct val="100000"/>
               </a:lnSpc>
             </a:pPr>
-            <a:endParaRPr b="0" lang="es-MX" sz="1800" strike="noStrike" u="none">
+            <a:endParaRPr lang="es-MX" sz="1800" b="0" u="none" strike="noStrike">
               <a:solidFill>
                 <a:srgbClr val="000000"/>
               </a:solidFill>
@@ -2710,15 +3895,16 @@
           </a:ln>
         </p:spPr>
         <p:txBody>
-          <a:bodyPr lIns="0" rIns="0" tIns="0" bIns="0" anchor="ctr">
+          <a:bodyPr lIns="0" tIns="0" rIns="0" bIns="0" anchor="ctr">
             <a:noAutofit/>
           </a:bodyPr>
+          <a:lstStyle/>
           <a:p>
             <a:pPr indent="0">
               <a:buNone/>
             </a:pPr>
             <a:r>
-              <a:rPr b="0" lang="es-MX" sz="1800" strike="noStrike" u="none">
+              <a:rPr lang="es-MX" sz="1800" b="0" u="none" strike="noStrike">
                 <a:solidFill>
                   <a:srgbClr val="000000"/>
                 </a:solidFill>
@@ -2727,13 +3913,6 @@
               </a:rPr>
               <a:t>Click to edit the title text format</a:t>
             </a:r>
-            <a:endParaRPr b="0" lang="es-MX" sz="1800" strike="noStrike" u="none">
-              <a:solidFill>
-                <a:srgbClr val="000000"/>
-              </a:solidFill>
-              <a:uFillTx/>
-              <a:latin typeface="Arial"/>
-            </a:endParaRPr>
           </a:p>
         </p:txBody>
       </p:sp>
@@ -2761,7 +3940,7 @@
           </a:ln>
         </p:spPr>
         <p:txBody>
-          <a:bodyPr lIns="91440" rIns="91440" tIns="45720" bIns="45720" anchor="ctr">
+          <a:bodyPr lIns="91440" tIns="45720" rIns="91440" bIns="45720" anchor="ctr">
             <a:noAutofit/>
           </a:bodyPr>
           <a:lstStyle>
@@ -2771,9 +3950,9 @@
               </a:lnSpc>
               <a:buNone/>
               <a:tabLst>
-                <a:tab algn="l" pos="0"/>
+                <a:tab pos="0" algn="l"/>
               </a:tabLst>
-              <a:defRPr b="0" lang="es-MX" sz="1400" strike="noStrike" u="none">
+              <a:defRPr lang="es-MX" sz="1400" b="0" u="none" strike="noStrike">
                 <a:solidFill>
                   <a:srgbClr val="000000"/>
                 </a:solidFill>
@@ -2789,11 +3968,11 @@
               </a:lnSpc>
               <a:buNone/>
               <a:tabLst>
-                <a:tab algn="l" pos="0"/>
+                <a:tab pos="0" algn="l"/>
               </a:tabLst>
             </a:pPr>
             <a:r>
-              <a:rPr b="0" lang="es-MX" sz="1400" strike="noStrike" u="none">
+              <a:rPr lang="es-MX" sz="1400" b="0" u="none" strike="noStrike">
                 <a:solidFill>
                   <a:srgbClr val="000000"/>
                 </a:solidFill>
@@ -2802,13 +3981,6 @@
               </a:rPr>
               <a:t> </a:t>
             </a:r>
-            <a:endParaRPr b="0" lang="es-MX" sz="1400" strike="noStrike" u="none">
-              <a:solidFill>
-                <a:srgbClr val="000000"/>
-              </a:solidFill>
-              <a:uFillTx/>
-              <a:latin typeface="Times New Roman"/>
-            </a:endParaRPr>
           </a:p>
         </p:txBody>
       </p:sp>
@@ -2836,7 +4008,7 @@
           </a:ln>
         </p:spPr>
         <p:txBody>
-          <a:bodyPr lIns="91440" rIns="91440" tIns="45720" bIns="45720" anchor="ctr">
+          <a:bodyPr lIns="91440" tIns="45720" rIns="91440" bIns="45720" anchor="ctr">
             <a:noAutofit/>
           </a:bodyPr>
           <a:lstStyle>
@@ -2846,9 +4018,9 @@
               </a:lnSpc>
               <a:buNone/>
               <a:tabLst>
-                <a:tab algn="l" pos="0"/>
+                <a:tab pos="0" algn="l"/>
               </a:tabLst>
-              <a:defRPr b="0" lang="es-ES" sz="1200" strike="noStrike" u="none">
+              <a:defRPr lang="es-ES" sz="1200" b="0" u="none" strike="noStrike">
                 <a:solidFill>
                   <a:srgbClr val="888888"/>
                 </a:solidFill>
@@ -2865,11 +4037,11 @@
               </a:lnSpc>
               <a:buNone/>
               <a:tabLst>
-                <a:tab algn="l" pos="0"/>
+                <a:tab pos="0" algn="l"/>
               </a:tabLst>
             </a:pPr>
             <a:fld id="{EDF46077-A20B-40D4-92F8-D0DF2D1A0327}" type="slidenum">
-              <a:rPr b="0" lang="es-ES" sz="1200" strike="noStrike" u="none">
+              <a:rPr lang="es-ES" sz="1200" b="0" u="none" strike="noStrike">
                 <a:solidFill>
                   <a:srgbClr val="888888"/>
                 </a:solidFill>
@@ -2877,9 +4049,9 @@
                 <a:latin typeface="Calibri"/>
                 <a:ea typeface="Calibri"/>
               </a:rPr>
-              <a:t>1</a:t>
+              <a:t>‹Nº›</a:t>
             </a:fld>
-            <a:endParaRPr b="0" lang="es-MX" sz="1200" strike="noStrike" u="none">
+            <a:endParaRPr lang="es-MX" sz="1200" b="0" u="none" strike="noStrike">
               <a:solidFill>
                 <a:srgbClr val="000000"/>
               </a:solidFill>
@@ -2913,13 +4085,13 @@
           </a:ln>
         </p:spPr>
         <p:txBody>
-          <a:bodyPr lIns="91440" rIns="91440" tIns="45720" bIns="45720" anchor="ctr">
+          <a:bodyPr lIns="91440" tIns="45720" rIns="91440" bIns="45720" anchor="ctr">
             <a:noAutofit/>
           </a:bodyPr>
           <a:lstStyle>
             <a:lvl1pPr indent="0">
               <a:buNone/>
-              <a:defRPr b="0" lang="es-MX" sz="1400" strike="noStrike" u="none">
+              <a:defRPr lang="es-MX" sz="1400" b="0" u="none" strike="noStrike">
                 <a:solidFill>
                   <a:srgbClr val="000000"/>
                 </a:solidFill>
@@ -2933,7 +4105,7 @@
               <a:buNone/>
             </a:pPr>
             <a:r>
-              <a:rPr b="0" lang="es-MX" sz="1400" strike="noStrike" u="none">
+              <a:rPr lang="es-MX" sz="1400" b="0" u="none" strike="noStrike">
                 <a:solidFill>
                   <a:srgbClr val="000000"/>
                 </a:solidFill>
@@ -2942,13 +4114,6 @@
               </a:rPr>
               <a:t> </a:t>
             </a:r>
-            <a:endParaRPr b="0" lang="es-MX" sz="1400" strike="noStrike" u="none">
-              <a:solidFill>
-                <a:srgbClr val="000000"/>
-              </a:solidFill>
-              <a:uFillTx/>
-              <a:latin typeface="Times New Roman"/>
-            </a:endParaRPr>
           </a:p>
         </p:txBody>
       </p:sp>
@@ -2956,19 +4121,300 @@
   </p:cSld>
   <p:clrMap bg1="lt1" tx1="dk1" bg2="dk2" tx2="lt2" accent1="accent1" accent2="accent2" accent3="accent3" accent4="accent4" accent5="accent5" accent6="accent6" hlink="hlink" folHlink="folHlink"/>
   <p:sldLayoutIdLst>
-    <p:sldLayoutId id="2147483657" r:id="rId2"/>
+    <p:sldLayoutId id="2147483657" r:id="rId1"/>
   </p:sldLayoutIdLst>
+  <p:txStyles>
+    <p:titleStyle>
+      <a:lvl1pPr algn="l" defTabSz="914400" rtl="0" eaLnBrk="1" latinLnBrk="0" hangingPunct="1">
+        <a:lnSpc>
+          <a:spcPct val="90000"/>
+        </a:lnSpc>
+        <a:spcBef>
+          <a:spcPct val="0"/>
+        </a:spcBef>
+        <a:buNone/>
+        <a:defRPr sz="4400" kern="1200">
+          <a:solidFill>
+            <a:schemeClr val="tx1"/>
+          </a:solidFill>
+          <a:latin typeface="+mj-lt"/>
+          <a:ea typeface="+mj-ea"/>
+          <a:cs typeface="+mj-cs"/>
+        </a:defRPr>
+      </a:lvl1pPr>
+    </p:titleStyle>
+    <p:bodyStyle>
+      <a:lvl1pPr marL="228600" indent="-228600" algn="l" defTabSz="914400" rtl="0" eaLnBrk="1" latinLnBrk="0" hangingPunct="1">
+        <a:lnSpc>
+          <a:spcPct val="90000"/>
+        </a:lnSpc>
+        <a:spcBef>
+          <a:spcPts val="1000"/>
+        </a:spcBef>
+        <a:buFont typeface="Arial" panose="020B0604020202020204" pitchFamily="34" charset="0"/>
+        <a:buChar char="•"/>
+        <a:defRPr sz="2800" kern="1200">
+          <a:solidFill>
+            <a:schemeClr val="tx1"/>
+          </a:solidFill>
+          <a:latin typeface="+mn-lt"/>
+          <a:ea typeface="+mn-ea"/>
+          <a:cs typeface="+mn-cs"/>
+        </a:defRPr>
+      </a:lvl1pPr>
+      <a:lvl2pPr marL="685800" indent="-228600" algn="l" defTabSz="914400" rtl="0" eaLnBrk="1" latinLnBrk="0" hangingPunct="1">
+        <a:lnSpc>
+          <a:spcPct val="90000"/>
+        </a:lnSpc>
+        <a:spcBef>
+          <a:spcPts val="500"/>
+        </a:spcBef>
+        <a:buFont typeface="Arial" panose="020B0604020202020204" pitchFamily="34" charset="0"/>
+        <a:buChar char="•"/>
+        <a:defRPr sz="2400" kern="1200">
+          <a:solidFill>
+            <a:schemeClr val="tx1"/>
+          </a:solidFill>
+          <a:latin typeface="+mn-lt"/>
+          <a:ea typeface="+mn-ea"/>
+          <a:cs typeface="+mn-cs"/>
+        </a:defRPr>
+      </a:lvl2pPr>
+      <a:lvl3pPr marL="1143000" indent="-228600" algn="l" defTabSz="914400" rtl="0" eaLnBrk="1" latinLnBrk="0" hangingPunct="1">
+        <a:lnSpc>
+          <a:spcPct val="90000"/>
+        </a:lnSpc>
+        <a:spcBef>
+          <a:spcPts val="500"/>
+        </a:spcBef>
+        <a:buFont typeface="Arial" panose="020B0604020202020204" pitchFamily="34" charset="0"/>
+        <a:buChar char="•"/>
+        <a:defRPr sz="2000" kern="1200">
+          <a:solidFill>
+            <a:schemeClr val="tx1"/>
+          </a:solidFill>
+          <a:latin typeface="+mn-lt"/>
+          <a:ea typeface="+mn-ea"/>
+          <a:cs typeface="+mn-cs"/>
+        </a:defRPr>
+      </a:lvl3pPr>
+      <a:lvl4pPr marL="1600200" indent="-228600" algn="l" defTabSz="914400" rtl="0" eaLnBrk="1" latinLnBrk="0" hangingPunct="1">
+        <a:lnSpc>
+          <a:spcPct val="90000"/>
+        </a:lnSpc>
+        <a:spcBef>
+          <a:spcPts val="500"/>
+        </a:spcBef>
+        <a:buFont typeface="Arial" panose="020B0604020202020204" pitchFamily="34" charset="0"/>
+        <a:buChar char="•"/>
+        <a:defRPr sz="1800" kern="1200">
+          <a:solidFill>
+            <a:schemeClr val="tx1"/>
+          </a:solidFill>
+          <a:latin typeface="+mn-lt"/>
+          <a:ea typeface="+mn-ea"/>
+          <a:cs typeface="+mn-cs"/>
+        </a:defRPr>
+      </a:lvl4pPr>
+      <a:lvl5pPr marL="2057400" indent="-228600" algn="l" defTabSz="914400" rtl="0" eaLnBrk="1" latinLnBrk="0" hangingPunct="1">
+        <a:lnSpc>
+          <a:spcPct val="90000"/>
+        </a:lnSpc>
+        <a:spcBef>
+          <a:spcPts val="500"/>
+        </a:spcBef>
+        <a:buFont typeface="Arial" panose="020B0604020202020204" pitchFamily="34" charset="0"/>
+        <a:buChar char="•"/>
+        <a:defRPr sz="1800" kern="1200">
+          <a:solidFill>
+            <a:schemeClr val="tx1"/>
+          </a:solidFill>
+          <a:latin typeface="+mn-lt"/>
+          <a:ea typeface="+mn-ea"/>
+          <a:cs typeface="+mn-cs"/>
+        </a:defRPr>
+      </a:lvl5pPr>
+      <a:lvl6pPr marL="2514600" indent="-228600" algn="l" defTabSz="914400" rtl="0" eaLnBrk="1" latinLnBrk="0" hangingPunct="1">
+        <a:lnSpc>
+          <a:spcPct val="90000"/>
+        </a:lnSpc>
+        <a:spcBef>
+          <a:spcPts val="500"/>
+        </a:spcBef>
+        <a:buFont typeface="Arial" panose="020B0604020202020204" pitchFamily="34" charset="0"/>
+        <a:buChar char="•"/>
+        <a:defRPr sz="1800" kern="1200">
+          <a:solidFill>
+            <a:schemeClr val="tx1"/>
+          </a:solidFill>
+          <a:latin typeface="+mn-lt"/>
+          <a:ea typeface="+mn-ea"/>
+          <a:cs typeface="+mn-cs"/>
+        </a:defRPr>
+      </a:lvl6pPr>
+      <a:lvl7pPr marL="2971800" indent="-228600" algn="l" defTabSz="914400" rtl="0" eaLnBrk="1" latinLnBrk="0" hangingPunct="1">
+        <a:lnSpc>
+          <a:spcPct val="90000"/>
+        </a:lnSpc>
+        <a:spcBef>
+          <a:spcPts val="500"/>
+        </a:spcBef>
+        <a:buFont typeface="Arial" panose="020B0604020202020204" pitchFamily="34" charset="0"/>
+        <a:buChar char="•"/>
+        <a:defRPr sz="1800" kern="1200">
+          <a:solidFill>
+            <a:schemeClr val="tx1"/>
+          </a:solidFill>
+          <a:latin typeface="+mn-lt"/>
+          <a:ea typeface="+mn-ea"/>
+          <a:cs typeface="+mn-cs"/>
+        </a:defRPr>
+      </a:lvl7pPr>
+      <a:lvl8pPr marL="3429000" indent="-228600" algn="l" defTabSz="914400" rtl="0" eaLnBrk="1" latinLnBrk="0" hangingPunct="1">
+        <a:lnSpc>
+          <a:spcPct val="90000"/>
+        </a:lnSpc>
+        <a:spcBef>
+          <a:spcPts val="500"/>
+        </a:spcBef>
+        <a:buFont typeface="Arial" panose="020B0604020202020204" pitchFamily="34" charset="0"/>
+        <a:buChar char="•"/>
+        <a:defRPr sz="1800" kern="1200">
+          <a:solidFill>
+            <a:schemeClr val="tx1"/>
+          </a:solidFill>
+          <a:latin typeface="+mn-lt"/>
+          <a:ea typeface="+mn-ea"/>
+          <a:cs typeface="+mn-cs"/>
+        </a:defRPr>
+      </a:lvl8pPr>
+      <a:lvl9pPr marL="3886200" indent="-228600" algn="l" defTabSz="914400" rtl="0" eaLnBrk="1" latinLnBrk="0" hangingPunct="1">
+        <a:lnSpc>
+          <a:spcPct val="90000"/>
+        </a:lnSpc>
+        <a:spcBef>
+          <a:spcPts val="500"/>
+        </a:spcBef>
+        <a:buFont typeface="Arial" panose="020B0604020202020204" pitchFamily="34" charset="0"/>
+        <a:buChar char="•"/>
+        <a:defRPr sz="1800" kern="1200">
+          <a:solidFill>
+            <a:schemeClr val="tx1"/>
+          </a:solidFill>
+          <a:latin typeface="+mn-lt"/>
+          <a:ea typeface="+mn-ea"/>
+          <a:cs typeface="+mn-cs"/>
+        </a:defRPr>
+      </a:lvl9pPr>
+    </p:bodyStyle>
+    <p:otherStyle>
+      <a:defPPr>
+        <a:defRPr lang="es-MX"/>
+      </a:defPPr>
+      <a:lvl1pPr marL="0" algn="l" defTabSz="914400" rtl="0" eaLnBrk="1" latinLnBrk="0" hangingPunct="1">
+        <a:defRPr sz="1800" kern="1200">
+          <a:solidFill>
+            <a:schemeClr val="tx1"/>
+          </a:solidFill>
+          <a:latin typeface="+mn-lt"/>
+          <a:ea typeface="+mn-ea"/>
+          <a:cs typeface="+mn-cs"/>
+        </a:defRPr>
+      </a:lvl1pPr>
+      <a:lvl2pPr marL="457200" algn="l" defTabSz="914400" rtl="0" eaLnBrk="1" latinLnBrk="0" hangingPunct="1">
+        <a:defRPr sz="1800" kern="1200">
+          <a:solidFill>
+            <a:schemeClr val="tx1"/>
+          </a:solidFill>
+          <a:latin typeface="+mn-lt"/>
+          <a:ea typeface="+mn-ea"/>
+          <a:cs typeface="+mn-cs"/>
+        </a:defRPr>
+      </a:lvl2pPr>
+      <a:lvl3pPr marL="914400" algn="l" defTabSz="914400" rtl="0" eaLnBrk="1" latinLnBrk="0" hangingPunct="1">
+        <a:defRPr sz="1800" kern="1200">
+          <a:solidFill>
+            <a:schemeClr val="tx1"/>
+          </a:solidFill>
+          <a:latin typeface="+mn-lt"/>
+          <a:ea typeface="+mn-ea"/>
+          <a:cs typeface="+mn-cs"/>
+        </a:defRPr>
+      </a:lvl3pPr>
+      <a:lvl4pPr marL="1371600" algn="l" defTabSz="914400" rtl="0" eaLnBrk="1" latinLnBrk="0" hangingPunct="1">
+        <a:defRPr sz="1800" kern="1200">
+          <a:solidFill>
+            <a:schemeClr val="tx1"/>
+          </a:solidFill>
+          <a:latin typeface="+mn-lt"/>
+          <a:ea typeface="+mn-ea"/>
+          <a:cs typeface="+mn-cs"/>
+        </a:defRPr>
+      </a:lvl4pPr>
+      <a:lvl5pPr marL="1828800" algn="l" defTabSz="914400" rtl="0" eaLnBrk="1" latinLnBrk="0" hangingPunct="1">
+        <a:defRPr sz="1800" kern="1200">
+          <a:solidFill>
+            <a:schemeClr val="tx1"/>
+          </a:solidFill>
+          <a:latin typeface="+mn-lt"/>
+          <a:ea typeface="+mn-ea"/>
+          <a:cs typeface="+mn-cs"/>
+        </a:defRPr>
+      </a:lvl5pPr>
+      <a:lvl6pPr marL="2286000" algn="l" defTabSz="914400" rtl="0" eaLnBrk="1" latinLnBrk="0" hangingPunct="1">
+        <a:defRPr sz="1800" kern="1200">
+          <a:solidFill>
+            <a:schemeClr val="tx1"/>
+          </a:solidFill>
+          <a:latin typeface="+mn-lt"/>
+          <a:ea typeface="+mn-ea"/>
+          <a:cs typeface="+mn-cs"/>
+        </a:defRPr>
+      </a:lvl6pPr>
+      <a:lvl7pPr marL="2743200" algn="l" defTabSz="914400" rtl="0" eaLnBrk="1" latinLnBrk="0" hangingPunct="1">
+        <a:defRPr sz="1800" kern="1200">
+          <a:solidFill>
+            <a:schemeClr val="tx1"/>
+          </a:solidFill>
+          <a:latin typeface="+mn-lt"/>
+          <a:ea typeface="+mn-ea"/>
+          <a:cs typeface="+mn-cs"/>
+        </a:defRPr>
+      </a:lvl7pPr>
+      <a:lvl8pPr marL="3200400" algn="l" defTabSz="914400" rtl="0" eaLnBrk="1" latinLnBrk="0" hangingPunct="1">
+        <a:defRPr sz="1800" kern="1200">
+          <a:solidFill>
+            <a:schemeClr val="tx1"/>
+          </a:solidFill>
+          <a:latin typeface="+mn-lt"/>
+          <a:ea typeface="+mn-ea"/>
+          <a:cs typeface="+mn-cs"/>
+        </a:defRPr>
+      </a:lvl8pPr>
+      <a:lvl9pPr marL="3657600" algn="l" defTabSz="914400" rtl="0" eaLnBrk="1" latinLnBrk="0" hangingPunct="1">
+        <a:defRPr sz="1800" kern="1200">
+          <a:solidFill>
+            <a:schemeClr val="tx1"/>
+          </a:solidFill>
+          <a:latin typeface="+mn-lt"/>
+          <a:ea typeface="+mn-ea"/>
+          <a:cs typeface="+mn-cs"/>
+        </a:defRPr>
+      </a:lvl9pPr>
+    </p:otherStyle>
+  </p:txStyles>
 </p:sldMaster>
 </file>
 
 <file path=ppt/slideMasters/slideMaster6.xml><?xml version="1.0" encoding="utf-8"?>
-<p:sldMaster xmlns:a="http://schemas.openxmlformats.org/drawingml/2006/main" xmlns:p="http://schemas.openxmlformats.org/presentationml/2006/main" xmlns:r="http://schemas.openxmlformats.org/officeDocument/2006/relationships" xmlns:p14="http://schemas.microsoft.com/office/powerpoint/2010/main" xmlns:p15="http://schemas.microsoft.com/office/powerpoint/2012/main" xmlns:mc="http://schemas.openxmlformats.org/markup-compatibility/2006">
+<p:sldMaster xmlns:a="http://schemas.openxmlformats.org/drawingml/2006/main" xmlns:r="http://schemas.openxmlformats.org/officeDocument/2006/relationships" xmlns:p="http://schemas.openxmlformats.org/presentationml/2006/main">
   <p:cSld>
     <p:bg>
       <p:bgPr>
         <a:solidFill>
           <a:schemeClr val="lt1"/>
         </a:solidFill>
+        <a:effectLst/>
       </p:bgPr>
     </p:bg>
     <p:spTree>
@@ -3000,32 +4446,39 @@
             <a:avLst/>
           </a:prstGeom>
           <a:solidFill>
-            <a:srgbClr val="004c8d"/>
+            <a:srgbClr val="004C8D"/>
           </a:solidFill>
           <a:ln w="0">
             <a:noFill/>
           </a:ln>
         </p:spPr>
         <p:style>
-          <a:lnRef idx="0"/>
-          <a:fillRef idx="0"/>
-          <a:effectRef idx="0"/>
+          <a:lnRef idx="0">
+            <a:scrgbClr r="0" g="0" b="0"/>
+          </a:lnRef>
+          <a:fillRef idx="0">
+            <a:scrgbClr r="0" g="0" b="0"/>
+          </a:fillRef>
+          <a:effectRef idx="0">
+            <a:scrgbClr r="0" g="0" b="0"/>
+          </a:effectRef>
           <a:fontRef idx="minor"/>
         </p:style>
         <p:txBody>
-          <a:bodyPr lIns="90000" rIns="90000" tIns="45000" bIns="45000" anchor="ctr">
+          <a:bodyPr lIns="90000" tIns="45000" rIns="90000" bIns="45000" anchor="ctr">
             <a:noAutofit/>
           </a:bodyPr>
+          <a:lstStyle/>
           <a:p>
             <a:pPr algn="ctr">
               <a:lnSpc>
                 <a:spcPct val="100000"/>
               </a:lnSpc>
               <a:tabLst>
-                <a:tab algn="l" pos="0"/>
+                <a:tab pos="0" algn="l"/>
               </a:tabLst>
             </a:pPr>
-            <a:endParaRPr b="0" lang="es-MX" sz="1800" strike="noStrike" u="none">
+            <a:endParaRPr lang="es-MX" sz="1800" b="0" u="none" strike="noStrike">
               <a:solidFill>
                 <a:schemeClr val="lt1"/>
               </a:solidFill>
@@ -3056,22 +4509,29 @@
           </a:ln>
         </p:spPr>
         <p:style>
-          <a:lnRef idx="0"/>
-          <a:fillRef idx="0"/>
-          <a:effectRef idx="0"/>
+          <a:lnRef idx="0">
+            <a:scrgbClr r="0" g="0" b="0"/>
+          </a:lnRef>
+          <a:fillRef idx="0">
+            <a:scrgbClr r="0" g="0" b="0"/>
+          </a:fillRef>
+          <a:effectRef idx="0">
+            <a:scrgbClr r="0" g="0" b="0"/>
+          </a:effectRef>
           <a:fontRef idx="minor"/>
         </p:style>
         <p:txBody>
-          <a:bodyPr lIns="90000" rIns="90000" tIns="45000" bIns="45000" anchor="t">
+          <a:bodyPr lIns="90000" tIns="45000" rIns="90000" bIns="45000" anchor="t">
             <a:noAutofit/>
           </a:bodyPr>
+          <a:lstStyle/>
           <a:p>
             <a:pPr>
               <a:lnSpc>
                 <a:spcPct val="100000"/>
               </a:lnSpc>
             </a:pPr>
-            <a:endParaRPr b="0" lang="es-MX" sz="1800" strike="noStrike" u="none">
+            <a:endParaRPr lang="es-MX" sz="1800" b="0" u="none" strike="noStrike">
               <a:solidFill>
                 <a:srgbClr val="000000"/>
               </a:solidFill>
@@ -3105,7 +4565,7 @@
           </a:ln>
         </p:spPr>
         <p:txBody>
-          <a:bodyPr lIns="91440" rIns="91440" tIns="45720" bIns="45720" anchor="ctr">
+          <a:bodyPr lIns="91440" tIns="45720" rIns="91440" bIns="45720" anchor="ctr">
             <a:noAutofit/>
           </a:bodyPr>
           <a:lstStyle>
@@ -3115,9 +4575,9 @@
               </a:lnSpc>
               <a:buNone/>
               <a:tabLst>
-                <a:tab algn="l" pos="0"/>
+                <a:tab pos="0" algn="l"/>
               </a:tabLst>
-              <a:defRPr b="0" lang="es-MX" sz="1400" strike="noStrike" u="none">
+              <a:defRPr lang="es-MX" sz="1400" b="0" u="none" strike="noStrike">
                 <a:solidFill>
                   <a:srgbClr val="000000"/>
                 </a:solidFill>
@@ -3133,11 +4593,11 @@
               </a:lnSpc>
               <a:buNone/>
               <a:tabLst>
-                <a:tab algn="l" pos="0"/>
+                <a:tab pos="0" algn="l"/>
               </a:tabLst>
             </a:pPr>
             <a:r>
-              <a:rPr b="0" lang="es-MX" sz="1400" strike="noStrike" u="none">
+              <a:rPr lang="es-MX" sz="1400" b="0" u="none" strike="noStrike">
                 <a:solidFill>
                   <a:srgbClr val="000000"/>
                 </a:solidFill>
@@ -3146,13 +4606,6 @@
               </a:rPr>
               <a:t> </a:t>
             </a:r>
-            <a:endParaRPr b="0" lang="es-MX" sz="1400" strike="noStrike" u="none">
-              <a:solidFill>
-                <a:srgbClr val="000000"/>
-              </a:solidFill>
-              <a:uFillTx/>
-              <a:latin typeface="Times New Roman"/>
-            </a:endParaRPr>
           </a:p>
         </p:txBody>
       </p:sp>
@@ -3180,7 +4633,7 @@
           </a:ln>
         </p:spPr>
         <p:txBody>
-          <a:bodyPr lIns="91440" rIns="91440" tIns="45720" bIns="45720" anchor="ctr">
+          <a:bodyPr lIns="91440" tIns="45720" rIns="91440" bIns="45720" anchor="ctr">
             <a:noAutofit/>
           </a:bodyPr>
           <a:lstStyle>
@@ -3190,9 +4643,9 @@
               </a:lnSpc>
               <a:buNone/>
               <a:tabLst>
-                <a:tab algn="l" pos="0"/>
+                <a:tab pos="0" algn="l"/>
               </a:tabLst>
-              <a:defRPr b="0" lang="es-ES" sz="1200" strike="noStrike" u="none">
+              <a:defRPr lang="es-ES" sz="1200" b="0" u="none" strike="noStrike">
                 <a:solidFill>
                   <a:srgbClr val="888888"/>
                 </a:solidFill>
@@ -3209,11 +4662,11 @@
               </a:lnSpc>
               <a:buNone/>
               <a:tabLst>
-                <a:tab algn="l" pos="0"/>
+                <a:tab pos="0" algn="l"/>
               </a:tabLst>
             </a:pPr>
             <a:fld id="{8FB90D51-191F-4213-A47B-8865B6174608}" type="slidenum">
-              <a:rPr b="0" lang="es-ES" sz="1200" strike="noStrike" u="none">
+              <a:rPr lang="es-ES" sz="1200" b="0" u="none" strike="noStrike">
                 <a:solidFill>
                   <a:srgbClr val="888888"/>
                 </a:solidFill>
@@ -3221,9 +4674,9 @@
                 <a:latin typeface="Calibri"/>
                 <a:ea typeface="Calibri"/>
               </a:rPr>
-              <a:t>1</a:t>
+              <a:t>‹Nº›</a:t>
             </a:fld>
-            <a:endParaRPr b="0" lang="es-MX" sz="1200" strike="noStrike" u="none">
+            <a:endParaRPr lang="es-MX" sz="1200" b="0" u="none" strike="noStrike">
               <a:solidFill>
                 <a:srgbClr val="000000"/>
               </a:solidFill>
@@ -3257,13 +4710,13 @@
           </a:ln>
         </p:spPr>
         <p:txBody>
-          <a:bodyPr lIns="91440" rIns="91440" tIns="45720" bIns="45720" anchor="ctr">
+          <a:bodyPr lIns="91440" tIns="45720" rIns="91440" bIns="45720" anchor="ctr">
             <a:noAutofit/>
           </a:bodyPr>
           <a:lstStyle>
             <a:lvl1pPr indent="0">
               <a:buNone/>
-              <a:defRPr b="0" lang="es-MX" sz="1400" strike="noStrike" u="none">
+              <a:defRPr lang="es-MX" sz="1400" b="0" u="none" strike="noStrike">
                 <a:solidFill>
                   <a:srgbClr val="000000"/>
                 </a:solidFill>
@@ -3277,7 +4730,7 @@
               <a:buNone/>
             </a:pPr>
             <a:r>
-              <a:rPr b="0" lang="es-MX" sz="1400" strike="noStrike" u="none">
+              <a:rPr lang="es-MX" sz="1400" b="0" u="none" strike="noStrike">
                 <a:solidFill>
                   <a:srgbClr val="000000"/>
                 </a:solidFill>
@@ -3286,13 +4739,6 @@
               </a:rPr>
               <a:t> </a:t>
             </a:r>
-            <a:endParaRPr b="0" lang="es-MX" sz="1400" strike="noStrike" u="none">
-              <a:solidFill>
-                <a:srgbClr val="000000"/>
-              </a:solidFill>
-              <a:uFillTx/>
-              <a:latin typeface="Times New Roman"/>
-            </a:endParaRPr>
           </a:p>
         </p:txBody>
       </p:sp>
@@ -3300,19 +4746,300 @@
   </p:cSld>
   <p:clrMap bg1="lt1" tx1="dk1" bg2="dk2" tx2="lt2" accent1="accent1" accent2="accent2" accent3="accent3" accent4="accent4" accent5="accent5" accent6="accent6" hlink="hlink" folHlink="folHlink"/>
   <p:sldLayoutIdLst>
-    <p:sldLayoutId id="2147483659" r:id="rId2"/>
+    <p:sldLayoutId id="2147483659" r:id="rId1"/>
   </p:sldLayoutIdLst>
+  <p:txStyles>
+    <p:titleStyle>
+      <a:lvl1pPr algn="l" defTabSz="914400" rtl="0" eaLnBrk="1" latinLnBrk="0" hangingPunct="1">
+        <a:lnSpc>
+          <a:spcPct val="90000"/>
+        </a:lnSpc>
+        <a:spcBef>
+          <a:spcPct val="0"/>
+        </a:spcBef>
+        <a:buNone/>
+        <a:defRPr sz="4400" kern="1200">
+          <a:solidFill>
+            <a:schemeClr val="tx1"/>
+          </a:solidFill>
+          <a:latin typeface="+mj-lt"/>
+          <a:ea typeface="+mj-ea"/>
+          <a:cs typeface="+mj-cs"/>
+        </a:defRPr>
+      </a:lvl1pPr>
+    </p:titleStyle>
+    <p:bodyStyle>
+      <a:lvl1pPr marL="228600" indent="-228600" algn="l" defTabSz="914400" rtl="0" eaLnBrk="1" latinLnBrk="0" hangingPunct="1">
+        <a:lnSpc>
+          <a:spcPct val="90000"/>
+        </a:lnSpc>
+        <a:spcBef>
+          <a:spcPts val="1000"/>
+        </a:spcBef>
+        <a:buFont typeface="Arial" panose="020B0604020202020204" pitchFamily="34" charset="0"/>
+        <a:buChar char="•"/>
+        <a:defRPr sz="2800" kern="1200">
+          <a:solidFill>
+            <a:schemeClr val="tx1"/>
+          </a:solidFill>
+          <a:latin typeface="+mn-lt"/>
+          <a:ea typeface="+mn-ea"/>
+          <a:cs typeface="+mn-cs"/>
+        </a:defRPr>
+      </a:lvl1pPr>
+      <a:lvl2pPr marL="685800" indent="-228600" algn="l" defTabSz="914400" rtl="0" eaLnBrk="1" latinLnBrk="0" hangingPunct="1">
+        <a:lnSpc>
+          <a:spcPct val="90000"/>
+        </a:lnSpc>
+        <a:spcBef>
+          <a:spcPts val="500"/>
+        </a:spcBef>
+        <a:buFont typeface="Arial" panose="020B0604020202020204" pitchFamily="34" charset="0"/>
+        <a:buChar char="•"/>
+        <a:defRPr sz="2400" kern="1200">
+          <a:solidFill>
+            <a:schemeClr val="tx1"/>
+          </a:solidFill>
+          <a:latin typeface="+mn-lt"/>
+          <a:ea typeface="+mn-ea"/>
+          <a:cs typeface="+mn-cs"/>
+        </a:defRPr>
+      </a:lvl2pPr>
+      <a:lvl3pPr marL="1143000" indent="-228600" algn="l" defTabSz="914400" rtl="0" eaLnBrk="1" latinLnBrk="0" hangingPunct="1">
+        <a:lnSpc>
+          <a:spcPct val="90000"/>
+        </a:lnSpc>
+        <a:spcBef>
+          <a:spcPts val="500"/>
+        </a:spcBef>
+        <a:buFont typeface="Arial" panose="020B0604020202020204" pitchFamily="34" charset="0"/>
+        <a:buChar char="•"/>
+        <a:defRPr sz="2000" kern="1200">
+          <a:solidFill>
+            <a:schemeClr val="tx1"/>
+          </a:solidFill>
+          <a:latin typeface="+mn-lt"/>
+          <a:ea typeface="+mn-ea"/>
+          <a:cs typeface="+mn-cs"/>
+        </a:defRPr>
+      </a:lvl3pPr>
+      <a:lvl4pPr marL="1600200" indent="-228600" algn="l" defTabSz="914400" rtl="0" eaLnBrk="1" latinLnBrk="0" hangingPunct="1">
+        <a:lnSpc>
+          <a:spcPct val="90000"/>
+        </a:lnSpc>
+        <a:spcBef>
+          <a:spcPts val="500"/>
+        </a:spcBef>
+        <a:buFont typeface="Arial" panose="020B0604020202020204" pitchFamily="34" charset="0"/>
+        <a:buChar char="•"/>
+        <a:defRPr sz="1800" kern="1200">
+          <a:solidFill>
+            <a:schemeClr val="tx1"/>
+          </a:solidFill>
+          <a:latin typeface="+mn-lt"/>
+          <a:ea typeface="+mn-ea"/>
+          <a:cs typeface="+mn-cs"/>
+        </a:defRPr>
+      </a:lvl4pPr>
+      <a:lvl5pPr marL="2057400" indent="-228600" algn="l" defTabSz="914400" rtl="0" eaLnBrk="1" latinLnBrk="0" hangingPunct="1">
+        <a:lnSpc>
+          <a:spcPct val="90000"/>
+        </a:lnSpc>
+        <a:spcBef>
+          <a:spcPts val="500"/>
+        </a:spcBef>
+        <a:buFont typeface="Arial" panose="020B0604020202020204" pitchFamily="34" charset="0"/>
+        <a:buChar char="•"/>
+        <a:defRPr sz="1800" kern="1200">
+          <a:solidFill>
+            <a:schemeClr val="tx1"/>
+          </a:solidFill>
+          <a:latin typeface="+mn-lt"/>
+          <a:ea typeface="+mn-ea"/>
+          <a:cs typeface="+mn-cs"/>
+        </a:defRPr>
+      </a:lvl5pPr>
+      <a:lvl6pPr marL="2514600" indent="-228600" algn="l" defTabSz="914400" rtl="0" eaLnBrk="1" latinLnBrk="0" hangingPunct="1">
+        <a:lnSpc>
+          <a:spcPct val="90000"/>
+        </a:lnSpc>
+        <a:spcBef>
+          <a:spcPts val="500"/>
+        </a:spcBef>
+        <a:buFont typeface="Arial" panose="020B0604020202020204" pitchFamily="34" charset="0"/>
+        <a:buChar char="•"/>
+        <a:defRPr sz="1800" kern="1200">
+          <a:solidFill>
+            <a:schemeClr val="tx1"/>
+          </a:solidFill>
+          <a:latin typeface="+mn-lt"/>
+          <a:ea typeface="+mn-ea"/>
+          <a:cs typeface="+mn-cs"/>
+        </a:defRPr>
+      </a:lvl6pPr>
+      <a:lvl7pPr marL="2971800" indent="-228600" algn="l" defTabSz="914400" rtl="0" eaLnBrk="1" latinLnBrk="0" hangingPunct="1">
+        <a:lnSpc>
+          <a:spcPct val="90000"/>
+        </a:lnSpc>
+        <a:spcBef>
+          <a:spcPts val="500"/>
+        </a:spcBef>
+        <a:buFont typeface="Arial" panose="020B0604020202020204" pitchFamily="34" charset="0"/>
+        <a:buChar char="•"/>
+        <a:defRPr sz="1800" kern="1200">
+          <a:solidFill>
+            <a:schemeClr val="tx1"/>
+          </a:solidFill>
+          <a:latin typeface="+mn-lt"/>
+          <a:ea typeface="+mn-ea"/>
+          <a:cs typeface="+mn-cs"/>
+        </a:defRPr>
+      </a:lvl7pPr>
+      <a:lvl8pPr marL="3429000" indent="-228600" algn="l" defTabSz="914400" rtl="0" eaLnBrk="1" latinLnBrk="0" hangingPunct="1">
+        <a:lnSpc>
+          <a:spcPct val="90000"/>
+        </a:lnSpc>
+        <a:spcBef>
+          <a:spcPts val="500"/>
+        </a:spcBef>
+        <a:buFont typeface="Arial" panose="020B0604020202020204" pitchFamily="34" charset="0"/>
+        <a:buChar char="•"/>
+        <a:defRPr sz="1800" kern="1200">
+          <a:solidFill>
+            <a:schemeClr val="tx1"/>
+          </a:solidFill>
+          <a:latin typeface="+mn-lt"/>
+          <a:ea typeface="+mn-ea"/>
+          <a:cs typeface="+mn-cs"/>
+        </a:defRPr>
+      </a:lvl8pPr>
+      <a:lvl9pPr marL="3886200" indent="-228600" algn="l" defTabSz="914400" rtl="0" eaLnBrk="1" latinLnBrk="0" hangingPunct="1">
+        <a:lnSpc>
+          <a:spcPct val="90000"/>
+        </a:lnSpc>
+        <a:spcBef>
+          <a:spcPts val="500"/>
+        </a:spcBef>
+        <a:buFont typeface="Arial" panose="020B0604020202020204" pitchFamily="34" charset="0"/>
+        <a:buChar char="•"/>
+        <a:defRPr sz="1800" kern="1200">
+          <a:solidFill>
+            <a:schemeClr val="tx1"/>
+          </a:solidFill>
+          <a:latin typeface="+mn-lt"/>
+          <a:ea typeface="+mn-ea"/>
+          <a:cs typeface="+mn-cs"/>
+        </a:defRPr>
+      </a:lvl9pPr>
+    </p:bodyStyle>
+    <p:otherStyle>
+      <a:defPPr>
+        <a:defRPr lang="es-MX"/>
+      </a:defPPr>
+      <a:lvl1pPr marL="0" algn="l" defTabSz="914400" rtl="0" eaLnBrk="1" latinLnBrk="0" hangingPunct="1">
+        <a:defRPr sz="1800" kern="1200">
+          <a:solidFill>
+            <a:schemeClr val="tx1"/>
+          </a:solidFill>
+          <a:latin typeface="+mn-lt"/>
+          <a:ea typeface="+mn-ea"/>
+          <a:cs typeface="+mn-cs"/>
+        </a:defRPr>
+      </a:lvl1pPr>
+      <a:lvl2pPr marL="457200" algn="l" defTabSz="914400" rtl="0" eaLnBrk="1" latinLnBrk="0" hangingPunct="1">
+        <a:defRPr sz="1800" kern="1200">
+          <a:solidFill>
+            <a:schemeClr val="tx1"/>
+          </a:solidFill>
+          <a:latin typeface="+mn-lt"/>
+          <a:ea typeface="+mn-ea"/>
+          <a:cs typeface="+mn-cs"/>
+        </a:defRPr>
+      </a:lvl2pPr>
+      <a:lvl3pPr marL="914400" algn="l" defTabSz="914400" rtl="0" eaLnBrk="1" latinLnBrk="0" hangingPunct="1">
+        <a:defRPr sz="1800" kern="1200">
+          <a:solidFill>
+            <a:schemeClr val="tx1"/>
+          </a:solidFill>
+          <a:latin typeface="+mn-lt"/>
+          <a:ea typeface="+mn-ea"/>
+          <a:cs typeface="+mn-cs"/>
+        </a:defRPr>
+      </a:lvl3pPr>
+      <a:lvl4pPr marL="1371600" algn="l" defTabSz="914400" rtl="0" eaLnBrk="1" latinLnBrk="0" hangingPunct="1">
+        <a:defRPr sz="1800" kern="1200">
+          <a:solidFill>
+            <a:schemeClr val="tx1"/>
+          </a:solidFill>
+          <a:latin typeface="+mn-lt"/>
+          <a:ea typeface="+mn-ea"/>
+          <a:cs typeface="+mn-cs"/>
+        </a:defRPr>
+      </a:lvl4pPr>
+      <a:lvl5pPr marL="1828800" algn="l" defTabSz="914400" rtl="0" eaLnBrk="1" latinLnBrk="0" hangingPunct="1">
+        <a:defRPr sz="1800" kern="1200">
+          <a:solidFill>
+            <a:schemeClr val="tx1"/>
+          </a:solidFill>
+          <a:latin typeface="+mn-lt"/>
+          <a:ea typeface="+mn-ea"/>
+          <a:cs typeface="+mn-cs"/>
+        </a:defRPr>
+      </a:lvl5pPr>
+      <a:lvl6pPr marL="2286000" algn="l" defTabSz="914400" rtl="0" eaLnBrk="1" latinLnBrk="0" hangingPunct="1">
+        <a:defRPr sz="1800" kern="1200">
+          <a:solidFill>
+            <a:schemeClr val="tx1"/>
+          </a:solidFill>
+          <a:latin typeface="+mn-lt"/>
+          <a:ea typeface="+mn-ea"/>
+          <a:cs typeface="+mn-cs"/>
+        </a:defRPr>
+      </a:lvl6pPr>
+      <a:lvl7pPr marL="2743200" algn="l" defTabSz="914400" rtl="0" eaLnBrk="1" latinLnBrk="0" hangingPunct="1">
+        <a:defRPr sz="1800" kern="1200">
+          <a:solidFill>
+            <a:schemeClr val="tx1"/>
+          </a:solidFill>
+          <a:latin typeface="+mn-lt"/>
+          <a:ea typeface="+mn-ea"/>
+          <a:cs typeface="+mn-cs"/>
+        </a:defRPr>
+      </a:lvl7pPr>
+      <a:lvl8pPr marL="3200400" algn="l" defTabSz="914400" rtl="0" eaLnBrk="1" latinLnBrk="0" hangingPunct="1">
+        <a:defRPr sz="1800" kern="1200">
+          <a:solidFill>
+            <a:schemeClr val="tx1"/>
+          </a:solidFill>
+          <a:latin typeface="+mn-lt"/>
+          <a:ea typeface="+mn-ea"/>
+          <a:cs typeface="+mn-cs"/>
+        </a:defRPr>
+      </a:lvl8pPr>
+      <a:lvl9pPr marL="3657600" algn="l" defTabSz="914400" rtl="0" eaLnBrk="1" latinLnBrk="0" hangingPunct="1">
+        <a:defRPr sz="1800" kern="1200">
+          <a:solidFill>
+            <a:schemeClr val="tx1"/>
+          </a:solidFill>
+          <a:latin typeface="+mn-lt"/>
+          <a:ea typeface="+mn-ea"/>
+          <a:cs typeface="+mn-cs"/>
+        </a:defRPr>
+      </a:lvl9pPr>
+    </p:otherStyle>
+  </p:txStyles>
 </p:sldMaster>
 </file>
 
 <file path=ppt/slideMasters/slideMaster7.xml><?xml version="1.0" encoding="utf-8"?>
-<p:sldMaster xmlns:a="http://schemas.openxmlformats.org/drawingml/2006/main" xmlns:p="http://schemas.openxmlformats.org/presentationml/2006/main" xmlns:r="http://schemas.openxmlformats.org/officeDocument/2006/relationships" xmlns:p14="http://schemas.microsoft.com/office/powerpoint/2010/main" xmlns:p15="http://schemas.microsoft.com/office/powerpoint/2012/main" xmlns:mc="http://schemas.openxmlformats.org/markup-compatibility/2006">
+<p:sldMaster xmlns:a="http://schemas.openxmlformats.org/drawingml/2006/main" xmlns:r="http://schemas.openxmlformats.org/officeDocument/2006/relationships" xmlns:p="http://schemas.openxmlformats.org/presentationml/2006/main">
   <p:cSld>
     <p:bg>
       <p:bgPr>
         <a:solidFill>
           <a:schemeClr val="lt1"/>
         </a:solidFill>
+        <a:effectLst/>
       </p:bgPr>
     </p:bg>
     <p:spTree>
@@ -3344,32 +5071,39 @@
             <a:avLst/>
           </a:prstGeom>
           <a:solidFill>
-            <a:srgbClr val="004c8d"/>
+            <a:srgbClr val="004C8D"/>
           </a:solidFill>
           <a:ln w="0">
             <a:noFill/>
           </a:ln>
         </p:spPr>
         <p:style>
-          <a:lnRef idx="0"/>
-          <a:fillRef idx="0"/>
-          <a:effectRef idx="0"/>
+          <a:lnRef idx="0">
+            <a:scrgbClr r="0" g="0" b="0"/>
+          </a:lnRef>
+          <a:fillRef idx="0">
+            <a:scrgbClr r="0" g="0" b="0"/>
+          </a:fillRef>
+          <a:effectRef idx="0">
+            <a:scrgbClr r="0" g="0" b="0"/>
+          </a:effectRef>
           <a:fontRef idx="minor"/>
         </p:style>
         <p:txBody>
-          <a:bodyPr lIns="90000" rIns="90000" tIns="45000" bIns="45000" anchor="ctr">
+          <a:bodyPr lIns="90000" tIns="45000" rIns="90000" bIns="45000" anchor="ctr">
             <a:noAutofit/>
           </a:bodyPr>
+          <a:lstStyle/>
           <a:p>
             <a:pPr algn="ctr">
               <a:lnSpc>
                 <a:spcPct val="100000"/>
               </a:lnSpc>
               <a:tabLst>
-                <a:tab algn="l" pos="0"/>
+                <a:tab pos="0" algn="l"/>
               </a:tabLst>
             </a:pPr>
-            <a:endParaRPr b="0" lang="es-MX" sz="1800" strike="noStrike" u="none">
+            <a:endParaRPr lang="es-MX" sz="1800" b="0" u="none" strike="noStrike">
               <a:solidFill>
                 <a:schemeClr val="lt1"/>
               </a:solidFill>
@@ -3400,22 +5134,29 @@
           </a:ln>
         </p:spPr>
         <p:style>
-          <a:lnRef idx="0"/>
-          <a:fillRef idx="0"/>
-          <a:effectRef idx="0"/>
+          <a:lnRef idx="0">
+            <a:scrgbClr r="0" g="0" b="0"/>
+          </a:lnRef>
+          <a:fillRef idx="0">
+            <a:scrgbClr r="0" g="0" b="0"/>
+          </a:fillRef>
+          <a:effectRef idx="0">
+            <a:scrgbClr r="0" g="0" b="0"/>
+          </a:effectRef>
           <a:fontRef idx="minor"/>
         </p:style>
         <p:txBody>
-          <a:bodyPr lIns="90000" rIns="90000" tIns="45000" bIns="45000" anchor="t">
+          <a:bodyPr lIns="90000" tIns="45000" rIns="90000" bIns="45000" anchor="t">
             <a:noAutofit/>
           </a:bodyPr>
+          <a:lstStyle/>
           <a:p>
             <a:pPr>
               <a:lnSpc>
                 <a:spcPct val="100000"/>
               </a:lnSpc>
             </a:pPr>
-            <a:endParaRPr b="0" lang="es-MX" sz="1800" strike="noStrike" u="none">
+            <a:endParaRPr lang="es-MX" sz="1800" b="0" u="none" strike="noStrike">
               <a:solidFill>
                 <a:srgbClr val="000000"/>
               </a:solidFill>
@@ -3449,7 +5190,7 @@
           </a:ln>
         </p:spPr>
         <p:txBody>
-          <a:bodyPr lIns="91440" rIns="91440" tIns="45720" bIns="45720" anchor="ctr">
+          <a:bodyPr lIns="91440" tIns="45720" rIns="91440" bIns="45720" anchor="ctr">
             <a:noAutofit/>
           </a:bodyPr>
           <a:lstStyle>
@@ -3459,9 +5200,9 @@
               </a:lnSpc>
               <a:buNone/>
               <a:tabLst>
-                <a:tab algn="l" pos="0"/>
+                <a:tab pos="0" algn="l"/>
               </a:tabLst>
-              <a:defRPr b="0" lang="es-MX" sz="1400" strike="noStrike" u="none">
+              <a:defRPr lang="es-MX" sz="1400" b="0" u="none" strike="noStrike">
                 <a:solidFill>
                   <a:srgbClr val="000000"/>
                 </a:solidFill>
@@ -3477,11 +5218,11 @@
               </a:lnSpc>
               <a:buNone/>
               <a:tabLst>
-                <a:tab algn="l" pos="0"/>
+                <a:tab pos="0" algn="l"/>
               </a:tabLst>
             </a:pPr>
             <a:r>
-              <a:rPr b="0" lang="es-MX" sz="1400" strike="noStrike" u="none">
+              <a:rPr lang="es-MX" sz="1400" b="0" u="none" strike="noStrike">
                 <a:solidFill>
                   <a:srgbClr val="000000"/>
                 </a:solidFill>
@@ -3490,13 +5231,6 @@
               </a:rPr>
               <a:t> </a:t>
             </a:r>
-            <a:endParaRPr b="0" lang="es-MX" sz="1400" strike="noStrike" u="none">
-              <a:solidFill>
-                <a:srgbClr val="000000"/>
-              </a:solidFill>
-              <a:uFillTx/>
-              <a:latin typeface="Times New Roman"/>
-            </a:endParaRPr>
           </a:p>
         </p:txBody>
       </p:sp>
@@ -3524,7 +5258,7 @@
           </a:ln>
         </p:spPr>
         <p:txBody>
-          <a:bodyPr lIns="91440" rIns="91440" tIns="45720" bIns="45720" anchor="ctr">
+          <a:bodyPr lIns="91440" tIns="45720" rIns="91440" bIns="45720" anchor="ctr">
             <a:noAutofit/>
           </a:bodyPr>
           <a:lstStyle>
@@ -3534,9 +5268,9 @@
               </a:lnSpc>
               <a:buNone/>
               <a:tabLst>
-                <a:tab algn="l" pos="0"/>
+                <a:tab pos="0" algn="l"/>
               </a:tabLst>
-              <a:defRPr b="0" lang="es-ES" sz="1200" strike="noStrike" u="none">
+              <a:defRPr lang="es-ES" sz="1200" b="0" u="none" strike="noStrike">
                 <a:solidFill>
                   <a:srgbClr val="888888"/>
                 </a:solidFill>
@@ -3553,11 +5287,11 @@
               </a:lnSpc>
               <a:buNone/>
               <a:tabLst>
-                <a:tab algn="l" pos="0"/>
+                <a:tab pos="0" algn="l"/>
               </a:tabLst>
             </a:pPr>
             <a:fld id="{9BEBFDAE-3F56-4620-A219-EF73CBE08A98}" type="slidenum">
-              <a:rPr b="0" lang="es-ES" sz="1200" strike="noStrike" u="none">
+              <a:rPr lang="es-ES" sz="1200" b="0" u="none" strike="noStrike">
                 <a:solidFill>
                   <a:srgbClr val="888888"/>
                 </a:solidFill>
@@ -3565,9 +5299,9 @@
                 <a:latin typeface="Calibri"/>
                 <a:ea typeface="Calibri"/>
               </a:rPr>
-              <a:t>1</a:t>
+              <a:t>‹Nº›</a:t>
             </a:fld>
-            <a:endParaRPr b="0" lang="es-MX" sz="1200" strike="noStrike" u="none">
+            <a:endParaRPr lang="es-MX" sz="1200" b="0" u="none" strike="noStrike">
               <a:solidFill>
                 <a:srgbClr val="000000"/>
               </a:solidFill>
@@ -3601,13 +5335,13 @@
           </a:ln>
         </p:spPr>
         <p:txBody>
-          <a:bodyPr lIns="91440" rIns="91440" tIns="45720" bIns="45720" anchor="ctr">
+          <a:bodyPr lIns="91440" tIns="45720" rIns="91440" bIns="45720" anchor="ctr">
             <a:noAutofit/>
           </a:bodyPr>
           <a:lstStyle>
             <a:lvl1pPr indent="0">
               <a:buNone/>
-              <a:defRPr b="0" lang="es-MX" sz="1400" strike="noStrike" u="none">
+              <a:defRPr lang="es-MX" sz="1400" b="0" u="none" strike="noStrike">
                 <a:solidFill>
                   <a:srgbClr val="000000"/>
                 </a:solidFill>
@@ -3621,7 +5355,7 @@
               <a:buNone/>
             </a:pPr>
             <a:r>
-              <a:rPr b="0" lang="es-MX" sz="1400" strike="noStrike" u="none">
+              <a:rPr lang="es-MX" sz="1400" b="0" u="none" strike="noStrike">
                 <a:solidFill>
                   <a:srgbClr val="000000"/>
                 </a:solidFill>
@@ -3630,13 +5364,6 @@
               </a:rPr>
               <a:t> </a:t>
             </a:r>
-            <a:endParaRPr b="0" lang="es-MX" sz="1400" strike="noStrike" u="none">
-              <a:solidFill>
-                <a:srgbClr val="000000"/>
-              </a:solidFill>
-              <a:uFillTx/>
-              <a:latin typeface="Times New Roman"/>
-            </a:endParaRPr>
           </a:p>
         </p:txBody>
       </p:sp>
@@ -3644,19 +5371,300 @@
   </p:cSld>
   <p:clrMap bg1="lt1" tx1="dk1" bg2="dk2" tx2="lt2" accent1="accent1" accent2="accent2" accent3="accent3" accent4="accent4" accent5="accent5" accent6="accent6" hlink="hlink" folHlink="folHlink"/>
   <p:sldLayoutIdLst>
-    <p:sldLayoutId id="2147483661" r:id="rId2"/>
+    <p:sldLayoutId id="2147483661" r:id="rId1"/>
   </p:sldLayoutIdLst>
+  <p:txStyles>
+    <p:titleStyle>
+      <a:lvl1pPr algn="l" defTabSz="914400" rtl="0" eaLnBrk="1" latinLnBrk="0" hangingPunct="1">
+        <a:lnSpc>
+          <a:spcPct val="90000"/>
+        </a:lnSpc>
+        <a:spcBef>
+          <a:spcPct val="0"/>
+        </a:spcBef>
+        <a:buNone/>
+        <a:defRPr sz="4400" kern="1200">
+          <a:solidFill>
+            <a:schemeClr val="tx1"/>
+          </a:solidFill>
+          <a:latin typeface="+mj-lt"/>
+          <a:ea typeface="+mj-ea"/>
+          <a:cs typeface="+mj-cs"/>
+        </a:defRPr>
+      </a:lvl1pPr>
+    </p:titleStyle>
+    <p:bodyStyle>
+      <a:lvl1pPr marL="228600" indent="-228600" algn="l" defTabSz="914400" rtl="0" eaLnBrk="1" latinLnBrk="0" hangingPunct="1">
+        <a:lnSpc>
+          <a:spcPct val="90000"/>
+        </a:lnSpc>
+        <a:spcBef>
+          <a:spcPts val="1000"/>
+        </a:spcBef>
+        <a:buFont typeface="Arial" panose="020B0604020202020204" pitchFamily="34" charset="0"/>
+        <a:buChar char="•"/>
+        <a:defRPr sz="2800" kern="1200">
+          <a:solidFill>
+            <a:schemeClr val="tx1"/>
+          </a:solidFill>
+          <a:latin typeface="+mn-lt"/>
+          <a:ea typeface="+mn-ea"/>
+          <a:cs typeface="+mn-cs"/>
+        </a:defRPr>
+      </a:lvl1pPr>
+      <a:lvl2pPr marL="685800" indent="-228600" algn="l" defTabSz="914400" rtl="0" eaLnBrk="1" latinLnBrk="0" hangingPunct="1">
+        <a:lnSpc>
+          <a:spcPct val="90000"/>
+        </a:lnSpc>
+        <a:spcBef>
+          <a:spcPts val="500"/>
+        </a:spcBef>
+        <a:buFont typeface="Arial" panose="020B0604020202020204" pitchFamily="34" charset="0"/>
+        <a:buChar char="•"/>
+        <a:defRPr sz="2400" kern="1200">
+          <a:solidFill>
+            <a:schemeClr val="tx1"/>
+          </a:solidFill>
+          <a:latin typeface="+mn-lt"/>
+          <a:ea typeface="+mn-ea"/>
+          <a:cs typeface="+mn-cs"/>
+        </a:defRPr>
+      </a:lvl2pPr>
+      <a:lvl3pPr marL="1143000" indent="-228600" algn="l" defTabSz="914400" rtl="0" eaLnBrk="1" latinLnBrk="0" hangingPunct="1">
+        <a:lnSpc>
+          <a:spcPct val="90000"/>
+        </a:lnSpc>
+        <a:spcBef>
+          <a:spcPts val="500"/>
+        </a:spcBef>
+        <a:buFont typeface="Arial" panose="020B0604020202020204" pitchFamily="34" charset="0"/>
+        <a:buChar char="•"/>
+        <a:defRPr sz="2000" kern="1200">
+          <a:solidFill>
+            <a:schemeClr val="tx1"/>
+          </a:solidFill>
+          <a:latin typeface="+mn-lt"/>
+          <a:ea typeface="+mn-ea"/>
+          <a:cs typeface="+mn-cs"/>
+        </a:defRPr>
+      </a:lvl3pPr>
+      <a:lvl4pPr marL="1600200" indent="-228600" algn="l" defTabSz="914400" rtl="0" eaLnBrk="1" latinLnBrk="0" hangingPunct="1">
+        <a:lnSpc>
+          <a:spcPct val="90000"/>
+        </a:lnSpc>
+        <a:spcBef>
+          <a:spcPts val="500"/>
+        </a:spcBef>
+        <a:buFont typeface="Arial" panose="020B0604020202020204" pitchFamily="34" charset="0"/>
+        <a:buChar char="•"/>
+        <a:defRPr sz="1800" kern="1200">
+          <a:solidFill>
+            <a:schemeClr val="tx1"/>
+          </a:solidFill>
+          <a:latin typeface="+mn-lt"/>
+          <a:ea typeface="+mn-ea"/>
+          <a:cs typeface="+mn-cs"/>
+        </a:defRPr>
+      </a:lvl4pPr>
+      <a:lvl5pPr marL="2057400" indent="-228600" algn="l" defTabSz="914400" rtl="0" eaLnBrk="1" latinLnBrk="0" hangingPunct="1">
+        <a:lnSpc>
+          <a:spcPct val="90000"/>
+        </a:lnSpc>
+        <a:spcBef>
+          <a:spcPts val="500"/>
+        </a:spcBef>
+        <a:buFont typeface="Arial" panose="020B0604020202020204" pitchFamily="34" charset="0"/>
+        <a:buChar char="•"/>
+        <a:defRPr sz="1800" kern="1200">
+          <a:solidFill>
+            <a:schemeClr val="tx1"/>
+          </a:solidFill>
+          <a:latin typeface="+mn-lt"/>
+          <a:ea typeface="+mn-ea"/>
+          <a:cs typeface="+mn-cs"/>
+        </a:defRPr>
+      </a:lvl5pPr>
+      <a:lvl6pPr marL="2514600" indent="-228600" algn="l" defTabSz="914400" rtl="0" eaLnBrk="1" latinLnBrk="0" hangingPunct="1">
+        <a:lnSpc>
+          <a:spcPct val="90000"/>
+        </a:lnSpc>
+        <a:spcBef>
+          <a:spcPts val="500"/>
+        </a:spcBef>
+        <a:buFont typeface="Arial" panose="020B0604020202020204" pitchFamily="34" charset="0"/>
+        <a:buChar char="•"/>
+        <a:defRPr sz="1800" kern="1200">
+          <a:solidFill>
+            <a:schemeClr val="tx1"/>
+          </a:solidFill>
+          <a:latin typeface="+mn-lt"/>
+          <a:ea typeface="+mn-ea"/>
+          <a:cs typeface="+mn-cs"/>
+        </a:defRPr>
+      </a:lvl6pPr>
+      <a:lvl7pPr marL="2971800" indent="-228600" algn="l" defTabSz="914400" rtl="0" eaLnBrk="1" latinLnBrk="0" hangingPunct="1">
+        <a:lnSpc>
+          <a:spcPct val="90000"/>
+        </a:lnSpc>
+        <a:spcBef>
+          <a:spcPts val="500"/>
+        </a:spcBef>
+        <a:buFont typeface="Arial" panose="020B0604020202020204" pitchFamily="34" charset="0"/>
+        <a:buChar char="•"/>
+        <a:defRPr sz="1800" kern="1200">
+          <a:solidFill>
+            <a:schemeClr val="tx1"/>
+          </a:solidFill>
+          <a:latin typeface="+mn-lt"/>
+          <a:ea typeface="+mn-ea"/>
+          <a:cs typeface="+mn-cs"/>
+        </a:defRPr>
+      </a:lvl7pPr>
+      <a:lvl8pPr marL="3429000" indent="-228600" algn="l" defTabSz="914400" rtl="0" eaLnBrk="1" latinLnBrk="0" hangingPunct="1">
+        <a:lnSpc>
+          <a:spcPct val="90000"/>
+        </a:lnSpc>
+        <a:spcBef>
+          <a:spcPts val="500"/>
+        </a:spcBef>
+        <a:buFont typeface="Arial" panose="020B0604020202020204" pitchFamily="34" charset="0"/>
+        <a:buChar char="•"/>
+        <a:defRPr sz="1800" kern="1200">
+          <a:solidFill>
+            <a:schemeClr val="tx1"/>
+          </a:solidFill>
+          <a:latin typeface="+mn-lt"/>
+          <a:ea typeface="+mn-ea"/>
+          <a:cs typeface="+mn-cs"/>
+        </a:defRPr>
+      </a:lvl8pPr>
+      <a:lvl9pPr marL="3886200" indent="-228600" algn="l" defTabSz="914400" rtl="0" eaLnBrk="1" latinLnBrk="0" hangingPunct="1">
+        <a:lnSpc>
+          <a:spcPct val="90000"/>
+        </a:lnSpc>
+        <a:spcBef>
+          <a:spcPts val="500"/>
+        </a:spcBef>
+        <a:buFont typeface="Arial" panose="020B0604020202020204" pitchFamily="34" charset="0"/>
+        <a:buChar char="•"/>
+        <a:defRPr sz="1800" kern="1200">
+          <a:solidFill>
+            <a:schemeClr val="tx1"/>
+          </a:solidFill>
+          <a:latin typeface="+mn-lt"/>
+          <a:ea typeface="+mn-ea"/>
+          <a:cs typeface="+mn-cs"/>
+        </a:defRPr>
+      </a:lvl9pPr>
+    </p:bodyStyle>
+    <p:otherStyle>
+      <a:defPPr>
+        <a:defRPr lang="es-MX"/>
+      </a:defPPr>
+      <a:lvl1pPr marL="0" algn="l" defTabSz="914400" rtl="0" eaLnBrk="1" latinLnBrk="0" hangingPunct="1">
+        <a:defRPr sz="1800" kern="1200">
+          <a:solidFill>
+            <a:schemeClr val="tx1"/>
+          </a:solidFill>
+          <a:latin typeface="+mn-lt"/>
+          <a:ea typeface="+mn-ea"/>
+          <a:cs typeface="+mn-cs"/>
+        </a:defRPr>
+      </a:lvl1pPr>
+      <a:lvl2pPr marL="457200" algn="l" defTabSz="914400" rtl="0" eaLnBrk="1" latinLnBrk="0" hangingPunct="1">
+        <a:defRPr sz="1800" kern="1200">
+          <a:solidFill>
+            <a:schemeClr val="tx1"/>
+          </a:solidFill>
+          <a:latin typeface="+mn-lt"/>
+          <a:ea typeface="+mn-ea"/>
+          <a:cs typeface="+mn-cs"/>
+        </a:defRPr>
+      </a:lvl2pPr>
+      <a:lvl3pPr marL="914400" algn="l" defTabSz="914400" rtl="0" eaLnBrk="1" latinLnBrk="0" hangingPunct="1">
+        <a:defRPr sz="1800" kern="1200">
+          <a:solidFill>
+            <a:schemeClr val="tx1"/>
+          </a:solidFill>
+          <a:latin typeface="+mn-lt"/>
+          <a:ea typeface="+mn-ea"/>
+          <a:cs typeface="+mn-cs"/>
+        </a:defRPr>
+      </a:lvl3pPr>
+      <a:lvl4pPr marL="1371600" algn="l" defTabSz="914400" rtl="0" eaLnBrk="1" latinLnBrk="0" hangingPunct="1">
+        <a:defRPr sz="1800" kern="1200">
+          <a:solidFill>
+            <a:schemeClr val="tx1"/>
+          </a:solidFill>
+          <a:latin typeface="+mn-lt"/>
+          <a:ea typeface="+mn-ea"/>
+          <a:cs typeface="+mn-cs"/>
+        </a:defRPr>
+      </a:lvl4pPr>
+      <a:lvl5pPr marL="1828800" algn="l" defTabSz="914400" rtl="0" eaLnBrk="1" latinLnBrk="0" hangingPunct="1">
+        <a:defRPr sz="1800" kern="1200">
+          <a:solidFill>
+            <a:schemeClr val="tx1"/>
+          </a:solidFill>
+          <a:latin typeface="+mn-lt"/>
+          <a:ea typeface="+mn-ea"/>
+          <a:cs typeface="+mn-cs"/>
+        </a:defRPr>
+      </a:lvl5pPr>
+      <a:lvl6pPr marL="2286000" algn="l" defTabSz="914400" rtl="0" eaLnBrk="1" latinLnBrk="0" hangingPunct="1">
+        <a:defRPr sz="1800" kern="1200">
+          <a:solidFill>
+            <a:schemeClr val="tx1"/>
+          </a:solidFill>
+          <a:latin typeface="+mn-lt"/>
+          <a:ea typeface="+mn-ea"/>
+          <a:cs typeface="+mn-cs"/>
+        </a:defRPr>
+      </a:lvl6pPr>
+      <a:lvl7pPr marL="2743200" algn="l" defTabSz="914400" rtl="0" eaLnBrk="1" latinLnBrk="0" hangingPunct="1">
+        <a:defRPr sz="1800" kern="1200">
+          <a:solidFill>
+            <a:schemeClr val="tx1"/>
+          </a:solidFill>
+          <a:latin typeface="+mn-lt"/>
+          <a:ea typeface="+mn-ea"/>
+          <a:cs typeface="+mn-cs"/>
+        </a:defRPr>
+      </a:lvl7pPr>
+      <a:lvl8pPr marL="3200400" algn="l" defTabSz="914400" rtl="0" eaLnBrk="1" latinLnBrk="0" hangingPunct="1">
+        <a:defRPr sz="1800" kern="1200">
+          <a:solidFill>
+            <a:schemeClr val="tx1"/>
+          </a:solidFill>
+          <a:latin typeface="+mn-lt"/>
+          <a:ea typeface="+mn-ea"/>
+          <a:cs typeface="+mn-cs"/>
+        </a:defRPr>
+      </a:lvl8pPr>
+      <a:lvl9pPr marL="3657600" algn="l" defTabSz="914400" rtl="0" eaLnBrk="1" latinLnBrk="0" hangingPunct="1">
+        <a:defRPr sz="1800" kern="1200">
+          <a:solidFill>
+            <a:schemeClr val="tx1"/>
+          </a:solidFill>
+          <a:latin typeface="+mn-lt"/>
+          <a:ea typeface="+mn-ea"/>
+          <a:cs typeface="+mn-cs"/>
+        </a:defRPr>
+      </a:lvl9pPr>
+    </p:otherStyle>
+  </p:txStyles>
 </p:sldMaster>
 </file>
 
 <file path=ppt/slideMasters/slideMaster8.xml><?xml version="1.0" encoding="utf-8"?>
-<p:sldMaster xmlns:a="http://schemas.openxmlformats.org/drawingml/2006/main" xmlns:p="http://schemas.openxmlformats.org/presentationml/2006/main" xmlns:r="http://schemas.openxmlformats.org/officeDocument/2006/relationships" xmlns:p14="http://schemas.microsoft.com/office/powerpoint/2010/main" xmlns:p15="http://schemas.microsoft.com/office/powerpoint/2012/main" xmlns:mc="http://schemas.openxmlformats.org/markup-compatibility/2006">
+<p:sldMaster xmlns:a="http://schemas.openxmlformats.org/drawingml/2006/main" xmlns:r="http://schemas.openxmlformats.org/officeDocument/2006/relationships" xmlns:p="http://schemas.openxmlformats.org/presentationml/2006/main">
   <p:cSld>
     <p:bg>
       <p:bgPr>
         <a:solidFill>
           <a:schemeClr val="lt1"/>
         </a:solidFill>
+        <a:effectLst/>
       </p:bgPr>
     </p:bg>
     <p:spTree>
@@ -3688,32 +5696,39 @@
             <a:avLst/>
           </a:prstGeom>
           <a:solidFill>
-            <a:srgbClr val="004c8d"/>
+            <a:srgbClr val="004C8D"/>
           </a:solidFill>
           <a:ln w="0">
             <a:noFill/>
           </a:ln>
         </p:spPr>
         <p:style>
-          <a:lnRef idx="0"/>
-          <a:fillRef idx="0"/>
-          <a:effectRef idx="0"/>
+          <a:lnRef idx="0">
+            <a:scrgbClr r="0" g="0" b="0"/>
+          </a:lnRef>
+          <a:fillRef idx="0">
+            <a:scrgbClr r="0" g="0" b="0"/>
+          </a:fillRef>
+          <a:effectRef idx="0">
+            <a:scrgbClr r="0" g="0" b="0"/>
+          </a:effectRef>
           <a:fontRef idx="minor"/>
         </p:style>
         <p:txBody>
-          <a:bodyPr lIns="90000" rIns="90000" tIns="45000" bIns="45000" anchor="ctr">
+          <a:bodyPr lIns="90000" tIns="45000" rIns="90000" bIns="45000" anchor="ctr">
             <a:noAutofit/>
           </a:bodyPr>
+          <a:lstStyle/>
           <a:p>
             <a:pPr algn="ctr">
               <a:lnSpc>
                 <a:spcPct val="100000"/>
               </a:lnSpc>
               <a:tabLst>
-                <a:tab algn="l" pos="0"/>
+                <a:tab pos="0" algn="l"/>
               </a:tabLst>
             </a:pPr>
-            <a:endParaRPr b="0" lang="es-MX" sz="1800" strike="noStrike" u="none">
+            <a:endParaRPr lang="es-MX" sz="1800" b="0" u="none" strike="noStrike">
               <a:solidFill>
                 <a:schemeClr val="lt1"/>
               </a:solidFill>
@@ -3744,22 +5759,29 @@
           </a:ln>
         </p:spPr>
         <p:style>
-          <a:lnRef idx="0"/>
-          <a:fillRef idx="0"/>
-          <a:effectRef idx="0"/>
+          <a:lnRef idx="0">
+            <a:scrgbClr r="0" g="0" b="0"/>
+          </a:lnRef>
+          <a:fillRef idx="0">
+            <a:scrgbClr r="0" g="0" b="0"/>
+          </a:fillRef>
+          <a:effectRef idx="0">
+            <a:scrgbClr r="0" g="0" b="0"/>
+          </a:effectRef>
           <a:fontRef idx="minor"/>
         </p:style>
         <p:txBody>
-          <a:bodyPr lIns="90000" rIns="90000" tIns="45000" bIns="45000" anchor="t">
+          <a:bodyPr lIns="90000" tIns="45000" rIns="90000" bIns="45000" anchor="t">
             <a:noAutofit/>
           </a:bodyPr>
+          <a:lstStyle/>
           <a:p>
             <a:pPr>
               <a:lnSpc>
                 <a:spcPct val="100000"/>
               </a:lnSpc>
             </a:pPr>
-            <a:endParaRPr b="0" lang="es-MX" sz="1800" strike="noStrike" u="none">
+            <a:endParaRPr lang="es-MX" sz="1800" b="0" u="none" strike="noStrike">
               <a:solidFill>
                 <a:srgbClr val="000000"/>
               </a:solidFill>
@@ -3793,7 +5815,7 @@
           </a:ln>
         </p:spPr>
         <p:txBody>
-          <a:bodyPr lIns="91440" rIns="91440" tIns="45720" bIns="45720" anchor="ctr">
+          <a:bodyPr lIns="91440" tIns="45720" rIns="91440" bIns="45720" anchor="ctr">
             <a:noAutofit/>
           </a:bodyPr>
           <a:lstStyle>
@@ -3803,9 +5825,9 @@
               </a:lnSpc>
               <a:buNone/>
               <a:tabLst>
-                <a:tab algn="l" pos="0"/>
+                <a:tab pos="0" algn="l"/>
               </a:tabLst>
-              <a:defRPr b="0" lang="es-MX" sz="1400" strike="noStrike" u="none">
+              <a:defRPr lang="es-MX" sz="1400" b="0" u="none" strike="noStrike">
                 <a:solidFill>
                   <a:srgbClr val="000000"/>
                 </a:solidFill>
@@ -3821,11 +5843,11 @@
               </a:lnSpc>
               <a:buNone/>
               <a:tabLst>
-                <a:tab algn="l" pos="0"/>
+                <a:tab pos="0" algn="l"/>
               </a:tabLst>
             </a:pPr>
             <a:r>
-              <a:rPr b="0" lang="es-MX" sz="1400" strike="noStrike" u="none">
+              <a:rPr lang="es-MX" sz="1400" b="0" u="none" strike="noStrike">
                 <a:solidFill>
                   <a:srgbClr val="000000"/>
                 </a:solidFill>
@@ -3834,13 +5856,6 @@
               </a:rPr>
               <a:t>&lt;footer&gt;</a:t>
             </a:r>
-            <a:endParaRPr b="0" lang="es-MX" sz="1400" strike="noStrike" u="none">
-              <a:solidFill>
-                <a:srgbClr val="000000"/>
-              </a:solidFill>
-              <a:uFillTx/>
-              <a:latin typeface="Times New Roman"/>
-            </a:endParaRPr>
           </a:p>
         </p:txBody>
       </p:sp>
@@ -3868,7 +5883,7 @@
           </a:ln>
         </p:spPr>
         <p:txBody>
-          <a:bodyPr lIns="91440" rIns="91440" tIns="45720" bIns="45720" anchor="ctr">
+          <a:bodyPr lIns="91440" tIns="45720" rIns="91440" bIns="45720" anchor="ctr">
             <a:noAutofit/>
           </a:bodyPr>
           <a:lstStyle>
@@ -3878,9 +5893,9 @@
               </a:lnSpc>
               <a:buNone/>
               <a:tabLst>
-                <a:tab algn="l" pos="0"/>
+                <a:tab pos="0" algn="l"/>
               </a:tabLst>
-              <a:defRPr b="0" lang="es-ES" sz="1200" strike="noStrike" u="none">
+              <a:defRPr lang="es-ES" sz="1200" b="0" u="none" strike="noStrike">
                 <a:solidFill>
                   <a:srgbClr val="888888"/>
                 </a:solidFill>
@@ -3897,11 +5912,11 @@
               </a:lnSpc>
               <a:buNone/>
               <a:tabLst>
-                <a:tab algn="l" pos="0"/>
+                <a:tab pos="0" algn="l"/>
               </a:tabLst>
             </a:pPr>
             <a:fld id="{000B57A5-4C87-4CF5-AAA7-E5831AC248C5}" type="slidenum">
-              <a:rPr b="0" lang="es-ES" sz="1200" strike="noStrike" u="none">
+              <a:rPr lang="es-ES" sz="1200" b="0" u="none" strike="noStrike">
                 <a:solidFill>
                   <a:srgbClr val="888888"/>
                 </a:solidFill>
@@ -3909,9 +5924,9 @@
                 <a:latin typeface="Calibri"/>
                 <a:ea typeface="Calibri"/>
               </a:rPr>
-              <a:t>&lt;number&gt;</a:t>
+              <a:t>‹Nº›</a:t>
             </a:fld>
-            <a:endParaRPr b="0" lang="es-MX" sz="1200" strike="noStrike" u="none">
+            <a:endParaRPr lang="es-MX" sz="1200" b="0" u="none" strike="noStrike">
               <a:solidFill>
                 <a:srgbClr val="000000"/>
               </a:solidFill>
@@ -3945,13 +5960,13 @@
           </a:ln>
         </p:spPr>
         <p:txBody>
-          <a:bodyPr lIns="91440" rIns="91440" tIns="45720" bIns="45720" anchor="ctr">
+          <a:bodyPr lIns="91440" tIns="45720" rIns="91440" bIns="45720" anchor="ctr">
             <a:noAutofit/>
           </a:bodyPr>
           <a:lstStyle>
             <a:lvl1pPr indent="0">
               <a:buNone/>
-              <a:defRPr b="0" lang="es-MX" sz="1400" strike="noStrike" u="none">
+              <a:defRPr lang="es-MX" sz="1400" b="0" u="none" strike="noStrike">
                 <a:solidFill>
                   <a:srgbClr val="000000"/>
                 </a:solidFill>
@@ -3965,7 +5980,7 @@
               <a:buNone/>
             </a:pPr>
             <a:r>
-              <a:rPr b="0" lang="es-MX" sz="1400" strike="noStrike" u="none">
+              <a:rPr lang="es-MX" sz="1400" b="0" u="none" strike="noStrike">
                 <a:solidFill>
                   <a:srgbClr val="000000"/>
                 </a:solidFill>
@@ -3974,13 +5989,6 @@
               </a:rPr>
               <a:t>&lt;date/time&gt;</a:t>
             </a:r>
-            <a:endParaRPr b="0" lang="es-MX" sz="1400" strike="noStrike" u="none">
-              <a:solidFill>
-                <a:srgbClr val="000000"/>
-              </a:solidFill>
-              <a:uFillTx/>
-              <a:latin typeface="Times New Roman"/>
-            </a:endParaRPr>
           </a:p>
         </p:txBody>
       </p:sp>
@@ -3988,19 +5996,300 @@
   </p:cSld>
   <p:clrMap bg1="lt1" tx1="dk1" bg2="dk2" tx2="lt2" accent1="accent1" accent2="accent2" accent3="accent3" accent4="accent4" accent5="accent5" accent6="accent6" hlink="hlink" folHlink="folHlink"/>
   <p:sldLayoutIdLst>
-    <p:sldLayoutId id="2147483663" r:id="rId2"/>
+    <p:sldLayoutId id="2147483663" r:id="rId1"/>
   </p:sldLayoutIdLst>
+  <p:txStyles>
+    <p:titleStyle>
+      <a:lvl1pPr algn="l" defTabSz="914400" rtl="0" eaLnBrk="1" latinLnBrk="0" hangingPunct="1">
+        <a:lnSpc>
+          <a:spcPct val="90000"/>
+        </a:lnSpc>
+        <a:spcBef>
+          <a:spcPct val="0"/>
+        </a:spcBef>
+        <a:buNone/>
+        <a:defRPr sz="4400" kern="1200">
+          <a:solidFill>
+            <a:schemeClr val="tx1"/>
+          </a:solidFill>
+          <a:latin typeface="+mj-lt"/>
+          <a:ea typeface="+mj-ea"/>
+          <a:cs typeface="+mj-cs"/>
+        </a:defRPr>
+      </a:lvl1pPr>
+    </p:titleStyle>
+    <p:bodyStyle>
+      <a:lvl1pPr marL="228600" indent="-228600" algn="l" defTabSz="914400" rtl="0" eaLnBrk="1" latinLnBrk="0" hangingPunct="1">
+        <a:lnSpc>
+          <a:spcPct val="90000"/>
+        </a:lnSpc>
+        <a:spcBef>
+          <a:spcPts val="1000"/>
+        </a:spcBef>
+        <a:buFont typeface="Arial" panose="020B0604020202020204" pitchFamily="34" charset="0"/>
+        <a:buChar char="•"/>
+        <a:defRPr sz="2800" kern="1200">
+          <a:solidFill>
+            <a:schemeClr val="tx1"/>
+          </a:solidFill>
+          <a:latin typeface="+mn-lt"/>
+          <a:ea typeface="+mn-ea"/>
+          <a:cs typeface="+mn-cs"/>
+        </a:defRPr>
+      </a:lvl1pPr>
+      <a:lvl2pPr marL="685800" indent="-228600" algn="l" defTabSz="914400" rtl="0" eaLnBrk="1" latinLnBrk="0" hangingPunct="1">
+        <a:lnSpc>
+          <a:spcPct val="90000"/>
+        </a:lnSpc>
+        <a:spcBef>
+          <a:spcPts val="500"/>
+        </a:spcBef>
+        <a:buFont typeface="Arial" panose="020B0604020202020204" pitchFamily="34" charset="0"/>
+        <a:buChar char="•"/>
+        <a:defRPr sz="2400" kern="1200">
+          <a:solidFill>
+            <a:schemeClr val="tx1"/>
+          </a:solidFill>
+          <a:latin typeface="+mn-lt"/>
+          <a:ea typeface="+mn-ea"/>
+          <a:cs typeface="+mn-cs"/>
+        </a:defRPr>
+      </a:lvl2pPr>
+      <a:lvl3pPr marL="1143000" indent="-228600" algn="l" defTabSz="914400" rtl="0" eaLnBrk="1" latinLnBrk="0" hangingPunct="1">
+        <a:lnSpc>
+          <a:spcPct val="90000"/>
+        </a:lnSpc>
+        <a:spcBef>
+          <a:spcPts val="500"/>
+        </a:spcBef>
+        <a:buFont typeface="Arial" panose="020B0604020202020204" pitchFamily="34" charset="0"/>
+        <a:buChar char="•"/>
+        <a:defRPr sz="2000" kern="1200">
+          <a:solidFill>
+            <a:schemeClr val="tx1"/>
+          </a:solidFill>
+          <a:latin typeface="+mn-lt"/>
+          <a:ea typeface="+mn-ea"/>
+          <a:cs typeface="+mn-cs"/>
+        </a:defRPr>
+      </a:lvl3pPr>
+      <a:lvl4pPr marL="1600200" indent="-228600" algn="l" defTabSz="914400" rtl="0" eaLnBrk="1" latinLnBrk="0" hangingPunct="1">
+        <a:lnSpc>
+          <a:spcPct val="90000"/>
+        </a:lnSpc>
+        <a:spcBef>
+          <a:spcPts val="500"/>
+        </a:spcBef>
+        <a:buFont typeface="Arial" panose="020B0604020202020204" pitchFamily="34" charset="0"/>
+        <a:buChar char="•"/>
+        <a:defRPr sz="1800" kern="1200">
+          <a:solidFill>
+            <a:schemeClr val="tx1"/>
+          </a:solidFill>
+          <a:latin typeface="+mn-lt"/>
+          <a:ea typeface="+mn-ea"/>
+          <a:cs typeface="+mn-cs"/>
+        </a:defRPr>
+      </a:lvl4pPr>
+      <a:lvl5pPr marL="2057400" indent="-228600" algn="l" defTabSz="914400" rtl="0" eaLnBrk="1" latinLnBrk="0" hangingPunct="1">
+        <a:lnSpc>
+          <a:spcPct val="90000"/>
+        </a:lnSpc>
+        <a:spcBef>
+          <a:spcPts val="500"/>
+        </a:spcBef>
+        <a:buFont typeface="Arial" panose="020B0604020202020204" pitchFamily="34" charset="0"/>
+        <a:buChar char="•"/>
+        <a:defRPr sz="1800" kern="1200">
+          <a:solidFill>
+            <a:schemeClr val="tx1"/>
+          </a:solidFill>
+          <a:latin typeface="+mn-lt"/>
+          <a:ea typeface="+mn-ea"/>
+          <a:cs typeface="+mn-cs"/>
+        </a:defRPr>
+      </a:lvl5pPr>
+      <a:lvl6pPr marL="2514600" indent="-228600" algn="l" defTabSz="914400" rtl="0" eaLnBrk="1" latinLnBrk="0" hangingPunct="1">
+        <a:lnSpc>
+          <a:spcPct val="90000"/>
+        </a:lnSpc>
+        <a:spcBef>
+          <a:spcPts val="500"/>
+        </a:spcBef>
+        <a:buFont typeface="Arial" panose="020B0604020202020204" pitchFamily="34" charset="0"/>
+        <a:buChar char="•"/>
+        <a:defRPr sz="1800" kern="1200">
+          <a:solidFill>
+            <a:schemeClr val="tx1"/>
+          </a:solidFill>
+          <a:latin typeface="+mn-lt"/>
+          <a:ea typeface="+mn-ea"/>
+          <a:cs typeface="+mn-cs"/>
+        </a:defRPr>
+      </a:lvl6pPr>
+      <a:lvl7pPr marL="2971800" indent="-228600" algn="l" defTabSz="914400" rtl="0" eaLnBrk="1" latinLnBrk="0" hangingPunct="1">
+        <a:lnSpc>
+          <a:spcPct val="90000"/>
+        </a:lnSpc>
+        <a:spcBef>
+          <a:spcPts val="500"/>
+        </a:spcBef>
+        <a:buFont typeface="Arial" panose="020B0604020202020204" pitchFamily="34" charset="0"/>
+        <a:buChar char="•"/>
+        <a:defRPr sz="1800" kern="1200">
+          <a:solidFill>
+            <a:schemeClr val="tx1"/>
+          </a:solidFill>
+          <a:latin typeface="+mn-lt"/>
+          <a:ea typeface="+mn-ea"/>
+          <a:cs typeface="+mn-cs"/>
+        </a:defRPr>
+      </a:lvl7pPr>
+      <a:lvl8pPr marL="3429000" indent="-228600" algn="l" defTabSz="914400" rtl="0" eaLnBrk="1" latinLnBrk="0" hangingPunct="1">
+        <a:lnSpc>
+          <a:spcPct val="90000"/>
+        </a:lnSpc>
+        <a:spcBef>
+          <a:spcPts val="500"/>
+        </a:spcBef>
+        <a:buFont typeface="Arial" panose="020B0604020202020204" pitchFamily="34" charset="0"/>
+        <a:buChar char="•"/>
+        <a:defRPr sz="1800" kern="1200">
+          <a:solidFill>
+            <a:schemeClr val="tx1"/>
+          </a:solidFill>
+          <a:latin typeface="+mn-lt"/>
+          <a:ea typeface="+mn-ea"/>
+          <a:cs typeface="+mn-cs"/>
+        </a:defRPr>
+      </a:lvl8pPr>
+      <a:lvl9pPr marL="3886200" indent="-228600" algn="l" defTabSz="914400" rtl="0" eaLnBrk="1" latinLnBrk="0" hangingPunct="1">
+        <a:lnSpc>
+          <a:spcPct val="90000"/>
+        </a:lnSpc>
+        <a:spcBef>
+          <a:spcPts val="500"/>
+        </a:spcBef>
+        <a:buFont typeface="Arial" panose="020B0604020202020204" pitchFamily="34" charset="0"/>
+        <a:buChar char="•"/>
+        <a:defRPr sz="1800" kern="1200">
+          <a:solidFill>
+            <a:schemeClr val="tx1"/>
+          </a:solidFill>
+          <a:latin typeface="+mn-lt"/>
+          <a:ea typeface="+mn-ea"/>
+          <a:cs typeface="+mn-cs"/>
+        </a:defRPr>
+      </a:lvl9pPr>
+    </p:bodyStyle>
+    <p:otherStyle>
+      <a:defPPr>
+        <a:defRPr lang="es-MX"/>
+      </a:defPPr>
+      <a:lvl1pPr marL="0" algn="l" defTabSz="914400" rtl="0" eaLnBrk="1" latinLnBrk="0" hangingPunct="1">
+        <a:defRPr sz="1800" kern="1200">
+          <a:solidFill>
+            <a:schemeClr val="tx1"/>
+          </a:solidFill>
+          <a:latin typeface="+mn-lt"/>
+          <a:ea typeface="+mn-ea"/>
+          <a:cs typeface="+mn-cs"/>
+        </a:defRPr>
+      </a:lvl1pPr>
+      <a:lvl2pPr marL="457200" algn="l" defTabSz="914400" rtl="0" eaLnBrk="1" latinLnBrk="0" hangingPunct="1">
+        <a:defRPr sz="1800" kern="1200">
+          <a:solidFill>
+            <a:schemeClr val="tx1"/>
+          </a:solidFill>
+          <a:latin typeface="+mn-lt"/>
+          <a:ea typeface="+mn-ea"/>
+          <a:cs typeface="+mn-cs"/>
+        </a:defRPr>
+      </a:lvl2pPr>
+      <a:lvl3pPr marL="914400" algn="l" defTabSz="914400" rtl="0" eaLnBrk="1" latinLnBrk="0" hangingPunct="1">
+        <a:defRPr sz="1800" kern="1200">
+          <a:solidFill>
+            <a:schemeClr val="tx1"/>
+          </a:solidFill>
+          <a:latin typeface="+mn-lt"/>
+          <a:ea typeface="+mn-ea"/>
+          <a:cs typeface="+mn-cs"/>
+        </a:defRPr>
+      </a:lvl3pPr>
+      <a:lvl4pPr marL="1371600" algn="l" defTabSz="914400" rtl="0" eaLnBrk="1" latinLnBrk="0" hangingPunct="1">
+        <a:defRPr sz="1800" kern="1200">
+          <a:solidFill>
+            <a:schemeClr val="tx1"/>
+          </a:solidFill>
+          <a:latin typeface="+mn-lt"/>
+          <a:ea typeface="+mn-ea"/>
+          <a:cs typeface="+mn-cs"/>
+        </a:defRPr>
+      </a:lvl4pPr>
+      <a:lvl5pPr marL="1828800" algn="l" defTabSz="914400" rtl="0" eaLnBrk="1" latinLnBrk="0" hangingPunct="1">
+        <a:defRPr sz="1800" kern="1200">
+          <a:solidFill>
+            <a:schemeClr val="tx1"/>
+          </a:solidFill>
+          <a:latin typeface="+mn-lt"/>
+          <a:ea typeface="+mn-ea"/>
+          <a:cs typeface="+mn-cs"/>
+        </a:defRPr>
+      </a:lvl5pPr>
+      <a:lvl6pPr marL="2286000" algn="l" defTabSz="914400" rtl="0" eaLnBrk="1" latinLnBrk="0" hangingPunct="1">
+        <a:defRPr sz="1800" kern="1200">
+          <a:solidFill>
+            <a:schemeClr val="tx1"/>
+          </a:solidFill>
+          <a:latin typeface="+mn-lt"/>
+          <a:ea typeface="+mn-ea"/>
+          <a:cs typeface="+mn-cs"/>
+        </a:defRPr>
+      </a:lvl6pPr>
+      <a:lvl7pPr marL="2743200" algn="l" defTabSz="914400" rtl="0" eaLnBrk="1" latinLnBrk="0" hangingPunct="1">
+        <a:defRPr sz="1800" kern="1200">
+          <a:solidFill>
+            <a:schemeClr val="tx1"/>
+          </a:solidFill>
+          <a:latin typeface="+mn-lt"/>
+          <a:ea typeface="+mn-ea"/>
+          <a:cs typeface="+mn-cs"/>
+        </a:defRPr>
+      </a:lvl7pPr>
+      <a:lvl8pPr marL="3200400" algn="l" defTabSz="914400" rtl="0" eaLnBrk="1" latinLnBrk="0" hangingPunct="1">
+        <a:defRPr sz="1800" kern="1200">
+          <a:solidFill>
+            <a:schemeClr val="tx1"/>
+          </a:solidFill>
+          <a:latin typeface="+mn-lt"/>
+          <a:ea typeface="+mn-ea"/>
+          <a:cs typeface="+mn-cs"/>
+        </a:defRPr>
+      </a:lvl8pPr>
+      <a:lvl9pPr marL="3657600" algn="l" defTabSz="914400" rtl="0" eaLnBrk="1" latinLnBrk="0" hangingPunct="1">
+        <a:defRPr sz="1800" kern="1200">
+          <a:solidFill>
+            <a:schemeClr val="tx1"/>
+          </a:solidFill>
+          <a:latin typeface="+mn-lt"/>
+          <a:ea typeface="+mn-ea"/>
+          <a:cs typeface="+mn-cs"/>
+        </a:defRPr>
+      </a:lvl9pPr>
+    </p:otherStyle>
+  </p:txStyles>
 </p:sldMaster>
 </file>
 
 <file path=ppt/slideMasters/slideMaster9.xml><?xml version="1.0" encoding="utf-8"?>
-<p:sldMaster xmlns:a="http://schemas.openxmlformats.org/drawingml/2006/main" xmlns:p="http://schemas.openxmlformats.org/presentationml/2006/main" xmlns:r="http://schemas.openxmlformats.org/officeDocument/2006/relationships" xmlns:p14="http://schemas.microsoft.com/office/powerpoint/2010/main" xmlns:p15="http://schemas.microsoft.com/office/powerpoint/2012/main" xmlns:mc="http://schemas.openxmlformats.org/markup-compatibility/2006">
+<p:sldMaster xmlns:a="http://schemas.openxmlformats.org/drawingml/2006/main" xmlns:r="http://schemas.openxmlformats.org/officeDocument/2006/relationships" xmlns:p="http://schemas.openxmlformats.org/presentationml/2006/main">
   <p:cSld>
     <p:bg>
       <p:bgPr>
         <a:solidFill>
           <a:schemeClr val="lt1"/>
         </a:solidFill>
+        <a:effectLst/>
       </p:bgPr>
     </p:bg>
     <p:spTree>
@@ -4032,32 +6321,39 @@
             <a:avLst/>
           </a:prstGeom>
           <a:solidFill>
-            <a:srgbClr val="004c8d"/>
+            <a:srgbClr val="004C8D"/>
           </a:solidFill>
           <a:ln w="0">
             <a:noFill/>
           </a:ln>
         </p:spPr>
         <p:style>
-          <a:lnRef idx="0"/>
-          <a:fillRef idx="0"/>
-          <a:effectRef idx="0"/>
+          <a:lnRef idx="0">
+            <a:scrgbClr r="0" g="0" b="0"/>
+          </a:lnRef>
+          <a:fillRef idx="0">
+            <a:scrgbClr r="0" g="0" b="0"/>
+          </a:fillRef>
+          <a:effectRef idx="0">
+            <a:scrgbClr r="0" g="0" b="0"/>
+          </a:effectRef>
           <a:fontRef idx="minor"/>
         </p:style>
         <p:txBody>
-          <a:bodyPr lIns="90000" rIns="90000" tIns="45000" bIns="45000" anchor="ctr">
+          <a:bodyPr lIns="90000" tIns="45000" rIns="90000" bIns="45000" anchor="ctr">
             <a:noAutofit/>
           </a:bodyPr>
+          <a:lstStyle/>
           <a:p>
             <a:pPr algn="ctr">
               <a:lnSpc>
                 <a:spcPct val="100000"/>
               </a:lnSpc>
               <a:tabLst>
-                <a:tab algn="l" pos="0"/>
+                <a:tab pos="0" algn="l"/>
               </a:tabLst>
             </a:pPr>
-            <a:endParaRPr b="0" lang="es-MX" sz="1800" strike="noStrike" u="none">
+            <a:endParaRPr lang="es-MX" sz="1800" b="0" u="none" strike="noStrike">
               <a:solidFill>
                 <a:schemeClr val="lt1"/>
               </a:solidFill>
@@ -4088,22 +6384,29 @@
           </a:ln>
         </p:spPr>
         <p:style>
-          <a:lnRef idx="0"/>
-          <a:fillRef idx="0"/>
-          <a:effectRef idx="0"/>
+          <a:lnRef idx="0">
+            <a:scrgbClr r="0" g="0" b="0"/>
+          </a:lnRef>
+          <a:fillRef idx="0">
+            <a:scrgbClr r="0" g="0" b="0"/>
+          </a:fillRef>
+          <a:effectRef idx="0">
+            <a:scrgbClr r="0" g="0" b="0"/>
+          </a:effectRef>
           <a:fontRef idx="minor"/>
         </p:style>
         <p:txBody>
-          <a:bodyPr lIns="90000" rIns="90000" tIns="45000" bIns="45000" anchor="t">
+          <a:bodyPr lIns="90000" tIns="45000" rIns="90000" bIns="45000" anchor="t">
             <a:noAutofit/>
           </a:bodyPr>
+          <a:lstStyle/>
           <a:p>
             <a:pPr>
               <a:lnSpc>
                 <a:spcPct val="100000"/>
               </a:lnSpc>
             </a:pPr>
-            <a:endParaRPr b="0" lang="es-MX" sz="1800" strike="noStrike" u="none">
+            <a:endParaRPr lang="es-MX" sz="1800" b="0" u="none" strike="noStrike">
               <a:solidFill>
                 <a:srgbClr val="000000"/>
               </a:solidFill>
@@ -4137,7 +6440,7 @@
           </a:ln>
         </p:spPr>
         <p:txBody>
-          <a:bodyPr lIns="91440" rIns="91440" tIns="45720" bIns="45720" anchor="ctr">
+          <a:bodyPr lIns="91440" tIns="45720" rIns="91440" bIns="45720" anchor="ctr">
             <a:noAutofit/>
           </a:bodyPr>
           <a:lstStyle>
@@ -4147,9 +6450,9 @@
               </a:lnSpc>
               <a:buNone/>
               <a:tabLst>
-                <a:tab algn="l" pos="0"/>
+                <a:tab pos="0" algn="l"/>
               </a:tabLst>
-              <a:defRPr b="0" lang="es-MX" sz="1400" strike="noStrike" u="none">
+              <a:defRPr lang="es-MX" sz="1400" b="0" u="none" strike="noStrike">
                 <a:solidFill>
                   <a:srgbClr val="000000"/>
                 </a:solidFill>
@@ -4165,11 +6468,11 @@
               </a:lnSpc>
               <a:buNone/>
               <a:tabLst>
-                <a:tab algn="l" pos="0"/>
+                <a:tab pos="0" algn="l"/>
               </a:tabLst>
             </a:pPr>
             <a:r>
-              <a:rPr b="0" lang="es-MX" sz="1400" strike="noStrike" u="none">
+              <a:rPr lang="es-MX" sz="1400" b="0" u="none" strike="noStrike">
                 <a:solidFill>
                   <a:srgbClr val="000000"/>
                 </a:solidFill>
@@ -4178,13 +6481,6 @@
               </a:rPr>
               <a:t>&lt;footer&gt;</a:t>
             </a:r>
-            <a:endParaRPr b="0" lang="es-MX" sz="1400" strike="noStrike" u="none">
-              <a:solidFill>
-                <a:srgbClr val="000000"/>
-              </a:solidFill>
-              <a:uFillTx/>
-              <a:latin typeface="Times New Roman"/>
-            </a:endParaRPr>
           </a:p>
         </p:txBody>
       </p:sp>
@@ -4212,7 +6508,7 @@
           </a:ln>
         </p:spPr>
         <p:txBody>
-          <a:bodyPr lIns="91440" rIns="91440" tIns="45720" bIns="45720" anchor="ctr">
+          <a:bodyPr lIns="91440" tIns="45720" rIns="91440" bIns="45720" anchor="ctr">
             <a:noAutofit/>
           </a:bodyPr>
           <a:lstStyle>
@@ -4222,9 +6518,9 @@
               </a:lnSpc>
               <a:buNone/>
               <a:tabLst>
-                <a:tab algn="l" pos="0"/>
+                <a:tab pos="0" algn="l"/>
               </a:tabLst>
-              <a:defRPr b="0" lang="es-ES" sz="1200" strike="noStrike" u="none">
+              <a:defRPr lang="es-ES" sz="1200" b="0" u="none" strike="noStrike">
                 <a:solidFill>
                   <a:srgbClr val="888888"/>
                 </a:solidFill>
@@ -4241,11 +6537,11 @@
               </a:lnSpc>
               <a:buNone/>
               <a:tabLst>
-                <a:tab algn="l" pos="0"/>
+                <a:tab pos="0" algn="l"/>
               </a:tabLst>
             </a:pPr>
             <a:fld id="{7D540395-2517-41BC-8A50-E1B1B28F861A}" type="slidenum">
-              <a:rPr b="0" lang="es-ES" sz="1200" strike="noStrike" u="none">
+              <a:rPr lang="es-ES" sz="1200" b="0" u="none" strike="noStrike">
                 <a:solidFill>
                   <a:srgbClr val="888888"/>
                 </a:solidFill>
@@ -4253,9 +6549,9 @@
                 <a:latin typeface="Calibri"/>
                 <a:ea typeface="Calibri"/>
               </a:rPr>
-              <a:t>&lt;number&gt;</a:t>
+              <a:t>‹Nº›</a:t>
             </a:fld>
-            <a:endParaRPr b="0" lang="es-MX" sz="1200" strike="noStrike" u="none">
+            <a:endParaRPr lang="es-MX" sz="1200" b="0" u="none" strike="noStrike">
               <a:solidFill>
                 <a:srgbClr val="000000"/>
               </a:solidFill>
@@ -4289,13 +6585,13 @@
           </a:ln>
         </p:spPr>
         <p:txBody>
-          <a:bodyPr lIns="91440" rIns="91440" tIns="45720" bIns="45720" anchor="ctr">
+          <a:bodyPr lIns="91440" tIns="45720" rIns="91440" bIns="45720" anchor="ctr">
             <a:noAutofit/>
           </a:bodyPr>
           <a:lstStyle>
             <a:lvl1pPr indent="0">
               <a:buNone/>
-              <a:defRPr b="0" lang="es-MX" sz="1400" strike="noStrike" u="none">
+              <a:defRPr lang="es-MX" sz="1400" b="0" u="none" strike="noStrike">
                 <a:solidFill>
                   <a:srgbClr val="000000"/>
                 </a:solidFill>
@@ -4309,7 +6605,7 @@
               <a:buNone/>
             </a:pPr>
             <a:r>
-              <a:rPr b="0" lang="es-MX" sz="1400" strike="noStrike" u="none">
+              <a:rPr lang="es-MX" sz="1400" b="0" u="none" strike="noStrike">
                 <a:solidFill>
                   <a:srgbClr val="000000"/>
                 </a:solidFill>
@@ -4318,13 +6614,6 @@
               </a:rPr>
               <a:t>&lt;date/time&gt;</a:t>
             </a:r>
-            <a:endParaRPr b="0" lang="es-MX" sz="1400" strike="noStrike" u="none">
-              <a:solidFill>
-                <a:srgbClr val="000000"/>
-              </a:solidFill>
-              <a:uFillTx/>
-              <a:latin typeface="Times New Roman"/>
-            </a:endParaRPr>
           </a:p>
         </p:txBody>
       </p:sp>
@@ -4332,13 +6621,293 @@
   </p:cSld>
   <p:clrMap bg1="lt1" tx1="dk1" bg2="dk2" tx2="lt2" accent1="accent1" accent2="accent2" accent3="accent3" accent4="accent4" accent5="accent5" accent6="accent6" hlink="hlink" folHlink="folHlink"/>
   <p:sldLayoutIdLst>
-    <p:sldLayoutId id="2147483665" r:id="rId2"/>
+    <p:sldLayoutId id="2147483665" r:id="rId1"/>
   </p:sldLayoutIdLst>
+  <p:txStyles>
+    <p:titleStyle>
+      <a:lvl1pPr algn="l" defTabSz="914400" rtl="0" eaLnBrk="1" latinLnBrk="0" hangingPunct="1">
+        <a:lnSpc>
+          <a:spcPct val="90000"/>
+        </a:lnSpc>
+        <a:spcBef>
+          <a:spcPct val="0"/>
+        </a:spcBef>
+        <a:buNone/>
+        <a:defRPr sz="4400" kern="1200">
+          <a:solidFill>
+            <a:schemeClr val="tx1"/>
+          </a:solidFill>
+          <a:latin typeface="+mj-lt"/>
+          <a:ea typeface="+mj-ea"/>
+          <a:cs typeface="+mj-cs"/>
+        </a:defRPr>
+      </a:lvl1pPr>
+    </p:titleStyle>
+    <p:bodyStyle>
+      <a:lvl1pPr marL="228600" indent="-228600" algn="l" defTabSz="914400" rtl="0" eaLnBrk="1" latinLnBrk="0" hangingPunct="1">
+        <a:lnSpc>
+          <a:spcPct val="90000"/>
+        </a:lnSpc>
+        <a:spcBef>
+          <a:spcPts val="1000"/>
+        </a:spcBef>
+        <a:buFont typeface="Arial" panose="020B0604020202020204" pitchFamily="34" charset="0"/>
+        <a:buChar char="•"/>
+        <a:defRPr sz="2800" kern="1200">
+          <a:solidFill>
+            <a:schemeClr val="tx1"/>
+          </a:solidFill>
+          <a:latin typeface="+mn-lt"/>
+          <a:ea typeface="+mn-ea"/>
+          <a:cs typeface="+mn-cs"/>
+        </a:defRPr>
+      </a:lvl1pPr>
+      <a:lvl2pPr marL="685800" indent="-228600" algn="l" defTabSz="914400" rtl="0" eaLnBrk="1" latinLnBrk="0" hangingPunct="1">
+        <a:lnSpc>
+          <a:spcPct val="90000"/>
+        </a:lnSpc>
+        <a:spcBef>
+          <a:spcPts val="500"/>
+        </a:spcBef>
+        <a:buFont typeface="Arial" panose="020B0604020202020204" pitchFamily="34" charset="0"/>
+        <a:buChar char="•"/>
+        <a:defRPr sz="2400" kern="1200">
+          <a:solidFill>
+            <a:schemeClr val="tx1"/>
+          </a:solidFill>
+          <a:latin typeface="+mn-lt"/>
+          <a:ea typeface="+mn-ea"/>
+          <a:cs typeface="+mn-cs"/>
+        </a:defRPr>
+      </a:lvl2pPr>
+      <a:lvl3pPr marL="1143000" indent="-228600" algn="l" defTabSz="914400" rtl="0" eaLnBrk="1" latinLnBrk="0" hangingPunct="1">
+        <a:lnSpc>
+          <a:spcPct val="90000"/>
+        </a:lnSpc>
+        <a:spcBef>
+          <a:spcPts val="500"/>
+        </a:spcBef>
+        <a:buFont typeface="Arial" panose="020B0604020202020204" pitchFamily="34" charset="0"/>
+        <a:buChar char="•"/>
+        <a:defRPr sz="2000" kern="1200">
+          <a:solidFill>
+            <a:schemeClr val="tx1"/>
+          </a:solidFill>
+          <a:latin typeface="+mn-lt"/>
+          <a:ea typeface="+mn-ea"/>
+          <a:cs typeface="+mn-cs"/>
+        </a:defRPr>
+      </a:lvl3pPr>
+      <a:lvl4pPr marL="1600200" indent="-228600" algn="l" defTabSz="914400" rtl="0" eaLnBrk="1" latinLnBrk="0" hangingPunct="1">
+        <a:lnSpc>
+          <a:spcPct val="90000"/>
+        </a:lnSpc>
+        <a:spcBef>
+          <a:spcPts val="500"/>
+        </a:spcBef>
+        <a:buFont typeface="Arial" panose="020B0604020202020204" pitchFamily="34" charset="0"/>
+        <a:buChar char="•"/>
+        <a:defRPr sz="1800" kern="1200">
+          <a:solidFill>
+            <a:schemeClr val="tx1"/>
+          </a:solidFill>
+          <a:latin typeface="+mn-lt"/>
+          <a:ea typeface="+mn-ea"/>
+          <a:cs typeface="+mn-cs"/>
+        </a:defRPr>
+      </a:lvl4pPr>
+      <a:lvl5pPr marL="2057400" indent="-228600" algn="l" defTabSz="914400" rtl="0" eaLnBrk="1" latinLnBrk="0" hangingPunct="1">
+        <a:lnSpc>
+          <a:spcPct val="90000"/>
+        </a:lnSpc>
+        <a:spcBef>
+          <a:spcPts val="500"/>
+        </a:spcBef>
+        <a:buFont typeface="Arial" panose="020B0604020202020204" pitchFamily="34" charset="0"/>
+        <a:buChar char="•"/>
+        <a:defRPr sz="1800" kern="1200">
+          <a:solidFill>
+            <a:schemeClr val="tx1"/>
+          </a:solidFill>
+          <a:latin typeface="+mn-lt"/>
+          <a:ea typeface="+mn-ea"/>
+          <a:cs typeface="+mn-cs"/>
+        </a:defRPr>
+      </a:lvl5pPr>
+      <a:lvl6pPr marL="2514600" indent="-228600" algn="l" defTabSz="914400" rtl="0" eaLnBrk="1" latinLnBrk="0" hangingPunct="1">
+        <a:lnSpc>
+          <a:spcPct val="90000"/>
+        </a:lnSpc>
+        <a:spcBef>
+          <a:spcPts val="500"/>
+        </a:spcBef>
+        <a:buFont typeface="Arial" panose="020B0604020202020204" pitchFamily="34" charset="0"/>
+        <a:buChar char="•"/>
+        <a:defRPr sz="1800" kern="1200">
+          <a:solidFill>
+            <a:schemeClr val="tx1"/>
+          </a:solidFill>
+          <a:latin typeface="+mn-lt"/>
+          <a:ea typeface="+mn-ea"/>
+          <a:cs typeface="+mn-cs"/>
+        </a:defRPr>
+      </a:lvl6pPr>
+      <a:lvl7pPr marL="2971800" indent="-228600" algn="l" defTabSz="914400" rtl="0" eaLnBrk="1" latinLnBrk="0" hangingPunct="1">
+        <a:lnSpc>
+          <a:spcPct val="90000"/>
+        </a:lnSpc>
+        <a:spcBef>
+          <a:spcPts val="500"/>
+        </a:spcBef>
+        <a:buFont typeface="Arial" panose="020B0604020202020204" pitchFamily="34" charset="0"/>
+        <a:buChar char="•"/>
+        <a:defRPr sz="1800" kern="1200">
+          <a:solidFill>
+            <a:schemeClr val="tx1"/>
+          </a:solidFill>
+          <a:latin typeface="+mn-lt"/>
+          <a:ea typeface="+mn-ea"/>
+          <a:cs typeface="+mn-cs"/>
+        </a:defRPr>
+      </a:lvl7pPr>
+      <a:lvl8pPr marL="3429000" indent="-228600" algn="l" defTabSz="914400" rtl="0" eaLnBrk="1" latinLnBrk="0" hangingPunct="1">
+        <a:lnSpc>
+          <a:spcPct val="90000"/>
+        </a:lnSpc>
+        <a:spcBef>
+          <a:spcPts val="500"/>
+        </a:spcBef>
+        <a:buFont typeface="Arial" panose="020B0604020202020204" pitchFamily="34" charset="0"/>
+        <a:buChar char="•"/>
+        <a:defRPr sz="1800" kern="1200">
+          <a:solidFill>
+            <a:schemeClr val="tx1"/>
+          </a:solidFill>
+          <a:latin typeface="+mn-lt"/>
+          <a:ea typeface="+mn-ea"/>
+          <a:cs typeface="+mn-cs"/>
+        </a:defRPr>
+      </a:lvl8pPr>
+      <a:lvl9pPr marL="3886200" indent="-228600" algn="l" defTabSz="914400" rtl="0" eaLnBrk="1" latinLnBrk="0" hangingPunct="1">
+        <a:lnSpc>
+          <a:spcPct val="90000"/>
+        </a:lnSpc>
+        <a:spcBef>
+          <a:spcPts val="500"/>
+        </a:spcBef>
+        <a:buFont typeface="Arial" panose="020B0604020202020204" pitchFamily="34" charset="0"/>
+        <a:buChar char="•"/>
+        <a:defRPr sz="1800" kern="1200">
+          <a:solidFill>
+            <a:schemeClr val="tx1"/>
+          </a:solidFill>
+          <a:latin typeface="+mn-lt"/>
+          <a:ea typeface="+mn-ea"/>
+          <a:cs typeface="+mn-cs"/>
+        </a:defRPr>
+      </a:lvl9pPr>
+    </p:bodyStyle>
+    <p:otherStyle>
+      <a:defPPr>
+        <a:defRPr lang="es-MX"/>
+      </a:defPPr>
+      <a:lvl1pPr marL="0" algn="l" defTabSz="914400" rtl="0" eaLnBrk="1" latinLnBrk="0" hangingPunct="1">
+        <a:defRPr sz="1800" kern="1200">
+          <a:solidFill>
+            <a:schemeClr val="tx1"/>
+          </a:solidFill>
+          <a:latin typeface="+mn-lt"/>
+          <a:ea typeface="+mn-ea"/>
+          <a:cs typeface="+mn-cs"/>
+        </a:defRPr>
+      </a:lvl1pPr>
+      <a:lvl2pPr marL="457200" algn="l" defTabSz="914400" rtl="0" eaLnBrk="1" latinLnBrk="0" hangingPunct="1">
+        <a:defRPr sz="1800" kern="1200">
+          <a:solidFill>
+            <a:schemeClr val="tx1"/>
+          </a:solidFill>
+          <a:latin typeface="+mn-lt"/>
+          <a:ea typeface="+mn-ea"/>
+          <a:cs typeface="+mn-cs"/>
+        </a:defRPr>
+      </a:lvl2pPr>
+      <a:lvl3pPr marL="914400" algn="l" defTabSz="914400" rtl="0" eaLnBrk="1" latinLnBrk="0" hangingPunct="1">
+        <a:defRPr sz="1800" kern="1200">
+          <a:solidFill>
+            <a:schemeClr val="tx1"/>
+          </a:solidFill>
+          <a:latin typeface="+mn-lt"/>
+          <a:ea typeface="+mn-ea"/>
+          <a:cs typeface="+mn-cs"/>
+        </a:defRPr>
+      </a:lvl3pPr>
+      <a:lvl4pPr marL="1371600" algn="l" defTabSz="914400" rtl="0" eaLnBrk="1" latinLnBrk="0" hangingPunct="1">
+        <a:defRPr sz="1800" kern="1200">
+          <a:solidFill>
+            <a:schemeClr val="tx1"/>
+          </a:solidFill>
+          <a:latin typeface="+mn-lt"/>
+          <a:ea typeface="+mn-ea"/>
+          <a:cs typeface="+mn-cs"/>
+        </a:defRPr>
+      </a:lvl4pPr>
+      <a:lvl5pPr marL="1828800" algn="l" defTabSz="914400" rtl="0" eaLnBrk="1" latinLnBrk="0" hangingPunct="1">
+        <a:defRPr sz="1800" kern="1200">
+          <a:solidFill>
+            <a:schemeClr val="tx1"/>
+          </a:solidFill>
+          <a:latin typeface="+mn-lt"/>
+          <a:ea typeface="+mn-ea"/>
+          <a:cs typeface="+mn-cs"/>
+        </a:defRPr>
+      </a:lvl5pPr>
+      <a:lvl6pPr marL="2286000" algn="l" defTabSz="914400" rtl="0" eaLnBrk="1" latinLnBrk="0" hangingPunct="1">
+        <a:defRPr sz="1800" kern="1200">
+          <a:solidFill>
+            <a:schemeClr val="tx1"/>
+          </a:solidFill>
+          <a:latin typeface="+mn-lt"/>
+          <a:ea typeface="+mn-ea"/>
+          <a:cs typeface="+mn-cs"/>
+        </a:defRPr>
+      </a:lvl6pPr>
+      <a:lvl7pPr marL="2743200" algn="l" defTabSz="914400" rtl="0" eaLnBrk="1" latinLnBrk="0" hangingPunct="1">
+        <a:defRPr sz="1800" kern="1200">
+          <a:solidFill>
+            <a:schemeClr val="tx1"/>
+          </a:solidFill>
+          <a:latin typeface="+mn-lt"/>
+          <a:ea typeface="+mn-ea"/>
+          <a:cs typeface="+mn-cs"/>
+        </a:defRPr>
+      </a:lvl7pPr>
+      <a:lvl8pPr marL="3200400" algn="l" defTabSz="914400" rtl="0" eaLnBrk="1" latinLnBrk="0" hangingPunct="1">
+        <a:defRPr sz="1800" kern="1200">
+          <a:solidFill>
+            <a:schemeClr val="tx1"/>
+          </a:solidFill>
+          <a:latin typeface="+mn-lt"/>
+          <a:ea typeface="+mn-ea"/>
+          <a:cs typeface="+mn-cs"/>
+        </a:defRPr>
+      </a:lvl8pPr>
+      <a:lvl9pPr marL="3657600" algn="l" defTabSz="914400" rtl="0" eaLnBrk="1" latinLnBrk="0" hangingPunct="1">
+        <a:defRPr sz="1800" kern="1200">
+          <a:solidFill>
+            <a:schemeClr val="tx1"/>
+          </a:solidFill>
+          <a:latin typeface="+mn-lt"/>
+          <a:ea typeface="+mn-ea"/>
+          <a:cs typeface="+mn-cs"/>
+        </a:defRPr>
+      </a:lvl9pPr>
+    </p:otherStyle>
+  </p:txStyles>
 </p:sldMaster>
 </file>
 
 <file path=ppt/slides/slide1.xml><?xml version="1.0" encoding="utf-8"?>
-<p:sld xmlns:a="http://schemas.openxmlformats.org/drawingml/2006/main" xmlns:p="http://schemas.openxmlformats.org/presentationml/2006/main" xmlns:r="http://schemas.openxmlformats.org/officeDocument/2006/relationships" xmlns:p14="http://schemas.microsoft.com/office/powerpoint/2010/main" xmlns:p15="http://schemas.microsoft.com/office/powerpoint/2012/main" xmlns:mc="http://schemas.openxmlformats.org/markup-compatibility/2006">
+<p:sld xmlns:a="http://schemas.openxmlformats.org/drawingml/2006/main" xmlns:r="http://schemas.openxmlformats.org/officeDocument/2006/relationships" xmlns:p="http://schemas.openxmlformats.org/presentationml/2006/main">
   <p:cSld>
     <p:spTree>
       <p:nvGrpSpPr>
@@ -4379,25 +6948,32 @@
           </a:ln>
         </p:spPr>
         <p:style>
-          <a:lnRef idx="0"/>
-          <a:fillRef idx="0"/>
-          <a:effectRef idx="0"/>
+          <a:lnRef idx="0">
+            <a:scrgbClr r="0" g="0" b="0"/>
+          </a:lnRef>
+          <a:fillRef idx="0">
+            <a:scrgbClr r="0" g="0" b="0"/>
+          </a:fillRef>
+          <a:effectRef idx="0">
+            <a:scrgbClr r="0" g="0" b="0"/>
+          </a:effectRef>
           <a:fontRef idx="minor"/>
         </p:style>
         <p:txBody>
-          <a:bodyPr lIns="90000" rIns="90000" tIns="22320" bIns="22320" anchor="ctr">
+          <a:bodyPr lIns="90000" tIns="22320" rIns="90000" bIns="22320" anchor="ctr">
             <a:noAutofit/>
           </a:bodyPr>
+          <a:lstStyle/>
           <a:p>
             <a:pPr algn="ctr">
               <a:lnSpc>
                 <a:spcPct val="100000"/>
               </a:lnSpc>
               <a:tabLst>
-                <a:tab algn="l" pos="0"/>
+                <a:tab pos="0" algn="l"/>
               </a:tabLst>
             </a:pPr>
-            <a:endParaRPr b="1" lang="es-MX" sz="3200" strike="noStrike" u="none">
+            <a:endParaRPr lang="es-MX" sz="3200" b="1" u="none" strike="noStrike">
               <a:solidFill>
                 <a:srgbClr val="003765"/>
               </a:solidFill>
@@ -4428,26 +7004,33 @@
           </a:ln>
         </p:spPr>
         <p:style>
-          <a:lnRef idx="0"/>
-          <a:fillRef idx="0"/>
-          <a:effectRef idx="0"/>
+          <a:lnRef idx="0">
+            <a:scrgbClr r="0" g="0" b="0"/>
+          </a:lnRef>
+          <a:fillRef idx="0">
+            <a:scrgbClr r="0" g="0" b="0"/>
+          </a:fillRef>
+          <a:effectRef idx="0">
+            <a:scrgbClr r="0" g="0" b="0"/>
+          </a:effectRef>
           <a:fontRef idx="minor"/>
         </p:style>
         <p:txBody>
-          <a:bodyPr lIns="90000" rIns="90000" tIns="45000" bIns="45000" anchor="t">
-            <a:normAutofit fontScale="32500" lnSpcReduction="19999"/>
+          <a:bodyPr lIns="90000" tIns="45000" rIns="90000" bIns="45000" anchor="t">
+            <a:normAutofit fontScale="32500" lnSpcReduction="20000"/>
           </a:bodyPr>
+          <a:lstStyle/>
           <a:p>
             <a:pPr algn="ctr">
               <a:lnSpc>
                 <a:spcPct val="100000"/>
               </a:lnSpc>
               <a:tabLst>
-                <a:tab algn="l" pos="0"/>
+                <a:tab pos="0" algn="l"/>
               </a:tabLst>
             </a:pPr>
             <a:r>
-              <a:rPr b="1" lang="es-MX" sz="11400" strike="noStrike" u="none">
+              <a:rPr lang="es-MX" sz="11400" b="1" u="none" strike="noStrike" dirty="0">
                 <a:solidFill>
                   <a:srgbClr val="002060"/>
                 </a:solidFill>
@@ -4457,7 +7040,7 @@
               </a:rPr>
               <a:t>Delitos Contra la Intimidad Sexual</a:t>
             </a:r>
-            <a:endParaRPr b="0" lang="es-MX" sz="11400" strike="noStrike" u="none">
+            <a:endParaRPr lang="es-MX" sz="11400" b="0" u="none" strike="noStrike" dirty="0">
               <a:solidFill>
                 <a:srgbClr val="000000"/>
               </a:solidFill>
@@ -4471,11 +7054,11 @@
                 <a:spcPct val="100000"/>
               </a:lnSpc>
               <a:tabLst>
-                <a:tab algn="l" pos="0"/>
+                <a:tab pos="0" algn="l"/>
               </a:tabLst>
             </a:pPr>
             <a:r>
-              <a:rPr b="1" lang="es-ES" sz="8600" strike="noStrike" u="none">
+              <a:rPr lang="es-ES" sz="8600" b="1" u="none" strike="noStrike" dirty="0">
                 <a:solidFill>
                   <a:srgbClr val="002060"/>
                 </a:solidFill>
@@ -4483,9 +7066,9 @@
                 <a:latin typeface="Arial"/>
                 <a:ea typeface="Arial"/>
               </a:rPr>
-              <a:t>Actualización al 21 de noviembre de 2024</a:t>
+              <a:t>Actualización al 23 de enero de 2025</a:t>
             </a:r>
-            <a:endParaRPr b="0" lang="es-MX" sz="8600" strike="noStrike" u="none">
+            <a:endParaRPr lang="es-MX" sz="8600" b="0" u="none" strike="noStrike" dirty="0">
               <a:solidFill>
                 <a:srgbClr val="000000"/>
               </a:solidFill>
@@ -4515,26 +7098,33 @@
           </a:ln>
         </p:spPr>
         <p:style>
-          <a:lnRef idx="0"/>
-          <a:fillRef idx="0"/>
-          <a:effectRef idx="0"/>
+          <a:lnRef idx="0">
+            <a:scrgbClr r="0" g="0" b="0"/>
+          </a:lnRef>
+          <a:fillRef idx="0">
+            <a:scrgbClr r="0" g="0" b="0"/>
+          </a:fillRef>
+          <a:effectRef idx="0">
+            <a:scrgbClr r="0" g="0" b="0"/>
+          </a:effectRef>
           <a:fontRef idx="minor"/>
         </p:style>
         <p:txBody>
-          <a:bodyPr lIns="90000" rIns="90000" tIns="45000" bIns="45000" anchor="t">
+          <a:bodyPr lIns="90000" tIns="45000" rIns="90000" bIns="45000" anchor="t">
             <a:noAutofit/>
           </a:bodyPr>
+          <a:lstStyle/>
           <a:p>
             <a:pPr algn="ctr">
               <a:lnSpc>
                 <a:spcPct val="100000"/>
               </a:lnSpc>
               <a:tabLst>
-                <a:tab algn="l" pos="0"/>
+                <a:tab pos="0" algn="l"/>
               </a:tabLst>
             </a:pPr>
             <a:r>
-              <a:rPr b="0" lang="es-ES" sz="2400" strike="noStrike" u="none">
+              <a:rPr lang="es-ES" sz="2400" b="0" u="none" strike="noStrike">
                 <a:solidFill>
                   <a:srgbClr val="002060"/>
                 </a:solidFill>
@@ -4544,7 +7134,7 @@
               </a:rPr>
               <a:t>Coordinación General de Investigación de Delitos de Género y Atención a Víctimas</a:t>
             </a:r>
-            <a:endParaRPr b="0" lang="es-MX" sz="2400" strike="noStrike" u="none">
+            <a:endParaRPr lang="es-MX" sz="2400" b="0" u="none" strike="noStrike">
               <a:solidFill>
                 <a:srgbClr val="000000"/>
               </a:solidFill>
@@ -4556,66 +7146,61 @@
       </p:sp>
     </p:spTree>
   </p:cSld>
-  <mc:AlternateContent>
-    <mc:Choice Requires="p14">
-      <p:transition spd="slow" p14:dur="2000"/>
-    </mc:Choice>
-    <mc:Fallback>
-      <p:transition spd="slow"/>
-    </mc:Fallback>
-  </mc:AlternateContent>
+  <p:clrMapOvr>
+    <a:masterClrMapping/>
+  </p:clrMapOvr>
 </p:sld>
 </file>
 
 <file path=ppt/theme/theme1.xml><?xml version="1.0" encoding="utf-8"?>
-<a:theme xmlns:a="http://schemas.openxmlformats.org/drawingml/2006/main" xmlns:r="http://schemas.openxmlformats.org/officeDocument/2006/relationships" name="Tema de Office">
+<a:theme xmlns:a="http://schemas.openxmlformats.org/drawingml/2006/main" name="Tema de Office">
   <a:themeElements>
     <a:clrScheme name="Office">
       <a:dk1>
         <a:srgbClr val="000000"/>
       </a:dk1>
       <a:lt1>
-        <a:srgbClr val="ffffff"/>
+        <a:srgbClr val="FFFFFF"/>
       </a:lt1>
       <a:dk2>
-        <a:srgbClr val="44546a"/>
+        <a:srgbClr val="44546A"/>
       </a:dk2>
       <a:lt2>
-        <a:srgbClr val="e7e6e6"/>
+        <a:srgbClr val="E7E6E6"/>
       </a:lt2>
       <a:accent1>
-        <a:srgbClr val="5b9bd5"/>
+        <a:srgbClr val="5B9BD5"/>
       </a:accent1>
       <a:accent2>
-        <a:srgbClr val="ed7d31"/>
+        <a:srgbClr val="ED7D31"/>
       </a:accent2>
       <a:accent3>
-        <a:srgbClr val="a5a5a5"/>
+        <a:srgbClr val="A5A5A5"/>
       </a:accent3>
       <a:accent4>
-        <a:srgbClr val="ffc000"/>
+        <a:srgbClr val="FFC000"/>
       </a:accent4>
       <a:accent5>
-        <a:srgbClr val="4472c4"/>
+        <a:srgbClr val="4472C4"/>
       </a:accent5>
       <a:accent6>
-        <a:srgbClr val="70ad47"/>
+        <a:srgbClr val="70AD47"/>
       </a:accent6>
       <a:hlink>
-        <a:srgbClr val="0563c1"/>
+        <a:srgbClr val="0563C1"/>
       </a:hlink>
       <a:folHlink>
-        <a:srgbClr val="954f72"/>
+        <a:srgbClr val="954F72"/>
       </a:folHlink>
     </a:clrScheme>
     <a:fontScheme name="Office">
       <a:majorFont>
-        <a:latin typeface="Arial" pitchFamily="0" charset="1"/>
+        <a:latin typeface="Arial"/>
         <a:ea typeface=""/>
         <a:cs typeface=""/>
       </a:majorFont>
       <a:minorFont>
-        <a:latin typeface="Arial" pitchFamily="0" charset="1"/>
+        <a:latin typeface="Arial"/>
         <a:ea typeface=""/>
         <a:cs typeface=""/>
       </a:minorFont>
@@ -4644,7 +7229,7 @@
             </a:gs>
           </a:gsLst>
           <a:lin ang="16200000" scaled="1"/>
-          <a:tileRect l="0" t="0" r="0" b="0"/>
+          <a:tileRect/>
         </a:gradFill>
         <a:gradFill>
           <a:gsLst>
@@ -4662,7 +7247,7 @@
             </a:gs>
           </a:gsLst>
           <a:lin ang="16200000" scaled="0"/>
-          <a:tileRect l="0" t="0" r="0" b="0"/>
+          <a:tileRect/>
         </a:gradFill>
       </a:fillStyleLst>
       <a:lnStyleLst>
@@ -4713,7 +7298,7 @@
           <a:path path="circle">
             <a:fillToRect l="50000" t="-80000" r="50000" b="180000"/>
           </a:path>
-          <a:tileRect l="0" t="0" r="0" b="0"/>
+          <a:tileRect/>
         </a:gradFill>
         <a:gradFill>
           <a:gsLst>
@@ -4731,63 +7316,65 @@
           <a:path path="circle">
             <a:fillToRect l="50000" t="50000" r="50000" b="50000"/>
           </a:path>
-          <a:tileRect l="0" t="0" r="0" b="0"/>
+          <a:tileRect/>
         </a:gradFill>
       </a:bgFillStyleLst>
     </a:fmtScheme>
   </a:themeElements>
+  <a:objectDefaults/>
+  <a:extraClrSchemeLst/>
 </a:theme>
 </file>
 
 <file path=ppt/theme/theme2.xml><?xml version="1.0" encoding="utf-8"?>
-<a:theme xmlns:a="http://schemas.openxmlformats.org/drawingml/2006/main" xmlns:r="http://schemas.openxmlformats.org/officeDocument/2006/relationships" name="Tema de Office">
+<a:theme xmlns:a="http://schemas.openxmlformats.org/drawingml/2006/main" name="Tema de Office">
   <a:themeElements>
     <a:clrScheme name="Office">
       <a:dk1>
         <a:srgbClr val="000000"/>
       </a:dk1>
       <a:lt1>
-        <a:srgbClr val="ffffff"/>
+        <a:srgbClr val="FFFFFF"/>
       </a:lt1>
       <a:dk2>
-        <a:srgbClr val="44546a"/>
+        <a:srgbClr val="44546A"/>
       </a:dk2>
       <a:lt2>
-        <a:srgbClr val="e7e6e6"/>
+        <a:srgbClr val="E7E6E6"/>
       </a:lt2>
       <a:accent1>
-        <a:srgbClr val="5b9bd5"/>
+        <a:srgbClr val="5B9BD5"/>
       </a:accent1>
       <a:accent2>
-        <a:srgbClr val="ed7d31"/>
+        <a:srgbClr val="ED7D31"/>
       </a:accent2>
       <a:accent3>
-        <a:srgbClr val="a5a5a5"/>
+        <a:srgbClr val="A5A5A5"/>
       </a:accent3>
       <a:accent4>
-        <a:srgbClr val="ffc000"/>
+        <a:srgbClr val="FFC000"/>
       </a:accent4>
       <a:accent5>
-        <a:srgbClr val="4472c4"/>
+        <a:srgbClr val="4472C4"/>
       </a:accent5>
       <a:accent6>
-        <a:srgbClr val="70ad47"/>
+        <a:srgbClr val="70AD47"/>
       </a:accent6>
       <a:hlink>
-        <a:srgbClr val="0563c1"/>
+        <a:srgbClr val="0563C1"/>
       </a:hlink>
       <a:folHlink>
-        <a:srgbClr val="954f72"/>
+        <a:srgbClr val="954F72"/>
       </a:folHlink>
     </a:clrScheme>
     <a:fontScheme name="Office">
       <a:majorFont>
-        <a:latin typeface="Arial" pitchFamily="0" charset="1"/>
+        <a:latin typeface="Arial"/>
         <a:ea typeface=""/>
         <a:cs typeface=""/>
       </a:majorFont>
       <a:minorFont>
-        <a:latin typeface="Arial" pitchFamily="0" charset="1"/>
+        <a:latin typeface="Arial"/>
         <a:ea typeface=""/>
         <a:cs typeface=""/>
       </a:minorFont>
@@ -4816,7 +7403,7 @@
             </a:gs>
           </a:gsLst>
           <a:lin ang="16200000" scaled="1"/>
-          <a:tileRect l="0" t="0" r="0" b="0"/>
+          <a:tileRect/>
         </a:gradFill>
         <a:gradFill>
           <a:gsLst>
@@ -4834,7 +7421,7 @@
             </a:gs>
           </a:gsLst>
           <a:lin ang="16200000" scaled="0"/>
-          <a:tileRect l="0" t="0" r="0" b="0"/>
+          <a:tileRect/>
         </a:gradFill>
       </a:fillStyleLst>
       <a:lnStyleLst>
@@ -4885,7 +7472,7 @@
           <a:path path="circle">
             <a:fillToRect l="50000" t="-80000" r="50000" b="180000"/>
           </a:path>
-          <a:tileRect l="0" t="0" r="0" b="0"/>
+          <a:tileRect/>
         </a:gradFill>
         <a:gradFill>
           <a:gsLst>
@@ -4903,63 +7490,65 @@
           <a:path path="circle">
             <a:fillToRect l="50000" t="50000" r="50000" b="50000"/>
           </a:path>
-          <a:tileRect l="0" t="0" r="0" b="0"/>
+          <a:tileRect/>
         </a:gradFill>
       </a:bgFillStyleLst>
     </a:fmtScheme>
   </a:themeElements>
+  <a:objectDefaults/>
+  <a:extraClrSchemeLst/>
 </a:theme>
 </file>
 
 <file path=ppt/theme/theme3.xml><?xml version="1.0" encoding="utf-8"?>
-<a:theme xmlns:a="http://schemas.openxmlformats.org/drawingml/2006/main" xmlns:r="http://schemas.openxmlformats.org/officeDocument/2006/relationships" name="Tema de Office">
+<a:theme xmlns:a="http://schemas.openxmlformats.org/drawingml/2006/main" name="Tema de Office">
   <a:themeElements>
     <a:clrScheme name="Office">
       <a:dk1>
         <a:srgbClr val="000000"/>
       </a:dk1>
       <a:lt1>
-        <a:srgbClr val="ffffff"/>
+        <a:srgbClr val="FFFFFF"/>
       </a:lt1>
       <a:dk2>
-        <a:srgbClr val="44546a"/>
+        <a:srgbClr val="44546A"/>
       </a:dk2>
       <a:lt2>
-        <a:srgbClr val="e7e6e6"/>
+        <a:srgbClr val="E7E6E6"/>
       </a:lt2>
       <a:accent1>
-        <a:srgbClr val="5b9bd5"/>
+        <a:srgbClr val="5B9BD5"/>
       </a:accent1>
       <a:accent2>
-        <a:srgbClr val="ed7d31"/>
+        <a:srgbClr val="ED7D31"/>
       </a:accent2>
       <a:accent3>
-        <a:srgbClr val="a5a5a5"/>
+        <a:srgbClr val="A5A5A5"/>
       </a:accent3>
       <a:accent4>
-        <a:srgbClr val="ffc000"/>
+        <a:srgbClr val="FFC000"/>
       </a:accent4>
       <a:accent5>
-        <a:srgbClr val="4472c4"/>
+        <a:srgbClr val="4472C4"/>
       </a:accent5>
       <a:accent6>
-        <a:srgbClr val="70ad47"/>
+        <a:srgbClr val="70AD47"/>
       </a:accent6>
       <a:hlink>
-        <a:srgbClr val="0563c1"/>
+        <a:srgbClr val="0563C1"/>
       </a:hlink>
       <a:folHlink>
-        <a:srgbClr val="954f72"/>
+        <a:srgbClr val="954F72"/>
       </a:folHlink>
     </a:clrScheme>
     <a:fontScheme name="Office">
       <a:majorFont>
-        <a:latin typeface="Arial" pitchFamily="0" charset="1"/>
+        <a:latin typeface="Arial"/>
         <a:ea typeface=""/>
         <a:cs typeface=""/>
       </a:majorFont>
       <a:minorFont>
-        <a:latin typeface="Arial" pitchFamily="0" charset="1"/>
+        <a:latin typeface="Arial"/>
         <a:ea typeface=""/>
         <a:cs typeface=""/>
       </a:minorFont>
@@ -4988,7 +7577,7 @@
             </a:gs>
           </a:gsLst>
           <a:lin ang="16200000" scaled="1"/>
-          <a:tileRect l="0" t="0" r="0" b="0"/>
+          <a:tileRect/>
         </a:gradFill>
         <a:gradFill>
           <a:gsLst>
@@ -5006,7 +7595,7 @@
             </a:gs>
           </a:gsLst>
           <a:lin ang="16200000" scaled="0"/>
-          <a:tileRect l="0" t="0" r="0" b="0"/>
+          <a:tileRect/>
         </a:gradFill>
       </a:fillStyleLst>
       <a:lnStyleLst>
@@ -5057,7 +7646,7 @@
           <a:path path="circle">
             <a:fillToRect l="50000" t="-80000" r="50000" b="180000"/>
           </a:path>
-          <a:tileRect l="0" t="0" r="0" b="0"/>
+          <a:tileRect/>
         </a:gradFill>
         <a:gradFill>
           <a:gsLst>
@@ -5075,63 +7664,65 @@
           <a:path path="circle">
             <a:fillToRect l="50000" t="50000" r="50000" b="50000"/>
           </a:path>
-          <a:tileRect l="0" t="0" r="0" b="0"/>
+          <a:tileRect/>
         </a:gradFill>
       </a:bgFillStyleLst>
     </a:fmtScheme>
   </a:themeElements>
+  <a:objectDefaults/>
+  <a:extraClrSchemeLst/>
 </a:theme>
 </file>
 
 <file path=ppt/theme/theme4.xml><?xml version="1.0" encoding="utf-8"?>
-<a:theme xmlns:a="http://schemas.openxmlformats.org/drawingml/2006/main" xmlns:r="http://schemas.openxmlformats.org/officeDocument/2006/relationships" name="Tema de Office">
+<a:theme xmlns:a="http://schemas.openxmlformats.org/drawingml/2006/main" name="Tema de Office">
   <a:themeElements>
     <a:clrScheme name="Office">
       <a:dk1>
         <a:srgbClr val="000000"/>
       </a:dk1>
       <a:lt1>
-        <a:srgbClr val="ffffff"/>
+        <a:srgbClr val="FFFFFF"/>
       </a:lt1>
       <a:dk2>
-        <a:srgbClr val="44546a"/>
+        <a:srgbClr val="44546A"/>
       </a:dk2>
       <a:lt2>
-        <a:srgbClr val="e7e6e6"/>
+        <a:srgbClr val="E7E6E6"/>
       </a:lt2>
       <a:accent1>
-        <a:srgbClr val="5b9bd5"/>
+        <a:srgbClr val="5B9BD5"/>
       </a:accent1>
       <a:accent2>
-        <a:srgbClr val="ed7d31"/>
+        <a:srgbClr val="ED7D31"/>
       </a:accent2>
       <a:accent3>
-        <a:srgbClr val="a5a5a5"/>
+        <a:srgbClr val="A5A5A5"/>
       </a:accent3>
       <a:accent4>
-        <a:srgbClr val="ffc000"/>
+        <a:srgbClr val="FFC000"/>
       </a:accent4>
       <a:accent5>
-        <a:srgbClr val="4472c4"/>
+        <a:srgbClr val="4472C4"/>
       </a:accent5>
       <a:accent6>
-        <a:srgbClr val="70ad47"/>
+        <a:srgbClr val="70AD47"/>
       </a:accent6>
       <a:hlink>
-        <a:srgbClr val="0563c1"/>
+        <a:srgbClr val="0563C1"/>
       </a:hlink>
       <a:folHlink>
-        <a:srgbClr val="954f72"/>
+        <a:srgbClr val="954F72"/>
       </a:folHlink>
     </a:clrScheme>
     <a:fontScheme name="Office">
       <a:majorFont>
-        <a:latin typeface="Arial" pitchFamily="0" charset="1"/>
+        <a:latin typeface="Arial"/>
         <a:ea typeface=""/>
         <a:cs typeface=""/>
       </a:majorFont>
       <a:minorFont>
-        <a:latin typeface="Arial" pitchFamily="0" charset="1"/>
+        <a:latin typeface="Arial"/>
         <a:ea typeface=""/>
         <a:cs typeface=""/>
       </a:minorFont>
@@ -5160,7 +7751,7 @@
             </a:gs>
           </a:gsLst>
           <a:lin ang="16200000" scaled="1"/>
-          <a:tileRect l="0" t="0" r="0" b="0"/>
+          <a:tileRect/>
         </a:gradFill>
         <a:gradFill>
           <a:gsLst>
@@ -5178,7 +7769,7 @@
             </a:gs>
           </a:gsLst>
           <a:lin ang="16200000" scaled="0"/>
-          <a:tileRect l="0" t="0" r="0" b="0"/>
+          <a:tileRect/>
         </a:gradFill>
       </a:fillStyleLst>
       <a:lnStyleLst>
@@ -5229,7 +7820,7 @@
           <a:path path="circle">
             <a:fillToRect l="50000" t="-80000" r="50000" b="180000"/>
           </a:path>
-          <a:tileRect l="0" t="0" r="0" b="0"/>
+          <a:tileRect/>
         </a:gradFill>
         <a:gradFill>
           <a:gsLst>
@@ -5247,63 +7838,65 @@
           <a:path path="circle">
             <a:fillToRect l="50000" t="50000" r="50000" b="50000"/>
           </a:path>
-          <a:tileRect l="0" t="0" r="0" b="0"/>
+          <a:tileRect/>
         </a:gradFill>
       </a:bgFillStyleLst>
     </a:fmtScheme>
   </a:themeElements>
+  <a:objectDefaults/>
+  <a:extraClrSchemeLst/>
 </a:theme>
 </file>
 
 <file path=ppt/theme/theme5.xml><?xml version="1.0" encoding="utf-8"?>
-<a:theme xmlns:a="http://schemas.openxmlformats.org/drawingml/2006/main" xmlns:r="http://schemas.openxmlformats.org/officeDocument/2006/relationships" name="Tema de Office">
+<a:theme xmlns:a="http://schemas.openxmlformats.org/drawingml/2006/main" name="Tema de Office">
   <a:themeElements>
     <a:clrScheme name="Office">
       <a:dk1>
         <a:srgbClr val="000000"/>
       </a:dk1>
       <a:lt1>
-        <a:srgbClr val="ffffff"/>
+        <a:srgbClr val="FFFFFF"/>
       </a:lt1>
       <a:dk2>
-        <a:srgbClr val="44546a"/>
+        <a:srgbClr val="44546A"/>
       </a:dk2>
       <a:lt2>
-        <a:srgbClr val="e7e6e6"/>
+        <a:srgbClr val="E7E6E6"/>
       </a:lt2>
       <a:accent1>
-        <a:srgbClr val="5b9bd5"/>
+        <a:srgbClr val="5B9BD5"/>
       </a:accent1>
       <a:accent2>
-        <a:srgbClr val="ed7d31"/>
+        <a:srgbClr val="ED7D31"/>
       </a:accent2>
       <a:accent3>
-        <a:srgbClr val="a5a5a5"/>
+        <a:srgbClr val="A5A5A5"/>
       </a:accent3>
       <a:accent4>
-        <a:srgbClr val="ffc000"/>
+        <a:srgbClr val="FFC000"/>
       </a:accent4>
       <a:accent5>
-        <a:srgbClr val="4472c4"/>
+        <a:srgbClr val="4472C4"/>
       </a:accent5>
       <a:accent6>
-        <a:srgbClr val="70ad47"/>
+        <a:srgbClr val="70AD47"/>
       </a:accent6>
       <a:hlink>
-        <a:srgbClr val="0563c1"/>
+        <a:srgbClr val="0563C1"/>
       </a:hlink>
       <a:folHlink>
-        <a:srgbClr val="954f72"/>
+        <a:srgbClr val="954F72"/>
       </a:folHlink>
     </a:clrScheme>
     <a:fontScheme name="Office">
       <a:majorFont>
-        <a:latin typeface="Arial" pitchFamily="0" charset="1"/>
+        <a:latin typeface="Arial"/>
         <a:ea typeface=""/>
         <a:cs typeface=""/>
       </a:majorFont>
       <a:minorFont>
-        <a:latin typeface="Arial" pitchFamily="0" charset="1"/>
+        <a:latin typeface="Arial"/>
         <a:ea typeface=""/>
         <a:cs typeface=""/>
       </a:minorFont>
@@ -5332,7 +7925,7 @@
             </a:gs>
           </a:gsLst>
           <a:lin ang="16200000" scaled="1"/>
-          <a:tileRect l="0" t="0" r="0" b="0"/>
+          <a:tileRect/>
         </a:gradFill>
         <a:gradFill>
           <a:gsLst>
@@ -5350,7 +7943,7 @@
             </a:gs>
           </a:gsLst>
           <a:lin ang="16200000" scaled="0"/>
-          <a:tileRect l="0" t="0" r="0" b="0"/>
+          <a:tileRect/>
         </a:gradFill>
       </a:fillStyleLst>
       <a:lnStyleLst>
@@ -5401,7 +7994,7 @@
           <a:path path="circle">
             <a:fillToRect l="50000" t="-80000" r="50000" b="180000"/>
           </a:path>
-          <a:tileRect l="0" t="0" r="0" b="0"/>
+          <a:tileRect/>
         </a:gradFill>
         <a:gradFill>
           <a:gsLst>
@@ -5419,63 +8012,65 @@
           <a:path path="circle">
             <a:fillToRect l="50000" t="50000" r="50000" b="50000"/>
           </a:path>
-          <a:tileRect l="0" t="0" r="0" b="0"/>
+          <a:tileRect/>
         </a:gradFill>
       </a:bgFillStyleLst>
     </a:fmtScheme>
   </a:themeElements>
+  <a:objectDefaults/>
+  <a:extraClrSchemeLst/>
 </a:theme>
 </file>
 
 <file path=ppt/theme/theme6.xml><?xml version="1.0" encoding="utf-8"?>
-<a:theme xmlns:a="http://schemas.openxmlformats.org/drawingml/2006/main" xmlns:r="http://schemas.openxmlformats.org/officeDocument/2006/relationships" name="Tema de Office">
+<a:theme xmlns:a="http://schemas.openxmlformats.org/drawingml/2006/main" name="Tema de Office">
   <a:themeElements>
     <a:clrScheme name="Office">
       <a:dk1>
         <a:srgbClr val="000000"/>
       </a:dk1>
       <a:lt1>
-        <a:srgbClr val="ffffff"/>
+        <a:srgbClr val="FFFFFF"/>
       </a:lt1>
       <a:dk2>
-        <a:srgbClr val="44546a"/>
+        <a:srgbClr val="44546A"/>
       </a:dk2>
       <a:lt2>
-        <a:srgbClr val="e7e6e6"/>
+        <a:srgbClr val="E7E6E6"/>
       </a:lt2>
       <a:accent1>
-        <a:srgbClr val="5b9bd5"/>
+        <a:srgbClr val="5B9BD5"/>
       </a:accent1>
       <a:accent2>
-        <a:srgbClr val="ed7d31"/>
+        <a:srgbClr val="ED7D31"/>
       </a:accent2>
       <a:accent3>
-        <a:srgbClr val="a5a5a5"/>
+        <a:srgbClr val="A5A5A5"/>
       </a:accent3>
       <a:accent4>
-        <a:srgbClr val="ffc000"/>
+        <a:srgbClr val="FFC000"/>
       </a:accent4>
       <a:accent5>
-        <a:srgbClr val="4472c4"/>
+        <a:srgbClr val="4472C4"/>
       </a:accent5>
       <a:accent6>
-        <a:srgbClr val="70ad47"/>
+        <a:srgbClr val="70AD47"/>
       </a:accent6>
       <a:hlink>
-        <a:srgbClr val="0563c1"/>
+        <a:srgbClr val="0563C1"/>
       </a:hlink>
       <a:folHlink>
-        <a:srgbClr val="954f72"/>
+        <a:srgbClr val="954F72"/>
       </a:folHlink>
     </a:clrScheme>
     <a:fontScheme name="Office">
       <a:majorFont>
-        <a:latin typeface="Arial" pitchFamily="0" charset="1"/>
+        <a:latin typeface="Arial"/>
         <a:ea typeface=""/>
         <a:cs typeface=""/>
       </a:majorFont>
       <a:minorFont>
-        <a:latin typeface="Arial" pitchFamily="0" charset="1"/>
+        <a:latin typeface="Arial"/>
         <a:ea typeface=""/>
         <a:cs typeface=""/>
       </a:minorFont>
@@ -5504,7 +8099,7 @@
             </a:gs>
           </a:gsLst>
           <a:lin ang="16200000" scaled="1"/>
-          <a:tileRect l="0" t="0" r="0" b="0"/>
+          <a:tileRect/>
         </a:gradFill>
         <a:gradFill>
           <a:gsLst>
@@ -5522,7 +8117,7 @@
             </a:gs>
           </a:gsLst>
           <a:lin ang="16200000" scaled="0"/>
-          <a:tileRect l="0" t="0" r="0" b="0"/>
+          <a:tileRect/>
         </a:gradFill>
       </a:fillStyleLst>
       <a:lnStyleLst>
@@ -5573,7 +8168,7 @@
           <a:path path="circle">
             <a:fillToRect l="50000" t="-80000" r="50000" b="180000"/>
           </a:path>
-          <a:tileRect l="0" t="0" r="0" b="0"/>
+          <a:tileRect/>
         </a:gradFill>
         <a:gradFill>
           <a:gsLst>
@@ -5591,63 +8186,65 @@
           <a:path path="circle">
             <a:fillToRect l="50000" t="50000" r="50000" b="50000"/>
           </a:path>
-          <a:tileRect l="0" t="0" r="0" b="0"/>
+          <a:tileRect/>
         </a:gradFill>
       </a:bgFillStyleLst>
     </a:fmtScheme>
   </a:themeElements>
+  <a:objectDefaults/>
+  <a:extraClrSchemeLst/>
 </a:theme>
 </file>
 
 <file path=ppt/theme/theme7.xml><?xml version="1.0" encoding="utf-8"?>
-<a:theme xmlns:a="http://schemas.openxmlformats.org/drawingml/2006/main" xmlns:r="http://schemas.openxmlformats.org/officeDocument/2006/relationships" name="Tema de Office">
+<a:theme xmlns:a="http://schemas.openxmlformats.org/drawingml/2006/main" name="Tema de Office">
   <a:themeElements>
     <a:clrScheme name="Office">
       <a:dk1>
         <a:srgbClr val="000000"/>
       </a:dk1>
       <a:lt1>
-        <a:srgbClr val="ffffff"/>
+        <a:srgbClr val="FFFFFF"/>
       </a:lt1>
       <a:dk2>
-        <a:srgbClr val="44546a"/>
+        <a:srgbClr val="44546A"/>
       </a:dk2>
       <a:lt2>
-        <a:srgbClr val="e7e6e6"/>
+        <a:srgbClr val="E7E6E6"/>
       </a:lt2>
       <a:accent1>
-        <a:srgbClr val="5b9bd5"/>
+        <a:srgbClr val="5B9BD5"/>
       </a:accent1>
       <a:accent2>
-        <a:srgbClr val="ed7d31"/>
+        <a:srgbClr val="ED7D31"/>
       </a:accent2>
       <a:accent3>
-        <a:srgbClr val="a5a5a5"/>
+        <a:srgbClr val="A5A5A5"/>
       </a:accent3>
       <a:accent4>
-        <a:srgbClr val="ffc000"/>
+        <a:srgbClr val="FFC000"/>
       </a:accent4>
       <a:accent5>
-        <a:srgbClr val="4472c4"/>
+        <a:srgbClr val="4472C4"/>
       </a:accent5>
       <a:accent6>
-        <a:srgbClr val="70ad47"/>
+        <a:srgbClr val="70AD47"/>
       </a:accent6>
       <a:hlink>
-        <a:srgbClr val="0563c1"/>
+        <a:srgbClr val="0563C1"/>
       </a:hlink>
       <a:folHlink>
-        <a:srgbClr val="954f72"/>
+        <a:srgbClr val="954F72"/>
       </a:folHlink>
     </a:clrScheme>
     <a:fontScheme name="Office">
       <a:majorFont>
-        <a:latin typeface="Arial" pitchFamily="0" charset="1"/>
+        <a:latin typeface="Arial"/>
         <a:ea typeface=""/>
         <a:cs typeface=""/>
       </a:majorFont>
       <a:minorFont>
-        <a:latin typeface="Arial" pitchFamily="0" charset="1"/>
+        <a:latin typeface="Arial"/>
         <a:ea typeface=""/>
         <a:cs typeface=""/>
       </a:minorFont>
@@ -5676,7 +8273,7 @@
             </a:gs>
           </a:gsLst>
           <a:lin ang="16200000" scaled="1"/>
-          <a:tileRect l="0" t="0" r="0" b="0"/>
+          <a:tileRect/>
         </a:gradFill>
         <a:gradFill>
           <a:gsLst>
@@ -5694,7 +8291,7 @@
             </a:gs>
           </a:gsLst>
           <a:lin ang="16200000" scaled="0"/>
-          <a:tileRect l="0" t="0" r="0" b="0"/>
+          <a:tileRect/>
         </a:gradFill>
       </a:fillStyleLst>
       <a:lnStyleLst>
@@ -5745,7 +8342,7 @@
           <a:path path="circle">
             <a:fillToRect l="50000" t="-80000" r="50000" b="180000"/>
           </a:path>
-          <a:tileRect l="0" t="0" r="0" b="0"/>
+          <a:tileRect/>
         </a:gradFill>
         <a:gradFill>
           <a:gsLst>
@@ -5763,63 +8360,65 @@
           <a:path path="circle">
             <a:fillToRect l="50000" t="50000" r="50000" b="50000"/>
           </a:path>
-          <a:tileRect l="0" t="0" r="0" b="0"/>
+          <a:tileRect/>
         </a:gradFill>
       </a:bgFillStyleLst>
     </a:fmtScheme>
   </a:themeElements>
+  <a:objectDefaults/>
+  <a:extraClrSchemeLst/>
 </a:theme>
 </file>
 
 <file path=ppt/theme/theme8.xml><?xml version="1.0" encoding="utf-8"?>
-<a:theme xmlns:a="http://schemas.openxmlformats.org/drawingml/2006/main" xmlns:r="http://schemas.openxmlformats.org/officeDocument/2006/relationships" name="Tema de Office">
+<a:theme xmlns:a="http://schemas.openxmlformats.org/drawingml/2006/main" name="Tema de Office">
   <a:themeElements>
     <a:clrScheme name="Office">
       <a:dk1>
         <a:srgbClr val="000000"/>
       </a:dk1>
       <a:lt1>
-        <a:srgbClr val="ffffff"/>
+        <a:srgbClr val="FFFFFF"/>
       </a:lt1>
       <a:dk2>
-        <a:srgbClr val="44546a"/>
+        <a:srgbClr val="44546A"/>
       </a:dk2>
       <a:lt2>
-        <a:srgbClr val="e7e6e6"/>
+        <a:srgbClr val="E7E6E6"/>
       </a:lt2>
       <a:accent1>
-        <a:srgbClr val="5b9bd5"/>
+        <a:srgbClr val="5B9BD5"/>
       </a:accent1>
       <a:accent2>
-        <a:srgbClr val="ed7d31"/>
+        <a:srgbClr val="ED7D31"/>
       </a:accent2>
       <a:accent3>
-        <a:srgbClr val="a5a5a5"/>
+        <a:srgbClr val="A5A5A5"/>
       </a:accent3>
       <a:accent4>
-        <a:srgbClr val="ffc000"/>
+        <a:srgbClr val="FFC000"/>
       </a:accent4>
       <a:accent5>
-        <a:srgbClr val="4472c4"/>
+        <a:srgbClr val="4472C4"/>
       </a:accent5>
       <a:accent6>
-        <a:srgbClr val="70ad47"/>
+        <a:srgbClr val="70AD47"/>
       </a:accent6>
       <a:hlink>
-        <a:srgbClr val="0563c1"/>
+        <a:srgbClr val="0563C1"/>
       </a:hlink>
       <a:folHlink>
-        <a:srgbClr val="954f72"/>
+        <a:srgbClr val="954F72"/>
       </a:folHlink>
     </a:clrScheme>
     <a:fontScheme name="Office">
       <a:majorFont>
-        <a:latin typeface="Arial" pitchFamily="0" charset="1"/>
+        <a:latin typeface="Arial"/>
         <a:ea typeface=""/>
         <a:cs typeface=""/>
       </a:majorFont>
       <a:minorFont>
-        <a:latin typeface="Arial" pitchFamily="0" charset="1"/>
+        <a:latin typeface="Arial"/>
         <a:ea typeface=""/>
         <a:cs typeface=""/>
       </a:minorFont>
@@ -5848,7 +8447,7 @@
             </a:gs>
           </a:gsLst>
           <a:lin ang="16200000" scaled="1"/>
-          <a:tileRect l="0" t="0" r="0" b="0"/>
+          <a:tileRect/>
         </a:gradFill>
         <a:gradFill>
           <a:gsLst>
@@ -5866,7 +8465,7 @@
             </a:gs>
           </a:gsLst>
           <a:lin ang="16200000" scaled="0"/>
-          <a:tileRect l="0" t="0" r="0" b="0"/>
+          <a:tileRect/>
         </a:gradFill>
       </a:fillStyleLst>
       <a:lnStyleLst>
@@ -5917,7 +8516,7 @@
           <a:path path="circle">
             <a:fillToRect l="50000" t="-80000" r="50000" b="180000"/>
           </a:path>
-          <a:tileRect l="0" t="0" r="0" b="0"/>
+          <a:tileRect/>
         </a:gradFill>
         <a:gradFill>
           <a:gsLst>
@@ -5935,63 +8534,65 @@
           <a:path path="circle">
             <a:fillToRect l="50000" t="50000" r="50000" b="50000"/>
           </a:path>
-          <a:tileRect l="0" t="0" r="0" b="0"/>
+          <a:tileRect/>
         </a:gradFill>
       </a:bgFillStyleLst>
     </a:fmtScheme>
   </a:themeElements>
+  <a:objectDefaults/>
+  <a:extraClrSchemeLst/>
 </a:theme>
 </file>
 
 <file path=ppt/theme/theme9.xml><?xml version="1.0" encoding="utf-8"?>
-<a:theme xmlns:a="http://schemas.openxmlformats.org/drawingml/2006/main" xmlns:r="http://schemas.openxmlformats.org/officeDocument/2006/relationships" name="Tema de Office">
+<a:theme xmlns:a="http://schemas.openxmlformats.org/drawingml/2006/main" name="Tema de Office">
   <a:themeElements>
     <a:clrScheme name="Office">
       <a:dk1>
         <a:srgbClr val="000000"/>
       </a:dk1>
       <a:lt1>
-        <a:srgbClr val="ffffff"/>
+        <a:srgbClr val="FFFFFF"/>
       </a:lt1>
       <a:dk2>
-        <a:srgbClr val="44546a"/>
+        <a:srgbClr val="44546A"/>
       </a:dk2>
       <a:lt2>
-        <a:srgbClr val="e7e6e6"/>
+        <a:srgbClr val="E7E6E6"/>
       </a:lt2>
       <a:accent1>
-        <a:srgbClr val="5b9bd5"/>
+        <a:srgbClr val="5B9BD5"/>
       </a:accent1>
       <a:accent2>
-        <a:srgbClr val="ed7d31"/>
+        <a:srgbClr val="ED7D31"/>
       </a:accent2>
       <a:accent3>
-        <a:srgbClr val="a5a5a5"/>
+        <a:srgbClr val="A5A5A5"/>
       </a:accent3>
       <a:accent4>
-        <a:srgbClr val="ffc000"/>
+        <a:srgbClr val="FFC000"/>
       </a:accent4>
       <a:accent5>
-        <a:srgbClr val="4472c4"/>
+        <a:srgbClr val="4472C4"/>
       </a:accent5>
       <a:accent6>
-        <a:srgbClr val="70ad47"/>
+        <a:srgbClr val="70AD47"/>
       </a:accent6>
       <a:hlink>
-        <a:srgbClr val="0563c1"/>
+        <a:srgbClr val="0563C1"/>
       </a:hlink>
       <a:folHlink>
-        <a:srgbClr val="954f72"/>
+        <a:srgbClr val="954F72"/>
       </a:folHlink>
     </a:clrScheme>
     <a:fontScheme name="Office">
       <a:majorFont>
-        <a:latin typeface="Arial" pitchFamily="0" charset="1"/>
+        <a:latin typeface="Arial"/>
         <a:ea typeface=""/>
         <a:cs typeface=""/>
       </a:majorFont>
       <a:minorFont>
-        <a:latin typeface="Arial" pitchFamily="0" charset="1"/>
+        <a:latin typeface="Arial"/>
         <a:ea typeface=""/>
         <a:cs typeface=""/>
       </a:minorFont>
@@ -6020,7 +8621,7 @@
             </a:gs>
           </a:gsLst>
           <a:lin ang="16200000" scaled="1"/>
-          <a:tileRect l="0" t="0" r="0" b="0"/>
+          <a:tileRect/>
         </a:gradFill>
         <a:gradFill>
           <a:gsLst>
@@ -6038,7 +8639,7 @@
             </a:gs>
           </a:gsLst>
           <a:lin ang="16200000" scaled="0"/>
-          <a:tileRect l="0" t="0" r="0" b="0"/>
+          <a:tileRect/>
         </a:gradFill>
       </a:fillStyleLst>
       <a:lnStyleLst>
@@ -6089,7 +8690,7 @@
           <a:path path="circle">
             <a:fillToRect l="50000" t="-80000" r="50000" b="180000"/>
           </a:path>
-          <a:tileRect l="0" t="0" r="0" b="0"/>
+          <a:tileRect/>
         </a:gradFill>
         <a:gradFill>
           <a:gsLst>
@@ -6107,235 +8708,12 @@
           <a:path path="circle">
             <a:fillToRect l="50000" t="50000" r="50000" b="50000"/>
           </a:path>
-          <a:tileRect l="0" t="0" r="0" b="0"/>
+          <a:tileRect/>
         </a:gradFill>
       </a:bgFillStyleLst>
     </a:fmtScheme>
   </a:themeElements>
+  <a:objectDefaults/>
+  <a:extraClrSchemeLst/>
 </a:theme>
-</file>
-
-<file path=customXml/item1.xml><?xml version="1.0" encoding="utf-8"?>
-<ct:contentTypeSchema xmlns:ct="http://schemas.microsoft.com/office/2006/metadata/contentType" xmlns:ma="http://schemas.microsoft.com/office/2006/metadata/properties/metaAttributes" ct:_="" ma:_="" ma:contentTypeName="Documento" ma:contentTypeID="0x01010044B0CC94A944F640BC8BB27B2C4F09E5" ma:contentTypeVersion="8" ma:contentTypeDescription="Crear nuevo documento." ma:contentTypeScope="" ma:versionID="9ba759bb97755816b33d740e4baadd6e">
-  <xsd:schema xmlns:xsd="http://www.w3.org/2001/XMLSchema" xmlns:xs="http://www.w3.org/2001/XMLSchema" xmlns:p="http://schemas.microsoft.com/office/2006/metadata/properties" xmlns:ns2="dfd8b05c-5520-477e-82b5-f87c9afe3ad6" targetNamespace="http://schemas.microsoft.com/office/2006/metadata/properties" ma:root="true" ma:fieldsID="795933945d420103f7c2e6a02ca099e8" ns2:_="">
-    <xsd:import namespace="dfd8b05c-5520-477e-82b5-f87c9afe3ad6"/>
-    <xsd:element name="properties">
-      <xsd:complexType>
-        <xsd:sequence>
-          <xsd:element name="documentManagement">
-            <xsd:complexType>
-              <xsd:all>
-                <xsd:element ref="ns2:MediaServiceMetadata" minOccurs="0"/>
-                <xsd:element ref="ns2:MediaServiceFastMetadata" minOccurs="0"/>
-                <xsd:element ref="ns2:MediaServiceObjectDetectorVersions" minOccurs="0"/>
-                <xsd:element ref="ns2:MediaServiceSearchProperties" minOccurs="0"/>
-                <xsd:element ref="ns2:MediaServiceDateTaken" minOccurs="0"/>
-                <xsd:element ref="ns2:MediaServiceGenerationTime" minOccurs="0"/>
-                <xsd:element ref="ns2:MediaServiceEventHashCode" minOccurs="0"/>
-                <xsd:element ref="ns2:MediaLengthInSeconds" minOccurs="0"/>
-              </xsd:all>
-            </xsd:complexType>
-          </xsd:element>
-        </xsd:sequence>
-      </xsd:complexType>
-    </xsd:element>
-  </xsd:schema>
-  <xsd:schema xmlns:xsd="http://www.w3.org/2001/XMLSchema" xmlns:xs="http://www.w3.org/2001/XMLSchema" xmlns:dms="http://schemas.microsoft.com/office/2006/documentManagement/types" xmlns:pc="http://schemas.microsoft.com/office/infopath/2007/PartnerControls" targetNamespace="dfd8b05c-5520-477e-82b5-f87c9afe3ad6" elementFormDefault="qualified">
-    <xsd:import namespace="http://schemas.microsoft.com/office/2006/documentManagement/types"/>
-    <xsd:import namespace="http://schemas.microsoft.com/office/infopath/2007/PartnerControls"/>
-    <xsd:element name="MediaServiceMetadata" ma:index="8" nillable="true" ma:displayName="MediaServiceMetadata" ma:hidden="true" ma:internalName="MediaServiceMetadata" ma:readOnly="true">
-      <xsd:simpleType>
-        <xsd:restriction base="dms:Note"/>
-      </xsd:simpleType>
-    </xsd:element>
-    <xsd:element name="MediaServiceFastMetadata" ma:index="9" nillable="true" ma:displayName="MediaServiceFastMetadata" ma:hidden="true" ma:internalName="MediaServiceFastMetadata" ma:readOnly="true">
-      <xsd:simpleType>
-        <xsd:restriction base="dms:Note"/>
-      </xsd:simpleType>
-    </xsd:element>
-    <xsd:element name="MediaServiceObjectDetectorVersions" ma:index="10" nillable="true" ma:displayName="MediaServiceObjectDetectorVersions" ma:hidden="true" ma:indexed="true" ma:internalName="MediaServiceObjectDetectorVersions" ma:readOnly="true">
-      <xsd:simpleType>
-        <xsd:restriction base="dms:Text"/>
-      </xsd:simpleType>
-    </xsd:element>
-    <xsd:element name="MediaServiceSearchProperties" ma:index="11" nillable="true" ma:displayName="MediaServiceSearchProperties" ma:hidden="true" ma:internalName="MediaServiceSearchProperties" ma:readOnly="true">
-      <xsd:simpleType>
-        <xsd:restriction base="dms:Note"/>
-      </xsd:simpleType>
-    </xsd:element>
-    <xsd:element name="MediaServiceDateTaken" ma:index="12" nillable="true" ma:displayName="MediaServiceDateTaken" ma:hidden="true" ma:indexed="true" ma:internalName="MediaServiceDateTaken" ma:readOnly="true">
-      <xsd:simpleType>
-        <xsd:restriction base="dms:Text"/>
-      </xsd:simpleType>
-    </xsd:element>
-    <xsd:element name="MediaServiceGenerationTime" ma:index="13" nillable="true" ma:displayName="MediaServiceGenerationTime" ma:hidden="true" ma:internalName="MediaServiceGenerationTime" ma:readOnly="true">
-      <xsd:simpleType>
-        <xsd:restriction base="dms:Text"/>
-      </xsd:simpleType>
-    </xsd:element>
-    <xsd:element name="MediaServiceEventHashCode" ma:index="14" nillable="true" ma:displayName="MediaServiceEventHashCode" ma:hidden="true" ma:internalName="MediaServiceEventHashCode" ma:readOnly="true">
-      <xsd:simpleType>
-        <xsd:restriction base="dms:Text"/>
-      </xsd:simpleType>
-    </xsd:element>
-    <xsd:element name="MediaLengthInSeconds" ma:index="15" nillable="true" ma:displayName="MediaLengthInSeconds" ma:hidden="true" ma:internalName="MediaLengthInSeconds" ma:readOnly="true">
-      <xsd:simpleType>
-        <xsd:restriction base="dms:Unknown"/>
-      </xsd:simpleType>
-    </xsd:element>
-  </xsd:schema>
-  <xsd:schema xmlns="http://schemas.openxmlformats.org/package/2006/metadata/core-properties" xmlns:xsd="http://www.w3.org/2001/XMLSchema" xmlns:xsi="http://www.w3.org/2001/XMLSchema-instance" xmlns:dc="http://purl.org/dc/elements/1.1/" xmlns:dcterms="http://purl.org/dc/terms/" xmlns:odoc="http://schemas.microsoft.com/internal/obd" targetNamespace="http://schemas.openxmlformats.org/package/2006/metadata/core-properties" elementFormDefault="qualified" attributeFormDefault="unqualified" blockDefault="#all">
-    <xsd:import namespace="http://purl.org/dc/elements/1.1/" schemaLocation="http://dublincore.org/schemas/xmls/qdc/2003/04/02/dc.xsd"/>
-    <xsd:import namespace="http://purl.org/dc/terms/" schemaLocation="http://dublincore.org/schemas/xmls/qdc/2003/04/02/dcterms.xsd"/>
-    <xsd:element name="coreProperties" type="CT_coreProperties"/>
-    <xsd:complexType name="CT_coreProperties">
-      <xsd:all>
-        <xsd:element ref="dc:creator" minOccurs="0" maxOccurs="1"/>
-        <xsd:element ref="dcterms:created" minOccurs="0" maxOccurs="1"/>
-        <xsd:element ref="dc:identifier" minOccurs="0" maxOccurs="1"/>
-        <xsd:element name="contentType" minOccurs="0" maxOccurs="1" type="xsd:string" ma:index="0" ma:displayName="Tipo de contenido"/>
-        <xsd:element ref="dc:title" minOccurs="0" maxOccurs="1" ma:index="4" ma:displayName="Título"/>
-        <xsd:element ref="dc:subject" minOccurs="0" maxOccurs="1"/>
-        <xsd:element ref="dc:description" minOccurs="0" maxOccurs="1"/>
-        <xsd:element name="keywords" minOccurs="0" maxOccurs="1" type="xsd:string"/>
-        <xsd:element ref="dc:language" minOccurs="0" maxOccurs="1"/>
-        <xsd:element name="category" minOccurs="0" maxOccurs="1" type="xsd:string"/>
-        <xsd:element name="version" minOccurs="0" maxOccurs="1" type="xsd:string"/>
-        <xsd:element name="revision" minOccurs="0" maxOccurs="1" type="xsd:string">
-          <xsd:annotation>
-            <xsd:documentation>
-                        This value indicates the number of saves or revisions. The application is responsible for updating this value after each revision.
-                    </xsd:documentation>
-          </xsd:annotation>
-        </xsd:element>
-        <xsd:element name="lastModifiedBy" minOccurs="0" maxOccurs="1" type="xsd:string"/>
-        <xsd:element ref="dcterms:modified" minOccurs="0" maxOccurs="1"/>
-        <xsd:element name="contentStatus" minOccurs="0" maxOccurs="1" type="xsd:string"/>
-      </xsd:all>
-    </xsd:complexType>
-  </xsd:schema>
-  <xs:schema xmlns:pc="http://schemas.microsoft.com/office/infopath/2007/PartnerControls" xmlns:xs="http://www.w3.org/2001/XMLSchema" targetNamespace="http://schemas.microsoft.com/office/infopath/2007/PartnerControls" elementFormDefault="qualified" attributeFormDefault="unqualified">
-    <xs:element name="Person">
-      <xs:complexType>
-        <xs:sequence>
-          <xs:element ref="pc:DisplayName" minOccurs="0"/>
-          <xs:element ref="pc:AccountId" minOccurs="0"/>
-          <xs:element ref="pc:AccountType" minOccurs="0"/>
-        </xs:sequence>
-      </xs:complexType>
-    </xs:element>
-    <xs:element name="DisplayName" type="xs:string"/>
-    <xs:element name="AccountId" type="xs:string"/>
-    <xs:element name="AccountType" type="xs:string"/>
-    <xs:element name="BDCAssociatedEntity">
-      <xs:complexType>
-        <xs:sequence>
-          <xs:element ref="pc:BDCEntity" minOccurs="0" maxOccurs="unbounded"/>
-        </xs:sequence>
-        <xs:attribute ref="pc:EntityNamespace"/>
-        <xs:attribute ref="pc:EntityName"/>
-        <xs:attribute ref="pc:SystemInstanceName"/>
-        <xs:attribute ref="pc:AssociationName"/>
-      </xs:complexType>
-    </xs:element>
-    <xs:attribute name="EntityNamespace" type="xs:string"/>
-    <xs:attribute name="EntityName" type="xs:string"/>
-    <xs:attribute name="SystemInstanceName" type="xs:string"/>
-    <xs:attribute name="AssociationName" type="xs:string"/>
-    <xs:element name="BDCEntity">
-      <xs:complexType>
-        <xs:sequence>
-          <xs:element ref="pc:EntityDisplayName" minOccurs="0"/>
-          <xs:element ref="pc:EntityInstanceReference" minOccurs="0"/>
-          <xs:element ref="pc:EntityId1" minOccurs="0"/>
-          <xs:element ref="pc:EntityId2" minOccurs="0"/>
-          <xs:element ref="pc:EntityId3" minOccurs="0"/>
-          <xs:element ref="pc:EntityId4" minOccurs="0"/>
-          <xs:element ref="pc:EntityId5" minOccurs="0"/>
-        </xs:sequence>
-      </xs:complexType>
-    </xs:element>
-    <xs:element name="EntityDisplayName" type="xs:string"/>
-    <xs:element name="EntityInstanceReference" type="xs:string"/>
-    <xs:element name="EntityId1" type="xs:string"/>
-    <xs:element name="EntityId2" type="xs:string"/>
-    <xs:element name="EntityId3" type="xs:string"/>
-    <xs:element name="EntityId4" type="xs:string"/>
-    <xs:element name="EntityId5" type="xs:string"/>
-    <xs:element name="Terms">
-      <xs:complexType>
-        <xs:sequence>
-          <xs:element ref="pc:TermInfo" minOccurs="0" maxOccurs="unbounded"/>
-        </xs:sequence>
-      </xs:complexType>
-    </xs:element>
-    <xs:element name="TermInfo">
-      <xs:complexType>
-        <xs:sequence>
-          <xs:element ref="pc:TermName" minOccurs="0"/>
-          <xs:element ref="pc:TermId" minOccurs="0"/>
-        </xs:sequence>
-      </xs:complexType>
-    </xs:element>
-    <xs:element name="TermName" type="xs:string"/>
-    <xs:element name="TermId" type="xs:string"/>
-  </xs:schema>
-</ct:contentTypeSchema>
-</file>
-
-<file path=customXml/item2.xml><?xml version="1.0" encoding="utf-8"?>
-<p:properties xmlns:p="http://schemas.microsoft.com/office/2006/metadata/properties" xmlns:xsi="http://www.w3.org/2001/XMLSchema-instance" xmlns:pc="http://schemas.microsoft.com/office/infopath/2007/PartnerControls">
-  <documentManagement/>
-</p:properties>
-</file>
-
-<file path=customXml/item3.xml><?xml version="1.0" encoding="utf-8"?>
-<?mso-contentType ?>
-<FormTemplates xmlns="http://schemas.microsoft.com/sharepoint/v3/contenttype/forms">
-  <Display>DocumentLibraryForm</Display>
-  <Edit>DocumentLibraryForm</Edit>
-  <New>DocumentLibraryForm</New>
-</FormTemplates>
-</file>
-
-<file path=customXml/itemProps1.xml><?xml version="1.0" encoding="utf-8"?>
-<ds:datastoreItem xmlns:ds="http://schemas.openxmlformats.org/officeDocument/2006/customXml" ds:itemID="{0CB3EAF1-03A4-4203-AE17-369AE46698D5}">
-  <ds:schemaRefs>
-    <ds:schemaRef ds:uri="http://schemas.microsoft.com/office/2006/metadata/contentType"/>
-    <ds:schemaRef ds:uri="http://schemas.microsoft.com/office/2006/metadata/properties/metaAttributes"/>
-    <ds:schemaRef ds:uri="http://www.w3.org/2001/XMLSchema"/>
-    <ds:schemaRef ds:uri="http://schemas.microsoft.com/office/2006/metadata/properties"/>
-    <ds:schemaRef ds:uri="dfd8b05c-5520-477e-82b5-f87c9afe3ad6"/>
-    <ds:schemaRef ds:uri="http://schemas.microsoft.com/office/2006/documentManagement/types"/>
-    <ds:schemaRef ds:uri="http://schemas.microsoft.com/office/infopath/2007/PartnerControls"/>
-    <ds:schemaRef ds:uri="http://schemas.openxmlformats.org/package/2006/metadata/core-properties"/>
-    <ds:schemaRef ds:uri="http://purl.org/dc/elements/1.1/"/>
-    <ds:schemaRef ds:uri="http://purl.org/dc/terms/"/>
-    <ds:schemaRef ds:uri="http://schemas.microsoft.com/internal/obd"/>
-  </ds:schemaRefs>
-</ds:datastoreItem>
-</file>
-
-<file path=customXml/itemProps2.xml><?xml version="1.0" encoding="utf-8"?>
-<ds:datastoreItem xmlns:ds="http://schemas.openxmlformats.org/officeDocument/2006/customXml" ds:itemID="{B3B34520-C811-4C04-A9E2-E7B1C3ED120F}">
-  <ds:schemaRefs>
-    <ds:schemaRef ds:uri="http://schemas.microsoft.com/office/2006/metadata/properties"/>
-    <ds:schemaRef ds:uri="dfd8b05c-5520-477e-82b5-f87c9afe3ad6"/>
-    <ds:schemaRef ds:uri="http://purl.org/dc/dcmitype/"/>
-    <ds:schemaRef ds:uri="http://purl.org/dc/elements/1.1/"/>
-    <ds:schemaRef ds:uri="http://schemas.openxmlformats.org/package/2006/metadata/core-properties"/>
-    <ds:schemaRef ds:uri="http://schemas.microsoft.com/office/infopath/2007/PartnerControls"/>
-    <ds:schemaRef ds:uri="http://schemas.microsoft.com/office/2006/documentManagement/types"/>
-    <ds:schemaRef ds:uri="http://purl.org/dc/terms/"/>
-    <ds:schemaRef ds:uri="http://www.w3.org/XML/1998/namespace"/>
-  </ds:schemaRefs>
-</ds:datastoreItem>
-</file>
-
-<file path=customXml/itemProps3.xml><?xml version="1.0" encoding="utf-8"?>
-<ds:datastoreItem xmlns:ds="http://schemas.openxmlformats.org/officeDocument/2006/customXml" ds:itemID="{811884B1-A0F0-48E0-BF07-14BCB2C96199}">
-  <ds:schemaRefs>
-    <ds:schemaRef ds:uri="http://schemas.microsoft.com/sharepoint/v3/contenttype/forms"/>
-  </ds:schemaRefs>
-</ds:datastoreItem>
 </file>